--- a/14-Knavebard-GaulGroßSchwabSchickentanz.pptx
+++ b/14-Knavebard-GaulGroßSchwabSchickentanz.pptx
@@ -252,7 +252,7 @@
             <a:pPr algn="r" rtl="0"/>
             <a:fld id="{716C4FFE-C865-4BD2-B168-432B83AE99C9}" type="datetime1">
               <a:rPr lang="de-DE" smtClean="0"/>
-              <a:t>21.06.2018</a:t>
+              <a:t>28.06.2018</a:t>
             </a:fld>
             <a:endParaRPr lang="de-DE" dirty="0"/>
           </a:p>
@@ -422,7 +422,7 @@
             <a:fld id="{49A94F9C-7D1D-4139-993D-D6CC49F7E065}" type="datetime1">
               <a:rPr lang="de-DE" smtClean="0"/>
               <a:pPr/>
-              <a:t>21.06.2018</a:t>
+              <a:t>28.06.2018</a:t>
             </a:fld>
             <a:endParaRPr lang="de-DE" dirty="0"/>
           </a:p>
@@ -2010,7 +2010,7 @@
             <a:fld id="{28E70DB9-FBBA-4D03-A020-B2B58071FE68}" type="datetime1">
               <a:rPr lang="de-DE" smtClean="0"/>
               <a:pPr/>
-              <a:t>21.06.2018</a:t>
+              <a:t>28.06.2018</a:t>
             </a:fld>
             <a:endParaRPr lang="de-DE" dirty="0"/>
           </a:p>
@@ -2224,7 +2224,7 @@
             <a:fld id="{EC0DD58F-424F-4653-B52B-61C87E16F224}" type="datetime1">
               <a:rPr lang="de-DE" smtClean="0"/>
               <a:pPr/>
-              <a:t>21.06.2018</a:t>
+              <a:t>28.06.2018</a:t>
             </a:fld>
             <a:endParaRPr lang="de-DE" dirty="0"/>
           </a:p>
@@ -2448,7 +2448,7 @@
             <a:fld id="{551894ED-45BA-4B4C-824D-56E43E53637C}" type="datetime1">
               <a:rPr lang="de-DE" smtClean="0"/>
               <a:pPr/>
-              <a:t>21.06.2018</a:t>
+              <a:t>28.06.2018</a:t>
             </a:fld>
             <a:endParaRPr lang="de-DE" dirty="0"/>
           </a:p>
@@ -2662,7 +2662,7 @@
             <a:fld id="{E4E81888-0CA3-4C8A-A5CC-B28C3C0C4366}" type="datetime1">
               <a:rPr lang="de-DE" smtClean="0"/>
               <a:pPr/>
-              <a:t>21.06.2018</a:t>
+              <a:t>28.06.2018</a:t>
             </a:fld>
             <a:endParaRPr lang="de-DE" dirty="0"/>
           </a:p>
@@ -2939,7 +2939,7 @@
             <a:fld id="{56D37114-9F7C-43FD-B4E4-77C7C2CCA99B}" type="datetime1">
               <a:rPr lang="de-DE" smtClean="0"/>
               <a:pPr/>
-              <a:t>21.06.2018</a:t>
+              <a:t>28.06.2018</a:t>
             </a:fld>
             <a:endParaRPr lang="de-DE" dirty="0"/>
           </a:p>
@@ -3259,7 +3259,7 @@
             <a:fld id="{61A2A43C-E2A4-41A3-8366-7E426153FC9B}" type="datetime1">
               <a:rPr lang="de-DE" smtClean="0"/>
               <a:pPr/>
-              <a:t>21.06.2018</a:t>
+              <a:t>28.06.2018</a:t>
             </a:fld>
             <a:endParaRPr lang="de-DE" dirty="0"/>
           </a:p>
@@ -3719,7 +3719,7 @@
             <a:fld id="{9151DC09-6326-4502-B24A-A6D5B27C4674}" type="datetime1">
               <a:rPr lang="de-DE" smtClean="0"/>
               <a:pPr/>
-              <a:t>21.06.2018</a:t>
+              <a:t>28.06.2018</a:t>
             </a:fld>
             <a:endParaRPr lang="de-DE" dirty="0"/>
           </a:p>
@@ -3865,7 +3865,7 @@
             <a:fld id="{850BCEAD-3243-4936-AE81-64666F404955}" type="datetime1">
               <a:rPr lang="de-DE" smtClean="0"/>
               <a:pPr/>
-              <a:t>21.06.2018</a:t>
+              <a:t>28.06.2018</a:t>
             </a:fld>
             <a:endParaRPr lang="de-DE" dirty="0"/>
           </a:p>
@@ -3987,7 +3987,7 @@
             <a:fld id="{EDE648DC-659C-4101-B56D-B2125386FBA3}" type="datetime1">
               <a:rPr lang="de-DE" smtClean="0"/>
               <a:pPr/>
-              <a:t>21.06.2018</a:t>
+              <a:t>28.06.2018</a:t>
             </a:fld>
             <a:endParaRPr lang="de-DE" dirty="0"/>
           </a:p>
@@ -4398,7 +4398,7 @@
             <a:fld id="{915B43C3-354A-4836-991C-8D34FC7DDFE7}" type="datetime1">
               <a:rPr lang="de-DE" smtClean="0"/>
               <a:pPr/>
-              <a:t>21.06.2018</a:t>
+              <a:t>28.06.2018</a:t>
             </a:fld>
             <a:endParaRPr lang="de-DE" dirty="0"/>
           </a:p>
@@ -4808,7 +4808,7 @@
             <a:fld id="{D6C07D14-90AD-44D2-BBE1-CFDA104D562D}" type="datetime1">
               <a:rPr lang="de-DE" smtClean="0"/>
               <a:pPr/>
-              <a:t>21.06.2018</a:t>
+              <a:t>28.06.2018</a:t>
             </a:fld>
             <a:endParaRPr lang="de-DE" dirty="0"/>
           </a:p>
@@ -5066,7 +5066,7 @@
             <a:fld id="{CB7DE3FD-DB9E-4BCE-97FD-603EFC35422E}" type="datetime1">
               <a:rPr lang="de-DE" smtClean="0"/>
               <a:pPr/>
-              <a:t>21.06.2018</a:t>
+              <a:t>28.06.2018</a:t>
             </a:fld>
             <a:endParaRPr lang="de-DE" dirty="0"/>
           </a:p>
@@ -6216,28 +6216,21 @@
       </p:sp>
       <p:graphicFrame>
         <p:nvGraphicFramePr>
-          <p:cNvPr id="6" name="Inhaltsplatzhalter 5">
-            <a:extLst>
-              <a:ext uri="{FF2B5EF4-FFF2-40B4-BE49-F238E27FC236}">
-                <a16:creationId xmlns:a16="http://schemas.microsoft.com/office/drawing/2014/main" id="{145AC4D4-E55F-4E90-9583-FDFAC0B5A06B}"/>
-              </a:ext>
-            </a:extLst>
-          </p:cNvPr>
+          <p:cNvPr id="4" name="Tabelle 3"/>
           <p:cNvGraphicFramePr>
             <a:graphicFrameLocks noGrp="1"/>
           </p:cNvGraphicFramePr>
           <p:nvPr>
-            <p:ph sz="half" idx="1"/>
             <p:extLst>
               <p:ext uri="{D42A27DB-BD31-4B8C-83A1-F6EECF244321}">
-                <p14:modId xmlns:p14="http://schemas.microsoft.com/office/powerpoint/2010/main" val="1314027290"/>
+                <p14:modId xmlns:p14="http://schemas.microsoft.com/office/powerpoint/2010/main" val="3292178297"/>
               </p:ext>
             </p:extLst>
           </p:nvPr>
         </p:nvGraphicFramePr>
         <p:xfrm>
-          <a:off x="1125860" y="2204864"/>
-          <a:ext cx="9828702" cy="3020336"/>
+          <a:off x="621804" y="1844824"/>
+          <a:ext cx="10945216" cy="4450674"/>
         </p:xfrm>
         <a:graphic>
           <a:graphicData uri="http://schemas.openxmlformats.org/drawingml/2006/table">
@@ -6246,64 +6239,50 @@
                 <a:tableStyleId>{5C22544A-7EE6-4342-B048-85BDC9FD1C3A}</a:tableStyleId>
               </a:tblPr>
               <a:tblGrid>
-                <a:gridCol w="937017">
+                <a:gridCol w="834783">
                   <a:extLst>
                     <a:ext uri="{9D8B030D-6E8A-4147-A177-3AD203B41FA5}">
-                      <a16:colId xmlns:a16="http://schemas.microsoft.com/office/drawing/2014/main" val="3053924015"/>
+                      <a16:colId xmlns:a16="http://schemas.microsoft.com/office/drawing/2014/main" val="4286485486"/>
                     </a:ext>
                   </a:extLst>
                 </a:gridCol>
-                <a:gridCol w="1069096">
+                <a:gridCol w="2403774">
                   <a:extLst>
                     <a:ext uri="{9D8B030D-6E8A-4147-A177-3AD203B41FA5}">
-                      <a16:colId xmlns:a16="http://schemas.microsoft.com/office/drawing/2014/main" val="4224299232"/>
+                      <a16:colId xmlns:a16="http://schemas.microsoft.com/office/drawing/2014/main" val="841576312"/>
                     </a:ext>
                   </a:extLst>
                 </a:gridCol>
-                <a:gridCol w="1365651">
+                <a:gridCol w="1227031">
                   <a:extLst>
                     <a:ext uri="{9D8B030D-6E8A-4147-A177-3AD203B41FA5}">
-                      <a16:colId xmlns:a16="http://schemas.microsoft.com/office/drawing/2014/main" val="2246766286"/>
+                      <a16:colId xmlns:a16="http://schemas.microsoft.com/office/drawing/2014/main" val="2401045768"/>
                     </a:ext>
                   </a:extLst>
                 </a:gridCol>
-                <a:gridCol w="1069096">
+                <a:gridCol w="2436461">
                   <a:extLst>
                     <a:ext uri="{9D8B030D-6E8A-4147-A177-3AD203B41FA5}">
-                      <a16:colId xmlns:a16="http://schemas.microsoft.com/office/drawing/2014/main" val="247900942"/>
+                      <a16:colId xmlns:a16="http://schemas.microsoft.com/office/drawing/2014/main" val="2812035625"/>
                     </a:ext>
                   </a:extLst>
                 </a:gridCol>
-                <a:gridCol w="2123238">
+                <a:gridCol w="3268730">
                   <a:extLst>
                     <a:ext uri="{9D8B030D-6E8A-4147-A177-3AD203B41FA5}">
-                      <a16:colId xmlns:a16="http://schemas.microsoft.com/office/drawing/2014/main" val="749565769"/>
+                      <a16:colId xmlns:a16="http://schemas.microsoft.com/office/drawing/2014/main" val="3640727951"/>
                     </a:ext>
                   </a:extLst>
                 </a:gridCol>
-                <a:gridCol w="1545080">
+                <a:gridCol w="774437">
                   <a:extLst>
                     <a:ext uri="{9D8B030D-6E8A-4147-A177-3AD203B41FA5}">
-                      <a16:colId xmlns:a16="http://schemas.microsoft.com/office/drawing/2014/main" val="3374586406"/>
-                    </a:ext>
-                  </a:extLst>
-                </a:gridCol>
-                <a:gridCol w="740143">
-                  <a:extLst>
-                    <a:ext uri="{9D8B030D-6E8A-4147-A177-3AD203B41FA5}">
-                      <a16:colId xmlns:a16="http://schemas.microsoft.com/office/drawing/2014/main" val="221410768"/>
-                    </a:ext>
-                  </a:extLst>
-                </a:gridCol>
-                <a:gridCol w="979381">
-                  <a:extLst>
-                    <a:ext uri="{9D8B030D-6E8A-4147-A177-3AD203B41FA5}">
-                      <a16:colId xmlns:a16="http://schemas.microsoft.com/office/drawing/2014/main" val="704131592"/>
+                      <a16:colId xmlns:a16="http://schemas.microsoft.com/office/drawing/2014/main" val="1235170355"/>
                     </a:ext>
                   </a:extLst>
                 </a:gridCol>
               </a:tblGrid>
-              <a:tr h="149676">
+              <a:tr h="247718">
                 <a:tc>
                   <a:txBody>
                     <a:bodyPr/>
@@ -6311,12 +6290,12 @@
                     <a:p>
                       <a:pPr algn="l" fontAlgn="b"/>
                       <a:r>
-                        <a:rPr lang="de-DE" sz="800" u="none" strike="noStrike">
+                        <a:rPr lang="de-DE" sz="800" u="none" strike="noStrike" dirty="0">
                           <a:effectLst/>
                         </a:rPr>
-                        <a:t>Kalenderwoche: </a:t>
+                        <a:t>Datum</a:t>
                       </a:r>
-                      <a:endParaRPr lang="de-DE" sz="800" b="0" i="0" u="none" strike="noStrike">
+                      <a:endParaRPr lang="de-DE" sz="800" b="0" i="0" u="none" strike="noStrike" dirty="0">
                         <a:solidFill>
                           <a:srgbClr val="000000"/>
                         </a:solidFill>
@@ -6325,176 +6304,27 @@
                       </a:endParaRPr>
                     </a:p>
                   </a:txBody>
-                  <a:tcPr marL="7483" marR="7483" marT="7483" marB="0" anchor="b"/>
+                  <a:tcPr marL="6618" marR="6618" marT="6618" marB="0" anchor="b">
+                    <a:lnR w="12700" cap="flat" cmpd="sng" algn="ctr">
+                      <a:solidFill>
+                        <a:schemeClr val="bg1"/>
+                      </a:solidFill>
+                      <a:prstDash val="solid"/>
+                      <a:round/>
+                      <a:headEnd type="none" w="med" len="med"/>
+                      <a:tailEnd type="none" w="med" len="med"/>
+                    </a:lnR>
+                    <a:lnB w="12700" cap="flat" cmpd="sng" algn="ctr">
+                      <a:solidFill>
+                        <a:schemeClr val="bg1"/>
+                      </a:solidFill>
+                      <a:prstDash val="solid"/>
+                      <a:round/>
+                      <a:headEnd type="none" w="med" len="med"/>
+                      <a:tailEnd type="none" w="med" len="med"/>
+                    </a:lnB>
+                  </a:tcPr>
                 </a:tc>
-                <a:tc>
-                  <a:txBody>
-                    <a:bodyPr/>
-                    <a:lstStyle/>
-                    <a:p>
-                      <a:pPr algn="r" fontAlgn="b"/>
-                      <a:r>
-                        <a:rPr lang="de-DE" sz="800" u="none" strike="noStrike">
-                          <a:effectLst/>
-                        </a:rPr>
-                        <a:t>25</a:t>
-                      </a:r>
-                      <a:endParaRPr lang="de-DE" sz="800" b="0" i="0" u="none" strike="noStrike">
-                        <a:solidFill>
-                          <a:srgbClr val="000000"/>
-                        </a:solidFill>
-                        <a:effectLst/>
-                        <a:latin typeface="Calibri" panose="020F0502020204030204" pitchFamily="34" charset="0"/>
-                      </a:endParaRPr>
-                    </a:p>
-                  </a:txBody>
-                  <a:tcPr marL="7483" marR="7483" marT="7483" marB="0" anchor="b"/>
-                </a:tc>
-                <a:tc>
-                  <a:txBody>
-                    <a:bodyPr/>
-                    <a:lstStyle/>
-                    <a:p>
-                      <a:pPr algn="r" fontAlgn="b"/>
-                      <a:r>
-                        <a:rPr lang="de-DE" sz="800" u="none" strike="noStrike">
-                          <a:effectLst/>
-                        </a:rPr>
-                        <a:t>26</a:t>
-                      </a:r>
-                      <a:endParaRPr lang="de-DE" sz="800" b="0" i="0" u="none" strike="noStrike">
-                        <a:solidFill>
-                          <a:srgbClr val="000000"/>
-                        </a:solidFill>
-                        <a:effectLst/>
-                        <a:latin typeface="Calibri" panose="020F0502020204030204" pitchFamily="34" charset="0"/>
-                      </a:endParaRPr>
-                    </a:p>
-                  </a:txBody>
-                  <a:tcPr marL="7483" marR="7483" marT="7483" marB="0" anchor="b"/>
-                </a:tc>
-                <a:tc>
-                  <a:txBody>
-                    <a:bodyPr/>
-                    <a:lstStyle/>
-                    <a:p>
-                      <a:pPr algn="r" fontAlgn="b"/>
-                      <a:r>
-                        <a:rPr lang="de-DE" sz="800" u="none" strike="noStrike">
-                          <a:effectLst/>
-                        </a:rPr>
-                        <a:t>27</a:t>
-                      </a:r>
-                      <a:endParaRPr lang="de-DE" sz="800" b="0" i="0" u="none" strike="noStrike">
-                        <a:solidFill>
-                          <a:srgbClr val="000000"/>
-                        </a:solidFill>
-                        <a:effectLst/>
-                        <a:latin typeface="Calibri" panose="020F0502020204030204" pitchFamily="34" charset="0"/>
-                      </a:endParaRPr>
-                    </a:p>
-                  </a:txBody>
-                  <a:tcPr marL="7483" marR="7483" marT="7483" marB="0" anchor="b"/>
-                </a:tc>
-                <a:tc>
-                  <a:txBody>
-                    <a:bodyPr/>
-                    <a:lstStyle/>
-                    <a:p>
-                      <a:pPr algn="r" fontAlgn="b"/>
-                      <a:r>
-                        <a:rPr lang="de-DE" sz="800" u="none" strike="noStrike">
-                          <a:effectLst/>
-                        </a:rPr>
-                        <a:t>28</a:t>
-                      </a:r>
-                      <a:endParaRPr lang="de-DE" sz="800" b="0" i="0" u="none" strike="noStrike">
-                        <a:solidFill>
-                          <a:srgbClr val="000000"/>
-                        </a:solidFill>
-                        <a:effectLst/>
-                        <a:latin typeface="Calibri" panose="020F0502020204030204" pitchFamily="34" charset="0"/>
-                      </a:endParaRPr>
-                    </a:p>
-                  </a:txBody>
-                  <a:tcPr marL="7483" marR="7483" marT="7483" marB="0" anchor="b"/>
-                </a:tc>
-                <a:tc>
-                  <a:txBody>
-                    <a:bodyPr/>
-                    <a:lstStyle/>
-                    <a:p>
-                      <a:pPr algn="r" fontAlgn="b"/>
-                      <a:r>
-                        <a:rPr lang="de-DE" sz="800" u="none" strike="noStrike">
-                          <a:effectLst/>
-                        </a:rPr>
-                        <a:t>29</a:t>
-                      </a:r>
-                      <a:endParaRPr lang="de-DE" sz="800" b="0" i="0" u="none" strike="noStrike">
-                        <a:solidFill>
-                          <a:srgbClr val="000000"/>
-                        </a:solidFill>
-                        <a:effectLst/>
-                        <a:latin typeface="Calibri" panose="020F0502020204030204" pitchFamily="34" charset="0"/>
-                      </a:endParaRPr>
-                    </a:p>
-                  </a:txBody>
-                  <a:tcPr marL="7483" marR="7483" marT="7483" marB="0" anchor="b"/>
-                </a:tc>
-                <a:tc>
-                  <a:txBody>
-                    <a:bodyPr/>
-                    <a:lstStyle/>
-                    <a:p>
-                      <a:pPr algn="r" fontAlgn="b"/>
-                      <a:r>
-                        <a:rPr lang="de-DE" sz="800" u="none" strike="noStrike">
-                          <a:effectLst/>
-                        </a:rPr>
-                        <a:t>30</a:t>
-                      </a:r>
-                      <a:endParaRPr lang="de-DE" sz="800" b="0" i="0" u="none" strike="noStrike">
-                        <a:solidFill>
-                          <a:srgbClr val="000000"/>
-                        </a:solidFill>
-                        <a:effectLst/>
-                        <a:latin typeface="Calibri" panose="020F0502020204030204" pitchFamily="34" charset="0"/>
-                      </a:endParaRPr>
-                    </a:p>
-                  </a:txBody>
-                  <a:tcPr marL="7483" marR="7483" marT="7483" marB="0" anchor="b"/>
-                </a:tc>
-                <a:tc>
-                  <a:txBody>
-                    <a:bodyPr/>
-                    <a:lstStyle/>
-                    <a:p>
-                      <a:pPr algn="r" fontAlgn="b"/>
-                      <a:r>
-                        <a:rPr lang="de-DE" sz="800" u="none" strike="noStrike">
-                          <a:effectLst/>
-                        </a:rPr>
-                        <a:t>31</a:t>
-                      </a:r>
-                      <a:endParaRPr lang="de-DE" sz="800" b="0" i="0" u="none" strike="noStrike">
-                        <a:solidFill>
-                          <a:srgbClr val="000000"/>
-                        </a:solidFill>
-                        <a:effectLst/>
-                        <a:latin typeface="Calibri" panose="020F0502020204030204" pitchFamily="34" charset="0"/>
-                      </a:endParaRPr>
-                    </a:p>
-                  </a:txBody>
-                  <a:tcPr marL="7483" marR="7483" marT="7483" marB="0" anchor="b"/>
-                </a:tc>
-                <a:extLst>
-                  <a:ext uri="{0D108BD9-81ED-4DB2-BD59-A6C34878D82A}">
-                    <a16:rowId xmlns:a16="http://schemas.microsoft.com/office/drawing/2014/main" val="181692516"/>
-                  </a:ext>
-                </a:extLst>
-              </a:tr>
-              <a:tr h="265285">
                 <a:tc>
                   <a:txBody>
                     <a:bodyPr/>
@@ -6516,7 +6346,207 @@
                       </a:endParaRPr>
                     </a:p>
                   </a:txBody>
-                  <a:tcPr marL="7483" marR="7483" marT="7483" marB="0" anchor="b"/>
+                  <a:tcPr marL="6618" marR="6618" marT="6618" marB="0" anchor="b">
+                    <a:lnL w="12700" cap="flat" cmpd="sng" algn="ctr">
+                      <a:solidFill>
+                        <a:schemeClr val="bg1"/>
+                      </a:solidFill>
+                      <a:prstDash val="solid"/>
+                      <a:round/>
+                      <a:headEnd type="none" w="med" len="med"/>
+                      <a:tailEnd type="none" w="med" len="med"/>
+                    </a:lnL>
+                    <a:lnB w="12700" cap="flat" cmpd="sng" algn="ctr">
+                      <a:solidFill>
+                        <a:schemeClr val="bg1"/>
+                      </a:solidFill>
+                      <a:prstDash val="solid"/>
+                      <a:round/>
+                      <a:headEnd type="none" w="med" len="med"/>
+                      <a:tailEnd type="none" w="med" len="med"/>
+                    </a:lnB>
+                  </a:tcPr>
+                </a:tc>
+                <a:tc>
+                  <a:txBody>
+                    <a:bodyPr/>
+                    <a:lstStyle/>
+                    <a:p>
+                      <a:pPr algn="l" fontAlgn="b"/>
+                      <a:r>
+                        <a:rPr lang="de-DE" sz="800" u="none" strike="noStrike">
+                          <a:effectLst/>
+                        </a:rPr>
+                        <a:t>Jörg</a:t>
+                      </a:r>
+                      <a:endParaRPr lang="de-DE" sz="800" b="0" i="0" u="none" strike="noStrike">
+                        <a:solidFill>
+                          <a:srgbClr val="000000"/>
+                        </a:solidFill>
+                        <a:effectLst/>
+                        <a:latin typeface="Calibri" panose="020F0502020204030204" pitchFamily="34" charset="0"/>
+                      </a:endParaRPr>
+                    </a:p>
+                  </a:txBody>
+                  <a:tcPr marL="6618" marR="6618" marT="6618" marB="0" anchor="b">
+                    <a:lnB w="12700" cap="flat" cmpd="sng" algn="ctr">
+                      <a:solidFill>
+                        <a:schemeClr val="bg1"/>
+                      </a:solidFill>
+                      <a:prstDash val="solid"/>
+                      <a:round/>
+                      <a:headEnd type="none" w="med" len="med"/>
+                      <a:tailEnd type="none" w="med" len="med"/>
+                    </a:lnB>
+                  </a:tcPr>
+                </a:tc>
+                <a:tc>
+                  <a:txBody>
+                    <a:bodyPr/>
+                    <a:lstStyle/>
+                    <a:p>
+                      <a:pPr algn="l" fontAlgn="b"/>
+                      <a:r>
+                        <a:rPr lang="de-DE" sz="800" u="none" strike="noStrike">
+                          <a:effectLst/>
+                        </a:rPr>
+                        <a:t>Andreas</a:t>
+                      </a:r>
+                      <a:endParaRPr lang="de-DE" sz="800" b="0" i="0" u="none" strike="noStrike">
+                        <a:solidFill>
+                          <a:srgbClr val="000000"/>
+                        </a:solidFill>
+                        <a:effectLst/>
+                        <a:latin typeface="Calibri" panose="020F0502020204030204" pitchFamily="34" charset="0"/>
+                      </a:endParaRPr>
+                    </a:p>
+                  </a:txBody>
+                  <a:tcPr marL="6618" marR="6618" marT="6618" marB="0" anchor="b">
+                    <a:lnB w="12700" cap="flat" cmpd="sng" algn="ctr">
+                      <a:solidFill>
+                        <a:schemeClr val="bg1"/>
+                      </a:solidFill>
+                      <a:prstDash val="solid"/>
+                      <a:round/>
+                      <a:headEnd type="none" w="med" len="med"/>
+                      <a:tailEnd type="none" w="med" len="med"/>
+                    </a:lnB>
+                  </a:tcPr>
+                </a:tc>
+                <a:tc>
+                  <a:txBody>
+                    <a:bodyPr/>
+                    <a:lstStyle/>
+                    <a:p>
+                      <a:pPr algn="l" fontAlgn="b"/>
+                      <a:r>
+                        <a:rPr lang="de-DE" sz="800" u="none" strike="noStrike">
+                          <a:effectLst/>
+                        </a:rPr>
+                        <a:t>Marcel</a:t>
+                      </a:r>
+                      <a:endParaRPr lang="de-DE" sz="800" b="0" i="0" u="none" strike="noStrike">
+                        <a:solidFill>
+                          <a:srgbClr val="000000"/>
+                        </a:solidFill>
+                        <a:effectLst/>
+                        <a:latin typeface="Calibri" panose="020F0502020204030204" pitchFamily="34" charset="0"/>
+                      </a:endParaRPr>
+                    </a:p>
+                  </a:txBody>
+                  <a:tcPr marL="6618" marR="6618" marT="6618" marB="0" anchor="b">
+                    <a:lnB w="12700" cap="flat" cmpd="sng" algn="ctr">
+                      <a:solidFill>
+                        <a:schemeClr val="bg1"/>
+                      </a:solidFill>
+                      <a:prstDash val="solid"/>
+                      <a:round/>
+                      <a:headEnd type="none" w="med" len="med"/>
+                      <a:tailEnd type="none" w="med" len="med"/>
+                    </a:lnB>
+                  </a:tcPr>
+                </a:tc>
+                <a:tc>
+                  <a:txBody>
+                    <a:bodyPr/>
+                    <a:lstStyle/>
+                    <a:p>
+                      <a:pPr algn="l" fontAlgn="b"/>
+                      <a:r>
+                        <a:rPr lang="de-DE" sz="800" u="none" strike="noStrike">
+                          <a:effectLst/>
+                        </a:rPr>
+                        <a:t>Meilensteine</a:t>
+                      </a:r>
+                      <a:endParaRPr lang="de-DE" sz="800" b="0" i="0" u="none" strike="noStrike">
+                        <a:solidFill>
+                          <a:srgbClr val="000000"/>
+                        </a:solidFill>
+                        <a:effectLst/>
+                        <a:latin typeface="Calibri" panose="020F0502020204030204" pitchFamily="34" charset="0"/>
+                      </a:endParaRPr>
+                    </a:p>
+                  </a:txBody>
+                  <a:tcPr marL="6618" marR="6618" marT="6618" marB="0" anchor="b">
+                    <a:lnB w="12700" cap="flat" cmpd="sng" algn="ctr">
+                      <a:solidFill>
+                        <a:schemeClr val="bg1"/>
+                      </a:solidFill>
+                      <a:prstDash val="solid"/>
+                      <a:round/>
+                      <a:headEnd type="none" w="med" len="med"/>
+                      <a:tailEnd type="none" w="med" len="med"/>
+                    </a:lnB>
+                  </a:tcPr>
+                </a:tc>
+                <a:extLst>
+                  <a:ext uri="{0D108BD9-81ED-4DB2-BD59-A6C34878D82A}">
+                    <a16:rowId xmlns:a16="http://schemas.microsoft.com/office/drawing/2014/main" val="199601475"/>
+                  </a:ext>
+                </a:extLst>
+              </a:tr>
+              <a:tr h="235921">
+                <a:tc>
+                  <a:txBody>
+                    <a:bodyPr/>
+                    <a:lstStyle/>
+                    <a:p>
+                      <a:pPr algn="l" fontAlgn="b"/>
+                      <a:r>
+                        <a:rPr lang="de-DE" sz="800" u="none" strike="noStrike">
+                          <a:effectLst/>
+                        </a:rPr>
+                        <a:t>18.06. - 24.06.</a:t>
+                      </a:r>
+                      <a:endParaRPr lang="de-DE" sz="800" b="0" i="0" u="none" strike="noStrike">
+                        <a:solidFill>
+                          <a:srgbClr val="000000"/>
+                        </a:solidFill>
+                        <a:effectLst/>
+                        <a:latin typeface="Calibri" panose="020F0502020204030204" pitchFamily="34" charset="0"/>
+                      </a:endParaRPr>
+                    </a:p>
+                  </a:txBody>
+                  <a:tcPr marL="6618" marR="6618" marT="6618" marB="0" anchor="b">
+                    <a:lnR w="12700" cap="flat" cmpd="sng" algn="ctr">
+                      <a:solidFill>
+                        <a:schemeClr val="bg1"/>
+                      </a:solidFill>
+                      <a:prstDash val="solid"/>
+                      <a:round/>
+                      <a:headEnd type="none" w="med" len="med"/>
+                      <a:tailEnd type="none" w="med" len="med"/>
+                    </a:lnR>
+                    <a:lnT w="12700" cap="flat" cmpd="sng" algn="ctr">
+                      <a:solidFill>
+                        <a:schemeClr val="bg1"/>
+                      </a:solidFill>
+                      <a:prstDash val="solid"/>
+                      <a:round/>
+                      <a:headEnd type="none" w="med" len="med"/>
+                      <a:tailEnd type="none" w="med" len="med"/>
+                    </a:lnT>
+                  </a:tcPr>
                 </a:tc>
                 <a:tc>
                   <a:txBody>
@@ -6539,7 +6569,26 @@
                       </a:endParaRPr>
                     </a:p>
                   </a:txBody>
-                  <a:tcPr marL="7483" marR="7483" marT="7483" marB="0" anchor="b"/>
+                  <a:tcPr marL="6618" marR="6618" marT="6618" marB="0" anchor="b">
+                    <a:lnL w="12700" cap="flat" cmpd="sng" algn="ctr">
+                      <a:solidFill>
+                        <a:schemeClr val="bg1"/>
+                      </a:solidFill>
+                      <a:prstDash val="solid"/>
+                      <a:round/>
+                      <a:headEnd type="none" w="med" len="med"/>
+                      <a:tailEnd type="none" w="med" len="med"/>
+                    </a:lnL>
+                    <a:lnT w="12700" cap="flat" cmpd="sng" algn="ctr">
+                      <a:solidFill>
+                        <a:schemeClr val="bg1"/>
+                      </a:solidFill>
+                      <a:prstDash val="solid"/>
+                      <a:round/>
+                      <a:headEnd type="none" w="med" len="med"/>
+                      <a:tailEnd type="none" w="med" len="med"/>
+                    </a:lnT>
+                  </a:tcPr>
                 </a:tc>
                 <a:tc>
                   <a:txBody>
@@ -6551,7 +6600,7 @@
                         <a:rPr lang="de-DE" sz="800" u="none" strike="noStrike">
                           <a:effectLst/>
                         </a:rPr>
-                        <a:t>UI</a:t>
+                        <a:t>Planung</a:t>
                       </a:r>
                       <a:endParaRPr lang="de-DE" sz="800" b="0" i="0" u="none" strike="noStrike">
                         <a:solidFill>
@@ -6562,7 +6611,17 @@
                       </a:endParaRPr>
                     </a:p>
                   </a:txBody>
-                  <a:tcPr marL="7483" marR="7483" marT="7483" marB="0" anchor="b"/>
+                  <a:tcPr marL="6618" marR="6618" marT="6618" marB="0" anchor="b">
+                    <a:lnT w="12700" cap="flat" cmpd="sng" algn="ctr">
+                      <a:solidFill>
+                        <a:schemeClr val="bg1"/>
+                      </a:solidFill>
+                      <a:prstDash val="solid"/>
+                      <a:round/>
+                      <a:headEnd type="none" w="med" len="med"/>
+                      <a:tailEnd type="none" w="med" len="med"/>
+                    </a:lnT>
+                  </a:tcPr>
                 </a:tc>
                 <a:tc>
                   <a:txBody>
@@ -6574,7 +6633,7 @@
                         <a:rPr lang="de-DE" sz="800" u="none" strike="noStrike">
                           <a:effectLst/>
                         </a:rPr>
-                        <a:t>Steuerung</a:t>
+                        <a:t>Planung</a:t>
                       </a:r>
                       <a:endParaRPr lang="de-DE" sz="800" b="0" i="0" u="none" strike="noStrike">
                         <a:solidFill>
@@ -6585,7 +6644,435 @@
                       </a:endParaRPr>
                     </a:p>
                   </a:txBody>
-                  <a:tcPr marL="7483" marR="7483" marT="7483" marB="0" anchor="b"/>
+                  <a:tcPr marL="6618" marR="6618" marT="6618" marB="0" anchor="b">
+                    <a:lnT w="12700" cap="flat" cmpd="sng" algn="ctr">
+                      <a:solidFill>
+                        <a:schemeClr val="bg1"/>
+                      </a:solidFill>
+                      <a:prstDash val="solid"/>
+                      <a:round/>
+                      <a:headEnd type="none" w="med" len="med"/>
+                      <a:tailEnd type="none" w="med" len="med"/>
+                    </a:lnT>
+                  </a:tcPr>
+                </a:tc>
+                <a:tc>
+                  <a:txBody>
+                    <a:bodyPr/>
+                    <a:lstStyle/>
+                    <a:p>
+                      <a:pPr algn="l" fontAlgn="b"/>
+                      <a:r>
+                        <a:rPr lang="de-DE" sz="800" u="none" strike="noStrike">
+                          <a:effectLst/>
+                        </a:rPr>
+                        <a:t>Planung</a:t>
+                      </a:r>
+                      <a:endParaRPr lang="de-DE" sz="800" b="0" i="0" u="none" strike="noStrike">
+                        <a:solidFill>
+                          <a:srgbClr val="000000"/>
+                        </a:solidFill>
+                        <a:effectLst/>
+                        <a:latin typeface="Calibri" panose="020F0502020204030204" pitchFamily="34" charset="0"/>
+                      </a:endParaRPr>
+                    </a:p>
+                  </a:txBody>
+                  <a:tcPr marL="6618" marR="6618" marT="6618" marB="0" anchor="b">
+                    <a:lnT w="12700" cap="flat" cmpd="sng" algn="ctr">
+                      <a:solidFill>
+                        <a:schemeClr val="bg1"/>
+                      </a:solidFill>
+                      <a:prstDash val="solid"/>
+                      <a:round/>
+                      <a:headEnd type="none" w="med" len="med"/>
+                      <a:tailEnd type="none" w="med" len="med"/>
+                    </a:lnT>
+                  </a:tcPr>
+                </a:tc>
+                <a:tc>
+                  <a:txBody>
+                    <a:bodyPr/>
+                    <a:lstStyle/>
+                    <a:p>
+                      <a:pPr algn="l" fontAlgn="b"/>
+                      <a:endParaRPr lang="de-DE" sz="800" b="0" i="0" u="none" strike="noStrike">
+                        <a:solidFill>
+                          <a:srgbClr val="000000"/>
+                        </a:solidFill>
+                        <a:effectLst/>
+                        <a:latin typeface="Calibri" panose="020F0502020204030204" pitchFamily="34" charset="0"/>
+                      </a:endParaRPr>
+                    </a:p>
+                  </a:txBody>
+                  <a:tcPr marL="6618" marR="6618" marT="6618" marB="0" anchor="b">
+                    <a:lnT w="12700" cap="flat" cmpd="sng" algn="ctr">
+                      <a:solidFill>
+                        <a:schemeClr val="bg1"/>
+                      </a:solidFill>
+                      <a:prstDash val="solid"/>
+                      <a:round/>
+                      <a:headEnd type="none" w="med" len="med"/>
+                      <a:tailEnd type="none" w="med" len="med"/>
+                    </a:lnT>
+                  </a:tcPr>
+                </a:tc>
+                <a:extLst>
+                  <a:ext uri="{0D108BD9-81ED-4DB2-BD59-A6C34878D82A}">
+                    <a16:rowId xmlns:a16="http://schemas.microsoft.com/office/drawing/2014/main" val="3231860525"/>
+                  </a:ext>
+                </a:extLst>
+              </a:tr>
+              <a:tr h="235921">
+                <a:tc>
+                  <a:txBody>
+                    <a:bodyPr/>
+                    <a:lstStyle/>
+                    <a:p>
+                      <a:pPr algn="l" fontAlgn="b"/>
+                      <a:r>
+                        <a:rPr lang="de-DE" sz="800" u="none" strike="noStrike">
+                          <a:effectLst/>
+                        </a:rPr>
+                        <a:t>25.06. - 01.07.</a:t>
+                      </a:r>
+                      <a:endParaRPr lang="de-DE" sz="800" b="0" i="0" u="none" strike="noStrike">
+                        <a:solidFill>
+                          <a:srgbClr val="000000"/>
+                        </a:solidFill>
+                        <a:effectLst/>
+                        <a:latin typeface="Calibri" panose="020F0502020204030204" pitchFamily="34" charset="0"/>
+                      </a:endParaRPr>
+                    </a:p>
+                  </a:txBody>
+                  <a:tcPr marL="6618" marR="6618" marT="6618" marB="0" anchor="b">
+                    <a:lnR w="12700" cap="flat" cmpd="sng" algn="ctr">
+                      <a:solidFill>
+                        <a:schemeClr val="bg1"/>
+                      </a:solidFill>
+                      <a:prstDash val="solid"/>
+                      <a:round/>
+                      <a:headEnd type="none" w="med" len="med"/>
+                      <a:tailEnd type="none" w="med" len="med"/>
+                    </a:lnR>
+                  </a:tcPr>
+                </a:tc>
+                <a:tc>
+                  <a:txBody>
+                    <a:bodyPr/>
+                    <a:lstStyle/>
+                    <a:p>
+                      <a:pPr algn="l" fontAlgn="b"/>
+                      <a:r>
+                        <a:rPr lang="de-DE" sz="800" u="none" strike="noStrike">
+                          <a:effectLst/>
+                        </a:rPr>
+                        <a:t>Steuerung (Charakter, Musik)</a:t>
+                      </a:r>
+                      <a:endParaRPr lang="de-DE" sz="800" b="0" i="0" u="none" strike="noStrike">
+                        <a:solidFill>
+                          <a:srgbClr val="000000"/>
+                        </a:solidFill>
+                        <a:effectLst/>
+                        <a:latin typeface="Calibri" panose="020F0502020204030204" pitchFamily="34" charset="0"/>
+                      </a:endParaRPr>
+                    </a:p>
+                  </a:txBody>
+                  <a:tcPr marL="6618" marR="6618" marT="6618" marB="0" anchor="b">
+                    <a:lnL w="12700" cap="flat" cmpd="sng" algn="ctr">
+                      <a:solidFill>
+                        <a:schemeClr val="bg1"/>
+                      </a:solidFill>
+                      <a:prstDash val="solid"/>
+                      <a:round/>
+                      <a:headEnd type="none" w="med" len="med"/>
+                      <a:tailEnd type="none" w="med" len="med"/>
+                    </a:lnL>
+                  </a:tcPr>
+                </a:tc>
+                <a:tc>
+                  <a:txBody>
+                    <a:bodyPr/>
+                    <a:lstStyle/>
+                    <a:p>
+                      <a:pPr algn="l" fontAlgn="b"/>
+                      <a:r>
+                        <a:rPr lang="de-DE" sz="800" u="none" strike="noStrike">
+                          <a:effectLst/>
+                        </a:rPr>
+                        <a:t>Kamerasteuerung</a:t>
+                      </a:r>
+                      <a:endParaRPr lang="de-DE" sz="800" b="0" i="0" u="none" strike="noStrike">
+                        <a:solidFill>
+                          <a:srgbClr val="000000"/>
+                        </a:solidFill>
+                        <a:effectLst/>
+                        <a:latin typeface="Calibri" panose="020F0502020204030204" pitchFamily="34" charset="0"/>
+                      </a:endParaRPr>
+                    </a:p>
+                  </a:txBody>
+                  <a:tcPr marL="6618" marR="6618" marT="6618" marB="0" anchor="b"/>
+                </a:tc>
+                <a:tc>
+                  <a:txBody>
+                    <a:bodyPr/>
+                    <a:lstStyle/>
+                    <a:p>
+                      <a:pPr algn="l" fontAlgn="b"/>
+                      <a:r>
+                        <a:rPr lang="de-DE" sz="800" u="none" strike="noStrike">
+                          <a:effectLst/>
+                        </a:rPr>
+                        <a:t>Szenenerstellung</a:t>
+                      </a:r>
+                      <a:endParaRPr lang="de-DE" sz="800" b="0" i="0" u="none" strike="noStrike">
+                        <a:solidFill>
+                          <a:srgbClr val="000000"/>
+                        </a:solidFill>
+                        <a:effectLst/>
+                        <a:latin typeface="Calibri" panose="020F0502020204030204" pitchFamily="34" charset="0"/>
+                      </a:endParaRPr>
+                    </a:p>
+                  </a:txBody>
+                  <a:tcPr marL="6618" marR="6618" marT="6618" marB="0" anchor="b"/>
+                </a:tc>
+                <a:tc>
+                  <a:txBody>
+                    <a:bodyPr/>
+                    <a:lstStyle/>
+                    <a:p>
+                      <a:pPr algn="l" fontAlgn="b"/>
+                      <a:r>
+                        <a:rPr lang="de-DE" sz="800" u="none" strike="noStrike">
+                          <a:effectLst/>
+                        </a:rPr>
+                        <a:t>Urlaub</a:t>
+                      </a:r>
+                      <a:endParaRPr lang="de-DE" sz="800" b="0" i="0" u="none" strike="noStrike">
+                        <a:solidFill>
+                          <a:srgbClr val="000000"/>
+                        </a:solidFill>
+                        <a:effectLst/>
+                        <a:latin typeface="Calibri" panose="020F0502020204030204" pitchFamily="34" charset="0"/>
+                      </a:endParaRPr>
+                    </a:p>
+                  </a:txBody>
+                  <a:tcPr marL="6618" marR="6618" marT="6618" marB="0" anchor="b"/>
+                </a:tc>
+                <a:tc>
+                  <a:txBody>
+                    <a:bodyPr/>
+                    <a:lstStyle/>
+                    <a:p>
+                      <a:pPr algn="l" fontAlgn="b"/>
+                      <a:endParaRPr lang="de-DE" sz="800" b="0" i="0" u="none" strike="noStrike">
+                        <a:solidFill>
+                          <a:srgbClr val="000000"/>
+                        </a:solidFill>
+                        <a:effectLst/>
+                        <a:latin typeface="Calibri" panose="020F0502020204030204" pitchFamily="34" charset="0"/>
+                      </a:endParaRPr>
+                    </a:p>
+                  </a:txBody>
+                  <a:tcPr marL="6618" marR="6618" marT="6618" marB="0" anchor="b"/>
+                </a:tc>
+                <a:extLst>
+                  <a:ext uri="{0D108BD9-81ED-4DB2-BD59-A6C34878D82A}">
+                    <a16:rowId xmlns:a16="http://schemas.microsoft.com/office/drawing/2014/main" val="2892232408"/>
+                  </a:ext>
+                </a:extLst>
+              </a:tr>
+              <a:tr h="504576">
+                <a:tc>
+                  <a:txBody>
+                    <a:bodyPr/>
+                    <a:lstStyle/>
+                    <a:p>
+                      <a:pPr algn="l" fontAlgn="b"/>
+                      <a:r>
+                        <a:rPr lang="de-DE" sz="800" u="none" strike="noStrike">
+                          <a:effectLst/>
+                        </a:rPr>
+                        <a:t>02.07. - 08.07.</a:t>
+                      </a:r>
+                      <a:endParaRPr lang="de-DE" sz="800" b="0" i="0" u="none" strike="noStrike">
+                        <a:solidFill>
+                          <a:srgbClr val="000000"/>
+                        </a:solidFill>
+                        <a:effectLst/>
+                        <a:latin typeface="Calibri" panose="020F0502020204030204" pitchFamily="34" charset="0"/>
+                      </a:endParaRPr>
+                    </a:p>
+                  </a:txBody>
+                  <a:tcPr marL="6618" marR="6618" marT="6618" marB="0" anchor="b">
+                    <a:lnR w="12700" cap="flat" cmpd="sng" algn="ctr">
+                      <a:solidFill>
+                        <a:schemeClr val="bg1"/>
+                      </a:solidFill>
+                      <a:prstDash val="solid"/>
+                      <a:round/>
+                      <a:headEnd type="none" w="med" len="med"/>
+                      <a:tailEnd type="none" w="med" len="med"/>
+                    </a:lnR>
+                  </a:tcPr>
+                </a:tc>
+                <a:tc>
+                  <a:txBody>
+                    <a:bodyPr/>
+                    <a:lstStyle/>
+                    <a:p>
+                      <a:pPr algn="l" fontAlgn="b"/>
+                      <a:r>
+                        <a:rPr lang="de-DE" sz="800" u="none" strike="noStrike">
+                          <a:effectLst/>
+                        </a:rPr>
+                        <a:t>Notenerstellung (Spielbereich) - 3D "Billboard"</a:t>
+                      </a:r>
+                      <a:endParaRPr lang="de-DE" sz="800" b="0" i="0" u="none" strike="noStrike">
+                        <a:solidFill>
+                          <a:srgbClr val="000000"/>
+                        </a:solidFill>
+                        <a:effectLst/>
+                        <a:latin typeface="Calibri" panose="020F0502020204030204" pitchFamily="34" charset="0"/>
+                      </a:endParaRPr>
+                    </a:p>
+                  </a:txBody>
+                  <a:tcPr marL="6618" marR="6618" marT="6618" marB="0" anchor="b">
+                    <a:lnL w="12700" cap="flat" cmpd="sng" algn="ctr">
+                      <a:solidFill>
+                        <a:schemeClr val="bg1"/>
+                      </a:solidFill>
+                      <a:prstDash val="solid"/>
+                      <a:round/>
+                      <a:headEnd type="none" w="med" len="med"/>
+                      <a:tailEnd type="none" w="med" len="med"/>
+                    </a:lnL>
+                  </a:tcPr>
+                </a:tc>
+                <a:tc>
+                  <a:txBody>
+                    <a:bodyPr/>
+                    <a:lstStyle/>
+                    <a:p>
+                      <a:pPr algn="l" fontAlgn="b"/>
+                      <a:r>
+                        <a:rPr lang="de-DE" sz="800" u="none" strike="noStrike">
+                          <a:effectLst/>
+                        </a:rPr>
+                        <a:t>Kamerasteuerung</a:t>
+                      </a:r>
+                      <a:endParaRPr lang="de-DE" sz="800" b="0" i="0" u="none" strike="noStrike">
+                        <a:solidFill>
+                          <a:srgbClr val="000000"/>
+                        </a:solidFill>
+                        <a:effectLst/>
+                        <a:latin typeface="Calibri" panose="020F0502020204030204" pitchFamily="34" charset="0"/>
+                      </a:endParaRPr>
+                    </a:p>
+                  </a:txBody>
+                  <a:tcPr marL="6618" marR="6618" marT="6618" marB="0" anchor="b"/>
+                </a:tc>
+                <a:tc>
+                  <a:txBody>
+                    <a:bodyPr/>
+                    <a:lstStyle/>
+                    <a:p>
+                      <a:pPr algn="l" fontAlgn="b"/>
+                      <a:r>
+                        <a:rPr lang="de-DE" sz="800" u="none" strike="noStrike">
+                          <a:effectLst/>
+                        </a:rPr>
+                        <a:t>Szenenerstellung/ Anfang zufällige Generierung</a:t>
+                      </a:r>
+                      <a:endParaRPr lang="de-DE" sz="800" b="0" i="0" u="none" strike="noStrike">
+                        <a:solidFill>
+                          <a:srgbClr val="000000"/>
+                        </a:solidFill>
+                        <a:effectLst/>
+                        <a:latin typeface="Calibri" panose="020F0502020204030204" pitchFamily="34" charset="0"/>
+                      </a:endParaRPr>
+                    </a:p>
+                  </a:txBody>
+                  <a:tcPr marL="6618" marR="6618" marT="6618" marB="0" anchor="b"/>
+                </a:tc>
+                <a:tc>
+                  <a:txBody>
+                    <a:bodyPr/>
+                    <a:lstStyle/>
+                    <a:p>
+                      <a:pPr algn="l" fontAlgn="b"/>
+                      <a:r>
+                        <a:rPr lang="de-DE" sz="800" u="none" strike="noStrike">
+                          <a:effectLst/>
+                        </a:rPr>
+                        <a:t>Kollision (Noteninteraktion / -bewertung)</a:t>
+                      </a:r>
+                      <a:endParaRPr lang="de-DE" sz="800" b="0" i="0" u="none" strike="noStrike">
+                        <a:solidFill>
+                          <a:srgbClr val="000000"/>
+                        </a:solidFill>
+                        <a:effectLst/>
+                        <a:latin typeface="Calibri" panose="020F0502020204030204" pitchFamily="34" charset="0"/>
+                      </a:endParaRPr>
+                    </a:p>
+                  </a:txBody>
+                  <a:tcPr marL="6618" marR="6618" marT="6618" marB="0" anchor="b"/>
+                </a:tc>
+                <a:tc>
+                  <a:txBody>
+                    <a:bodyPr/>
+                    <a:lstStyle/>
+                    <a:p>
+                      <a:pPr algn="l" fontAlgn="b"/>
+                      <a:endParaRPr lang="de-DE" sz="800" b="0" i="0" u="none" strike="noStrike">
+                        <a:solidFill>
+                          <a:srgbClr val="000000"/>
+                        </a:solidFill>
+                        <a:effectLst/>
+                        <a:latin typeface="Calibri" panose="020F0502020204030204" pitchFamily="34" charset="0"/>
+                      </a:endParaRPr>
+                    </a:p>
+                  </a:txBody>
+                  <a:tcPr marL="6618" marR="6618" marT="6618" marB="0" anchor="b"/>
+                </a:tc>
+                <a:extLst>
+                  <a:ext uri="{0D108BD9-81ED-4DB2-BD59-A6C34878D82A}">
+                    <a16:rowId xmlns:a16="http://schemas.microsoft.com/office/drawing/2014/main" val="3733063137"/>
+                  </a:ext>
+                </a:extLst>
+              </a:tr>
+              <a:tr h="235921">
+                <a:tc>
+                  <a:txBody>
+                    <a:bodyPr/>
+                    <a:lstStyle/>
+                    <a:p>
+                      <a:pPr algn="l" fontAlgn="b"/>
+                      <a:r>
+                        <a:rPr lang="de-DE" sz="800" u="none" strike="noStrike">
+                          <a:effectLst/>
+                        </a:rPr>
+                        <a:t>09.07. - 15.07.</a:t>
+                      </a:r>
+                      <a:endParaRPr lang="de-DE" sz="800" b="0" i="0" u="none" strike="noStrike">
+                        <a:solidFill>
+                          <a:srgbClr val="000000"/>
+                        </a:solidFill>
+                        <a:effectLst/>
+                        <a:latin typeface="Calibri" panose="020F0502020204030204" pitchFamily="34" charset="0"/>
+                      </a:endParaRPr>
+                    </a:p>
+                  </a:txBody>
+                  <a:tcPr marL="6618" marR="6618" marT="6618" marB="0" anchor="b">
+                    <a:lnR w="12700" cap="flat" cmpd="sng" algn="ctr">
+                      <a:solidFill>
+                        <a:schemeClr val="bg1"/>
+                      </a:solidFill>
+                      <a:prstDash val="solid"/>
+                      <a:round/>
+                      <a:headEnd type="none" w="med" len="med"/>
+                      <a:tailEnd type="none" w="med" len="med"/>
+                    </a:lnR>
+                  </a:tcPr>
                 </a:tc>
                 <a:tc>
                   <a:txBody>
@@ -6608,7 +7095,143 @@
                       </a:endParaRPr>
                     </a:p>
                   </a:txBody>
-                  <a:tcPr marL="7483" marR="7483" marT="7483" marB="0" anchor="b"/>
+                  <a:tcPr marL="6618" marR="6618" marT="6618" marB="0" anchor="b">
+                    <a:lnL w="12700" cap="flat" cmpd="sng" algn="ctr">
+                      <a:solidFill>
+                        <a:schemeClr val="bg1"/>
+                      </a:solidFill>
+                      <a:prstDash val="solid"/>
+                      <a:round/>
+                      <a:headEnd type="none" w="med" len="med"/>
+                      <a:tailEnd type="none" w="med" len="med"/>
+                    </a:lnL>
+                  </a:tcPr>
+                </a:tc>
+                <a:tc>
+                  <a:txBody>
+                    <a:bodyPr/>
+                    <a:lstStyle/>
+                    <a:p>
+                      <a:pPr algn="l" fontAlgn="b"/>
+                      <a:r>
+                        <a:rPr lang="de-DE" sz="800" u="none" strike="noStrike">
+                          <a:effectLst/>
+                        </a:rPr>
+                        <a:t>Prüfungsvorbereitung</a:t>
+                      </a:r>
+                      <a:endParaRPr lang="de-DE" sz="800" b="0" i="0" u="none" strike="noStrike">
+                        <a:solidFill>
+                          <a:srgbClr val="000000"/>
+                        </a:solidFill>
+                        <a:effectLst/>
+                        <a:latin typeface="Calibri" panose="020F0502020204030204" pitchFamily="34" charset="0"/>
+                      </a:endParaRPr>
+                    </a:p>
+                  </a:txBody>
+                  <a:tcPr marL="6618" marR="6618" marT="6618" marB="0" anchor="b"/>
+                </a:tc>
+                <a:tc>
+                  <a:txBody>
+                    <a:bodyPr/>
+                    <a:lstStyle/>
+                    <a:p>
+                      <a:pPr algn="l" fontAlgn="b"/>
+                      <a:r>
+                        <a:rPr lang="de-DE" sz="800" u="none" strike="noStrike">
+                          <a:effectLst/>
+                        </a:rPr>
+                        <a:t>Prüfungsvorbereitung</a:t>
+                      </a:r>
+                      <a:endParaRPr lang="de-DE" sz="800" b="0" i="0" u="none" strike="noStrike">
+                        <a:solidFill>
+                          <a:srgbClr val="000000"/>
+                        </a:solidFill>
+                        <a:effectLst/>
+                        <a:latin typeface="Calibri" panose="020F0502020204030204" pitchFamily="34" charset="0"/>
+                      </a:endParaRPr>
+                    </a:p>
+                  </a:txBody>
+                  <a:tcPr marL="6618" marR="6618" marT="6618" marB="0" anchor="b"/>
+                </a:tc>
+                <a:tc>
+                  <a:txBody>
+                    <a:bodyPr/>
+                    <a:lstStyle/>
+                    <a:p>
+                      <a:pPr algn="l" fontAlgn="b"/>
+                      <a:r>
+                        <a:rPr lang="de-DE" sz="800" u="none" strike="noStrike">
+                          <a:effectLst/>
+                        </a:rPr>
+                        <a:t>Prüfungsvorbereitung</a:t>
+                      </a:r>
+                      <a:endParaRPr lang="de-DE" sz="800" b="0" i="0" u="none" strike="noStrike">
+                        <a:solidFill>
+                          <a:srgbClr val="000000"/>
+                        </a:solidFill>
+                        <a:effectLst/>
+                        <a:latin typeface="Calibri" panose="020F0502020204030204" pitchFamily="34" charset="0"/>
+                      </a:endParaRPr>
+                    </a:p>
+                  </a:txBody>
+                  <a:tcPr marL="6618" marR="6618" marT="6618" marB="0" anchor="b"/>
+                </a:tc>
+                <a:tc>
+                  <a:txBody>
+                    <a:bodyPr/>
+                    <a:lstStyle/>
+                    <a:p>
+                      <a:pPr algn="l" fontAlgn="b"/>
+                      <a:endParaRPr lang="de-DE" sz="800" b="0" i="0" u="none" strike="noStrike">
+                        <a:solidFill>
+                          <a:srgbClr val="000000"/>
+                        </a:solidFill>
+                        <a:effectLst/>
+                        <a:latin typeface="Calibri" panose="020F0502020204030204" pitchFamily="34" charset="0"/>
+                      </a:endParaRPr>
+                    </a:p>
+                  </a:txBody>
+                  <a:tcPr marL="6618" marR="6618" marT="6618" marB="0" anchor="b"/>
+                </a:tc>
+                <a:extLst>
+                  <a:ext uri="{0D108BD9-81ED-4DB2-BD59-A6C34878D82A}">
+                    <a16:rowId xmlns:a16="http://schemas.microsoft.com/office/drawing/2014/main" val="2188379088"/>
+                  </a:ext>
+                </a:extLst>
+              </a:tr>
+              <a:tr h="235921">
+                <a:tc>
+                  <a:txBody>
+                    <a:bodyPr/>
+                    <a:lstStyle/>
+                    <a:p>
+                      <a:pPr algn="l" fontAlgn="b"/>
+                      <a:r>
+                        <a:rPr lang="de-DE" sz="800" u="none" strike="noStrike">
+                          <a:effectLst/>
+                        </a:rPr>
+                        <a:t>16.07. - 22.07.</a:t>
+                      </a:r>
+                      <a:endParaRPr lang="de-DE" sz="800" b="0" i="0" u="none" strike="noStrike">
+                        <a:solidFill>
+                          <a:srgbClr val="000000"/>
+                        </a:solidFill>
+                        <a:effectLst/>
+                        <a:latin typeface="Calibri" panose="020F0502020204030204" pitchFamily="34" charset="0"/>
+                      </a:endParaRPr>
+                    </a:p>
+                  </a:txBody>
+                  <a:tcPr marL="6618" marR="6618" marT="6618" marB="0" anchor="b">
+                    <a:lnR w="12700" cap="flat" cmpd="sng" algn="ctr">
+                      <a:solidFill>
+                        <a:schemeClr val="bg1"/>
+                      </a:solidFill>
+                      <a:prstDash val="solid"/>
+                      <a:round/>
+                      <a:headEnd type="none" w="med" len="med"/>
+                      <a:tailEnd type="none" w="med" len="med"/>
+                    </a:lnR>
+                  </a:tcPr>
                 </a:tc>
                 <a:tc>
                   <a:txBody>
@@ -6631,7 +7254,17 @@
                       </a:endParaRPr>
                     </a:p>
                   </a:txBody>
-                  <a:tcPr marL="7483" marR="7483" marT="7483" marB="0" anchor="b"/>
+                  <a:tcPr marL="6618" marR="6618" marT="6618" marB="0" anchor="b">
+                    <a:lnL w="12700" cap="flat" cmpd="sng" algn="ctr">
+                      <a:solidFill>
+                        <a:schemeClr val="bg1"/>
+                      </a:solidFill>
+                      <a:prstDash val="solid"/>
+                      <a:round/>
+                      <a:headEnd type="none" w="med" len="med"/>
+                      <a:tailEnd type="none" w="med" len="med"/>
+                    </a:lnL>
+                  </a:tcPr>
                 </a:tc>
                 <a:tc>
                   <a:txBody>
@@ -6654,152 +7287,7 @@
                       </a:endParaRPr>
                     </a:p>
                   </a:txBody>
-                  <a:tcPr marL="7483" marR="7483" marT="7483" marB="0" anchor="b"/>
-                </a:tc>
-                <a:tc>
-                  <a:txBody>
-                    <a:bodyPr/>
-                    <a:lstStyle/>
-                    <a:p>
-                      <a:pPr algn="l" fontAlgn="b"/>
-                      <a:r>
-                        <a:rPr lang="de-DE" sz="800" u="none" strike="noStrike">
-                          <a:effectLst/>
-                        </a:rPr>
-                        <a:t>Charaktererstellung</a:t>
-                      </a:r>
-                      <a:endParaRPr lang="de-DE" sz="800" b="0" i="0" u="none" strike="noStrike">
-                        <a:solidFill>
-                          <a:srgbClr val="000000"/>
-                        </a:solidFill>
-                        <a:effectLst/>
-                        <a:latin typeface="Calibri" panose="020F0502020204030204" pitchFamily="34" charset="0"/>
-                      </a:endParaRPr>
-                    </a:p>
-                  </a:txBody>
-                  <a:tcPr marL="7483" marR="7483" marT="7483" marB="0" anchor="b"/>
-                </a:tc>
-                <a:extLst>
-                  <a:ext uri="{0D108BD9-81ED-4DB2-BD59-A6C34878D82A}">
-                    <a16:rowId xmlns:a16="http://schemas.microsoft.com/office/drawing/2014/main" val="449162824"/>
-                  </a:ext>
-                </a:extLst>
-              </a:tr>
-              <a:tr h="265285">
-                <a:tc>
-                  <a:txBody>
-                    <a:bodyPr/>
-                    <a:lstStyle/>
-                    <a:p>
-                      <a:pPr algn="l" fontAlgn="b"/>
-                      <a:r>
-                        <a:rPr lang="de-DE" sz="800" u="none" strike="noStrike">
-                          <a:effectLst/>
-                        </a:rPr>
-                        <a:t>Jörg</a:t>
-                      </a:r>
-                      <a:endParaRPr lang="de-DE" sz="800" b="0" i="0" u="none" strike="noStrike">
-                        <a:solidFill>
-                          <a:srgbClr val="000000"/>
-                        </a:solidFill>
-                        <a:effectLst/>
-                        <a:latin typeface="Calibri" panose="020F0502020204030204" pitchFamily="34" charset="0"/>
-                      </a:endParaRPr>
-                    </a:p>
-                  </a:txBody>
-                  <a:tcPr marL="7483" marR="7483" marT="7483" marB="0" anchor="b"/>
-                </a:tc>
-                <a:tc>
-                  <a:txBody>
-                    <a:bodyPr/>
-                    <a:lstStyle/>
-                    <a:p>
-                      <a:pPr algn="l" fontAlgn="b"/>
-                      <a:r>
-                        <a:rPr lang="de-DE" sz="800" u="none" strike="noStrike">
-                          <a:effectLst/>
-                        </a:rPr>
-                        <a:t>Planung</a:t>
-                      </a:r>
-                      <a:endParaRPr lang="de-DE" sz="800" b="0" i="0" u="none" strike="noStrike">
-                        <a:solidFill>
-                          <a:srgbClr val="000000"/>
-                        </a:solidFill>
-                        <a:effectLst/>
-                        <a:latin typeface="Calibri" panose="020F0502020204030204" pitchFamily="34" charset="0"/>
-                      </a:endParaRPr>
-                    </a:p>
-                  </a:txBody>
-                  <a:tcPr marL="7483" marR="7483" marT="7483" marB="0" anchor="b"/>
-                </a:tc>
-                <a:tc>
-                  <a:txBody>
-                    <a:bodyPr/>
-                    <a:lstStyle/>
-                    <a:p>
-                      <a:pPr algn="l" fontAlgn="b"/>
-                      <a:r>
-                        <a:rPr lang="de-DE" sz="800" u="none" strike="noStrike">
-                          <a:effectLst/>
-                        </a:rPr>
-                        <a:t>Kamera</a:t>
-                      </a:r>
-                      <a:endParaRPr lang="de-DE" sz="800" b="0" i="0" u="none" strike="noStrike">
-                        <a:solidFill>
-                          <a:srgbClr val="000000"/>
-                        </a:solidFill>
-                        <a:effectLst/>
-                        <a:latin typeface="Calibri" panose="020F0502020204030204" pitchFamily="34" charset="0"/>
-                      </a:endParaRPr>
-                    </a:p>
-                  </a:txBody>
-                  <a:tcPr marL="7483" marR="7483" marT="7483" marB="0" anchor="b"/>
-                </a:tc>
-                <a:tc>
-                  <a:txBody>
-                    <a:bodyPr/>
-                    <a:lstStyle/>
-                    <a:p>
-                      <a:pPr algn="l" fontAlgn="b"/>
-                      <a:r>
-                        <a:rPr lang="de-DE" sz="800" u="none" strike="noStrike">
-                          <a:effectLst/>
-                        </a:rPr>
-                        <a:t>Kamerasteuerung</a:t>
-                      </a:r>
-                      <a:endParaRPr lang="de-DE" sz="800" b="0" i="0" u="none" strike="noStrike">
-                        <a:solidFill>
-                          <a:srgbClr val="000000"/>
-                        </a:solidFill>
-                        <a:effectLst/>
-                        <a:latin typeface="Calibri" panose="020F0502020204030204" pitchFamily="34" charset="0"/>
-                      </a:endParaRPr>
-                    </a:p>
-                  </a:txBody>
-                  <a:tcPr marL="7483" marR="7483" marT="7483" marB="0" anchor="b"/>
-                </a:tc>
-                <a:tc>
-                  <a:txBody>
-                    <a:bodyPr/>
-                    <a:lstStyle/>
-                    <a:p>
-                      <a:pPr algn="l" fontAlgn="b"/>
-                      <a:r>
-                        <a:rPr lang="de-DE" sz="800" u="none" strike="noStrike">
-                          <a:effectLst/>
-                        </a:rPr>
-                        <a:t>Prüfungsvorbereitung</a:t>
-                      </a:r>
-                      <a:endParaRPr lang="de-DE" sz="800" b="0" i="0" u="none" strike="noStrike">
-                        <a:solidFill>
-                          <a:srgbClr val="000000"/>
-                        </a:solidFill>
-                        <a:effectLst/>
-                        <a:latin typeface="Calibri" panose="020F0502020204030204" pitchFamily="34" charset="0"/>
-                      </a:endParaRPr>
-                    </a:p>
-                  </a:txBody>
-                  <a:tcPr marL="7483" marR="7483" marT="7483" marB="0" anchor="b"/>
+                  <a:tcPr marL="6618" marR="6618" marT="6618" marB="0" anchor="b"/>
                 </a:tc>
                 <a:tc>
                   <a:txBody>
@@ -6822,7 +7310,7 @@
                       </a:endParaRPr>
                     </a:p>
                   </a:txBody>
-                  <a:tcPr marL="7483" marR="7483" marT="7483" marB="0" anchor="b"/>
+                  <a:tcPr marL="6618" marR="6618" marT="6618" marB="0" anchor="b"/>
                 </a:tc>
                 <a:tc>
                   <a:txBody>
@@ -6845,8 +7333,32 @@
                       </a:endParaRPr>
                     </a:p>
                   </a:txBody>
-                  <a:tcPr marL="7483" marR="7483" marT="7483" marB="0" anchor="b"/>
+                  <a:tcPr marL="6618" marR="6618" marT="6618" marB="0" anchor="b"/>
                 </a:tc>
+                <a:tc>
+                  <a:txBody>
+                    <a:bodyPr/>
+                    <a:lstStyle/>
+                    <a:p>
+                      <a:pPr algn="l" fontAlgn="b"/>
+                      <a:endParaRPr lang="de-DE" sz="800" b="0" i="0" u="none" strike="noStrike">
+                        <a:solidFill>
+                          <a:srgbClr val="000000"/>
+                        </a:solidFill>
+                        <a:effectLst/>
+                        <a:latin typeface="Calibri" panose="020F0502020204030204" pitchFamily="34" charset="0"/>
+                      </a:endParaRPr>
+                    </a:p>
+                  </a:txBody>
+                  <a:tcPr marL="6618" marR="6618" marT="6618" marB="0" anchor="b"/>
+                </a:tc>
+                <a:extLst>
+                  <a:ext uri="{0D108BD9-81ED-4DB2-BD59-A6C34878D82A}">
+                    <a16:rowId xmlns:a16="http://schemas.microsoft.com/office/drawing/2014/main" val="1761689549"/>
+                  </a:ext>
+                </a:extLst>
+              </a:tr>
+              <a:tr h="235921">
                 <a:tc>
                   <a:txBody>
                     <a:bodyPr/>
@@ -6857,7 +7369,7 @@
                         <a:rPr lang="de-DE" sz="800" u="none" strike="noStrike">
                           <a:effectLst/>
                         </a:rPr>
-                        <a:t>Regisseur</a:t>
+                        <a:t>23.07. - 29.07.</a:t>
                       </a:r>
                       <a:endParaRPr lang="de-DE" sz="800" b="0" i="0" u="none" strike="noStrike">
                         <a:solidFill>
@@ -6868,129 +7380,17 @@
                       </a:endParaRPr>
                     </a:p>
                   </a:txBody>
-                  <a:tcPr marL="7483" marR="7483" marT="7483" marB="0" anchor="b"/>
-                </a:tc>
-                <a:extLst>
-                  <a:ext uri="{0D108BD9-81ED-4DB2-BD59-A6C34878D82A}">
-                    <a16:rowId xmlns:a16="http://schemas.microsoft.com/office/drawing/2014/main" val="3905671514"/>
-                  </a:ext>
-                </a:extLst>
-              </a:tr>
-              <a:tr h="265285">
-                <a:tc>
-                  <a:txBody>
-                    <a:bodyPr/>
-                    <a:lstStyle/>
-                    <a:p>
-                      <a:pPr algn="l" fontAlgn="b"/>
-                      <a:r>
-                        <a:rPr lang="de-DE" sz="800" u="none" strike="noStrike">
-                          <a:effectLst/>
-                        </a:rPr>
-                        <a:t>Andreas</a:t>
-                      </a:r>
-                      <a:endParaRPr lang="de-DE" sz="800" b="0" i="0" u="none" strike="noStrike">
-                        <a:solidFill>
-                          <a:srgbClr val="000000"/>
-                        </a:solidFill>
-                        <a:effectLst/>
-                        <a:latin typeface="Calibri" panose="020F0502020204030204" pitchFamily="34" charset="0"/>
-                      </a:endParaRPr>
-                    </a:p>
-                  </a:txBody>
-                  <a:tcPr marL="7483" marR="7483" marT="7483" marB="0" anchor="b"/>
-                </a:tc>
-                <a:tc>
-                  <a:txBody>
-                    <a:bodyPr/>
-                    <a:lstStyle/>
-                    <a:p>
-                      <a:pPr algn="l" fontAlgn="b"/>
-                      <a:r>
-                        <a:rPr lang="de-DE" sz="800" u="none" strike="noStrike">
-                          <a:effectLst/>
-                        </a:rPr>
-                        <a:t>Planung</a:t>
-                      </a:r>
-                      <a:endParaRPr lang="de-DE" sz="800" b="0" i="0" u="none" strike="noStrike">
-                        <a:solidFill>
-                          <a:srgbClr val="000000"/>
-                        </a:solidFill>
-                        <a:effectLst/>
-                        <a:latin typeface="Calibri" panose="020F0502020204030204" pitchFamily="34" charset="0"/>
-                      </a:endParaRPr>
-                    </a:p>
-                  </a:txBody>
-                  <a:tcPr marL="7483" marR="7483" marT="7483" marB="0" anchor="b"/>
-                </a:tc>
-                <a:tc>
-                  <a:txBody>
-                    <a:bodyPr/>
-                    <a:lstStyle/>
-                    <a:p>
-                      <a:pPr algn="l" fontAlgn="b"/>
-                      <a:r>
-                        <a:rPr lang="de-DE" sz="800" u="none" strike="noStrike">
-                          <a:effectLst/>
-                        </a:rPr>
-                        <a:t>Testlayout</a:t>
-                      </a:r>
-                      <a:endParaRPr lang="de-DE" sz="800" b="0" i="0" u="none" strike="noStrike">
-                        <a:solidFill>
-                          <a:srgbClr val="000000"/>
-                        </a:solidFill>
-                        <a:effectLst/>
-                        <a:latin typeface="Calibri" panose="020F0502020204030204" pitchFamily="34" charset="0"/>
-                      </a:endParaRPr>
-                    </a:p>
-                  </a:txBody>
-                  <a:tcPr marL="7483" marR="7483" marT="7483" marB="0" anchor="b"/>
-                </a:tc>
-                <a:tc>
-                  <a:txBody>
-                    <a:bodyPr/>
-                    <a:lstStyle/>
-                    <a:p>
-                      <a:pPr algn="l" fontAlgn="b"/>
-                      <a:r>
-                        <a:rPr lang="de-DE" sz="800" u="none" strike="noStrike">
-                          <a:effectLst/>
-                        </a:rPr>
-                        <a:t>Layoutverfeinerung</a:t>
-                      </a:r>
-                      <a:endParaRPr lang="de-DE" sz="800" b="0" i="0" u="none" strike="noStrike">
-                        <a:solidFill>
-                          <a:srgbClr val="000000"/>
-                        </a:solidFill>
-                        <a:effectLst/>
-                        <a:latin typeface="Calibri" panose="020F0502020204030204" pitchFamily="34" charset="0"/>
-                      </a:endParaRPr>
-                    </a:p>
-                  </a:txBody>
-                  <a:tcPr marL="7483" marR="7483" marT="7483" marB="0" anchor="b"/>
-                </a:tc>
-                <a:tc>
-                  <a:txBody>
-                    <a:bodyPr/>
-                    <a:lstStyle/>
-                    <a:p>
-                      <a:pPr algn="l" fontAlgn="b"/>
-                      <a:r>
-                        <a:rPr lang="de-DE" sz="800" u="none" strike="noStrike">
-                          <a:effectLst/>
-                        </a:rPr>
-                        <a:t>Prüfungsvorbereitung</a:t>
-                      </a:r>
-                      <a:endParaRPr lang="de-DE" sz="800" b="0" i="0" u="none" strike="noStrike">
-                        <a:solidFill>
-                          <a:srgbClr val="000000"/>
-                        </a:solidFill>
-                        <a:effectLst/>
-                        <a:latin typeface="Calibri" panose="020F0502020204030204" pitchFamily="34" charset="0"/>
-                      </a:endParaRPr>
-                    </a:p>
-                  </a:txBody>
-                  <a:tcPr marL="7483" marR="7483" marT="7483" marB="0" anchor="b"/>
+                  <a:tcPr marL="6618" marR="6618" marT="6618" marB="0" anchor="b">
+                    <a:lnR w="12700" cap="flat" cmpd="sng" algn="ctr">
+                      <a:solidFill>
+                        <a:schemeClr val="bg1"/>
+                      </a:solidFill>
+                      <a:prstDash val="solid"/>
+                      <a:round/>
+                      <a:headEnd type="none" w="med" len="med"/>
+                      <a:tailEnd type="none" w="med" len="med"/>
+                    </a:lnR>
+                  </a:tcPr>
                 </a:tc>
                 <a:tc>
                   <a:txBody>
@@ -7013,7 +7413,40 @@
                       </a:endParaRPr>
                     </a:p>
                   </a:txBody>
-                  <a:tcPr marL="7483" marR="7483" marT="7483" marB="0" anchor="b"/>
+                  <a:tcPr marL="6618" marR="6618" marT="6618" marB="0" anchor="b">
+                    <a:lnL w="12700" cap="flat" cmpd="sng" algn="ctr">
+                      <a:solidFill>
+                        <a:schemeClr val="bg1"/>
+                      </a:solidFill>
+                      <a:prstDash val="solid"/>
+                      <a:round/>
+                      <a:headEnd type="none" w="med" len="med"/>
+                      <a:tailEnd type="none" w="med" len="med"/>
+                    </a:lnL>
+                  </a:tcPr>
+                </a:tc>
+                <a:tc>
+                  <a:txBody>
+                    <a:bodyPr/>
+                    <a:lstStyle/>
+                    <a:p>
+                      <a:pPr algn="l" fontAlgn="b"/>
+                      <a:r>
+                        <a:rPr lang="de-DE" sz="800" u="none" strike="noStrike" dirty="0">
+                          <a:effectLst/>
+                        </a:rPr>
+                        <a:t>Prüfungsphase</a:t>
+                      </a:r>
+                      <a:endParaRPr lang="de-DE" sz="800" b="0" i="0" u="none" strike="noStrike" dirty="0">
+                        <a:solidFill>
+                          <a:srgbClr val="000000"/>
+                        </a:solidFill>
+                        <a:effectLst/>
+                        <a:latin typeface="Calibri" panose="020F0502020204030204" pitchFamily="34" charset="0"/>
+                      </a:endParaRPr>
+                    </a:p>
+                  </a:txBody>
+                  <a:tcPr marL="6618" marR="6618" marT="6618" marB="0" anchor="b"/>
                 </a:tc>
                 <a:tc>
                   <a:txBody>
@@ -7036,7 +7469,7 @@
                       </a:endParaRPr>
                     </a:p>
                   </a:txBody>
-                  <a:tcPr marL="7483" marR="7483" marT="7483" marB="0" anchor="b"/>
+                  <a:tcPr marL="6618" marR="6618" marT="6618" marB="0" anchor="b"/>
                 </a:tc>
                 <a:tc>
                   <a:txBody>
@@ -7048,7 +7481,7 @@
                         <a:rPr lang="de-DE" sz="800" u="none" strike="noStrike">
                           <a:effectLst/>
                         </a:rPr>
-                        <a:t>Möbelmodelierung</a:t>
+                        <a:t>Prüfungsphase</a:t>
                       </a:r>
                       <a:endParaRPr lang="de-DE" sz="800" b="0" i="0" u="none" strike="noStrike">
                         <a:solidFill>
@@ -7059,27 +7492,14 @@
                       </a:endParaRPr>
                     </a:p>
                   </a:txBody>
-                  <a:tcPr marL="7483" marR="7483" marT="7483" marB="0" anchor="b"/>
+                  <a:tcPr marL="6618" marR="6618" marT="6618" marB="0" anchor="b"/>
                 </a:tc>
-                <a:extLst>
-                  <a:ext uri="{0D108BD9-81ED-4DB2-BD59-A6C34878D82A}">
-                    <a16:rowId xmlns:a16="http://schemas.microsoft.com/office/drawing/2014/main" val="4178463073"/>
-                  </a:ext>
-                </a:extLst>
-              </a:tr>
-              <a:tr h="265285">
                 <a:tc>
                   <a:txBody>
                     <a:bodyPr/>
                     <a:lstStyle/>
                     <a:p>
                       <a:pPr algn="l" fontAlgn="b"/>
-                      <a:r>
-                        <a:rPr lang="de-DE" sz="800" u="none" strike="noStrike">
-                          <a:effectLst/>
-                        </a:rPr>
-                        <a:t>Marcel</a:t>
-                      </a:r>
                       <a:endParaRPr lang="de-DE" sz="800" b="0" i="0" u="none" strike="noStrike">
                         <a:solidFill>
                           <a:srgbClr val="000000"/>
@@ -7089,7 +7509,56 @@
                       </a:endParaRPr>
                     </a:p>
                   </a:txBody>
-                  <a:tcPr marL="7483" marR="7483" marT="7483" marB="0" anchor="b"/>
+                  <a:tcPr marL="6618" marR="6618" marT="6618" marB="0" anchor="b"/>
+                </a:tc>
+                <a:extLst>
+                  <a:ext uri="{0D108BD9-81ED-4DB2-BD59-A6C34878D82A}">
+                    <a16:rowId xmlns:a16="http://schemas.microsoft.com/office/drawing/2014/main" val="1625711530"/>
+                  </a:ext>
+                </a:extLst>
+              </a:tr>
+              <a:tr h="235921">
+                <a:tc>
+                  <a:txBody>
+                    <a:bodyPr/>
+                    <a:lstStyle/>
+                    <a:p>
+                      <a:pPr algn="l" fontAlgn="b"/>
+                      <a:r>
+                        <a:rPr lang="de-DE" sz="800" u="none" strike="noStrike" dirty="0">
+                          <a:effectLst/>
+                        </a:rPr>
+                        <a:t>30.07. - 05.08.</a:t>
+                      </a:r>
+                      <a:endParaRPr lang="de-DE" sz="800" b="0" i="0" u="none" strike="noStrike" dirty="0">
+                        <a:solidFill>
+                          <a:srgbClr val="000000"/>
+                        </a:solidFill>
+                        <a:effectLst/>
+                        <a:latin typeface="Calibri" panose="020F0502020204030204" pitchFamily="34" charset="0"/>
+                      </a:endParaRPr>
+                    </a:p>
+                  </a:txBody>
+                  <a:tcPr marL="6618" marR="6618" marT="6618" marB="0" anchor="b">
+                    <a:lnR w="12700" cap="flat" cmpd="sng" algn="ctr">
+                      <a:solidFill>
+                        <a:schemeClr val="bg1"/>
+                      </a:solidFill>
+                      <a:prstDash val="solid"/>
+                      <a:round/>
+                      <a:headEnd type="none" w="med" len="med"/>
+                      <a:tailEnd type="none" w="med" len="med"/>
+                    </a:lnR>
+                    <a:lnB w="3175" cap="flat" cmpd="sng" algn="ctr">
+                      <a:solidFill>
+                        <a:schemeClr val="bg1"/>
+                      </a:solidFill>
+                      <a:prstDash val="sysDot"/>
+                      <a:round/>
+                      <a:headEnd type="none" w="med" len="med"/>
+                      <a:tailEnd type="none" w="med" len="med"/>
+                    </a:lnB>
+                  </a:tcPr>
                 </a:tc>
                 <a:tc>
                   <a:txBody>
@@ -7101,7 +7570,7 @@
                         <a:rPr lang="de-DE" sz="800" u="none" strike="noStrike">
                           <a:effectLst/>
                         </a:rPr>
-                        <a:t>Planung</a:t>
+                        <a:t>Charaktererstellung (Template)</a:t>
                       </a:r>
                       <a:endParaRPr lang="de-DE" sz="800" b="0" i="0" u="none" strike="noStrike">
                         <a:solidFill>
@@ -7112,7 +7581,26 @@
                       </a:endParaRPr>
                     </a:p>
                   </a:txBody>
-                  <a:tcPr marL="7483" marR="7483" marT="7483" marB="0" anchor="b"/>
+                  <a:tcPr marL="6618" marR="6618" marT="6618" marB="0" anchor="b">
+                    <a:lnL w="12700" cap="flat" cmpd="sng" algn="ctr">
+                      <a:solidFill>
+                        <a:schemeClr val="bg1"/>
+                      </a:solidFill>
+                      <a:prstDash val="solid"/>
+                      <a:round/>
+                      <a:headEnd type="none" w="med" len="med"/>
+                      <a:tailEnd type="none" w="med" len="med"/>
+                    </a:lnL>
+                    <a:lnB w="3175" cap="flat" cmpd="sng" algn="ctr">
+                      <a:solidFill>
+                        <a:schemeClr val="bg1"/>
+                      </a:solidFill>
+                      <a:prstDash val="sysDot"/>
+                      <a:round/>
+                      <a:headEnd type="none" w="med" len="med"/>
+                      <a:tailEnd type="none" w="med" len="med"/>
+                    </a:lnB>
+                  </a:tcPr>
                 </a:tc>
                 <a:tc>
                   <a:txBody>
@@ -7124,7 +7612,7 @@
                         <a:rPr lang="de-DE" sz="800" u="none" strike="noStrike">
                           <a:effectLst/>
                         </a:rPr>
-                        <a:t>Kollision</a:t>
+                        <a:t>Kameramodi</a:t>
                       </a:r>
                       <a:endParaRPr lang="de-DE" sz="800" b="0" i="0" u="none" strike="noStrike">
                         <a:solidFill>
@@ -7135,7 +7623,972 @@
                       </a:endParaRPr>
                     </a:p>
                   </a:txBody>
-                  <a:tcPr marL="7483" marR="7483" marT="7483" marB="0" anchor="b"/>
+                  <a:tcPr marL="6618" marR="6618" marT="6618" marB="0" anchor="b">
+                    <a:lnB w="3175" cap="flat" cmpd="sng" algn="ctr">
+                      <a:solidFill>
+                        <a:schemeClr val="bg1"/>
+                      </a:solidFill>
+                      <a:prstDash val="sysDot"/>
+                      <a:round/>
+                      <a:headEnd type="none" w="med" len="med"/>
+                      <a:tailEnd type="none" w="med" len="med"/>
+                    </a:lnB>
+                  </a:tcPr>
+                </a:tc>
+                <a:tc>
+                  <a:txBody>
+                    <a:bodyPr/>
+                    <a:lstStyle/>
+                    <a:p>
+                      <a:pPr algn="l" fontAlgn="b"/>
+                      <a:r>
+                        <a:rPr lang="de-DE" sz="800" u="none" strike="noStrike">
+                          <a:effectLst/>
+                        </a:rPr>
+                        <a:t>Zufällige Tavernengenerierung</a:t>
+                      </a:r>
+                      <a:endParaRPr lang="de-DE" sz="800" b="0" i="0" u="none" strike="noStrike">
+                        <a:solidFill>
+                          <a:srgbClr val="000000"/>
+                        </a:solidFill>
+                        <a:effectLst/>
+                        <a:latin typeface="Calibri" panose="020F0502020204030204" pitchFamily="34" charset="0"/>
+                      </a:endParaRPr>
+                    </a:p>
+                  </a:txBody>
+                  <a:tcPr marL="6618" marR="6618" marT="6618" marB="0" anchor="b">
+                    <a:lnB w="3175" cap="flat" cmpd="sng" algn="ctr">
+                      <a:solidFill>
+                        <a:schemeClr val="bg1"/>
+                      </a:solidFill>
+                      <a:prstDash val="sysDot"/>
+                      <a:round/>
+                      <a:headEnd type="none" w="med" len="med"/>
+                      <a:tailEnd type="none" w="med" len="med"/>
+                    </a:lnB>
+                  </a:tcPr>
+                </a:tc>
+                <a:tc>
+                  <a:txBody>
+                    <a:bodyPr/>
+                    <a:lstStyle/>
+                    <a:p>
+                      <a:pPr algn="l" fontAlgn="b"/>
+                      <a:r>
+                        <a:rPr lang="de-DE" sz="800" u="none" strike="noStrike">
+                          <a:effectLst/>
+                        </a:rPr>
+                        <a:t>Kollision (Spielerinteraktion)</a:t>
+                      </a:r>
+                      <a:endParaRPr lang="de-DE" sz="800" b="0" i="0" u="none" strike="noStrike">
+                        <a:solidFill>
+                          <a:srgbClr val="000000"/>
+                        </a:solidFill>
+                        <a:effectLst/>
+                        <a:latin typeface="Calibri" panose="020F0502020204030204" pitchFamily="34" charset="0"/>
+                      </a:endParaRPr>
+                    </a:p>
+                  </a:txBody>
+                  <a:tcPr marL="6618" marR="6618" marT="6618" marB="0" anchor="b">
+                    <a:lnB w="3175" cap="flat" cmpd="sng" algn="ctr">
+                      <a:solidFill>
+                        <a:schemeClr val="bg1"/>
+                      </a:solidFill>
+                      <a:prstDash val="sysDot"/>
+                      <a:round/>
+                      <a:headEnd type="none" w="med" len="med"/>
+                      <a:tailEnd type="none" w="med" len="med"/>
+                    </a:lnB>
+                  </a:tcPr>
+                </a:tc>
+                <a:tc>
+                  <a:txBody>
+                    <a:bodyPr/>
+                    <a:lstStyle/>
+                    <a:p>
+                      <a:pPr algn="l" fontAlgn="b"/>
+                      <a:r>
+                        <a:rPr lang="de-DE" sz="800" u="none" strike="noStrike">
+                          <a:effectLst/>
+                        </a:rPr>
+                        <a:t>Meilenstein 1</a:t>
+                      </a:r>
+                      <a:endParaRPr lang="de-DE" sz="800" b="0" i="0" u="none" strike="noStrike">
+                        <a:solidFill>
+                          <a:srgbClr val="000000"/>
+                        </a:solidFill>
+                        <a:effectLst/>
+                        <a:latin typeface="Calibri" panose="020F0502020204030204" pitchFamily="34" charset="0"/>
+                      </a:endParaRPr>
+                    </a:p>
+                  </a:txBody>
+                  <a:tcPr marL="6618" marR="6618" marT="6618" marB="0" anchor="b">
+                    <a:lnB w="3175" cap="flat" cmpd="sng" algn="ctr">
+                      <a:solidFill>
+                        <a:schemeClr val="bg1"/>
+                      </a:solidFill>
+                      <a:prstDash val="sysDot"/>
+                      <a:round/>
+                      <a:headEnd type="none" w="med" len="med"/>
+                      <a:tailEnd type="none" w="med" len="med"/>
+                    </a:lnB>
+                  </a:tcPr>
+                </a:tc>
+                <a:extLst>
+                  <a:ext uri="{0D108BD9-81ED-4DB2-BD59-A6C34878D82A}">
+                    <a16:rowId xmlns:a16="http://schemas.microsoft.com/office/drawing/2014/main" val="1146414076"/>
+                  </a:ext>
+                </a:extLst>
+              </a:tr>
+              <a:tr h="235921">
+                <a:tc>
+                  <a:txBody>
+                    <a:bodyPr/>
+                    <a:lstStyle/>
+                    <a:p>
+                      <a:pPr algn="l" fontAlgn="b"/>
+                      <a:r>
+                        <a:rPr lang="de-DE" sz="800" u="none" strike="noStrike">
+                          <a:effectLst/>
+                        </a:rPr>
+                        <a:t>06.08. - 12.08.</a:t>
+                      </a:r>
+                      <a:endParaRPr lang="de-DE" sz="800" b="0" i="0" u="none" strike="noStrike">
+                        <a:solidFill>
+                          <a:srgbClr val="000000"/>
+                        </a:solidFill>
+                        <a:effectLst/>
+                        <a:latin typeface="Calibri" panose="020F0502020204030204" pitchFamily="34" charset="0"/>
+                      </a:endParaRPr>
+                    </a:p>
+                  </a:txBody>
+                  <a:tcPr marL="6618" marR="6618" marT="6618" marB="0" anchor="b">
+                    <a:lnR w="12700" cap="flat" cmpd="sng" algn="ctr">
+                      <a:solidFill>
+                        <a:schemeClr val="bg1"/>
+                      </a:solidFill>
+                      <a:prstDash val="solid"/>
+                      <a:round/>
+                      <a:headEnd type="none" w="med" len="med"/>
+                      <a:tailEnd type="none" w="med" len="med"/>
+                    </a:lnR>
+                    <a:lnT w="3175" cap="flat" cmpd="sng" algn="ctr">
+                      <a:solidFill>
+                        <a:schemeClr val="bg1"/>
+                      </a:solidFill>
+                      <a:prstDash val="sysDot"/>
+                      <a:round/>
+                      <a:headEnd type="none" w="med" len="med"/>
+                      <a:tailEnd type="none" w="med" len="med"/>
+                    </a:lnT>
+                  </a:tcPr>
+                </a:tc>
+                <a:tc>
+                  <a:txBody>
+                    <a:bodyPr/>
+                    <a:lstStyle/>
+                    <a:p>
+                      <a:pPr algn="l" fontAlgn="b"/>
+                      <a:r>
+                        <a:rPr lang="de-DE" sz="800" u="none" strike="noStrike">
+                          <a:effectLst/>
+                        </a:rPr>
+                        <a:t>Partikel (Notenexplosion, etc.)</a:t>
+                      </a:r>
+                      <a:endParaRPr lang="de-DE" sz="800" b="0" i="0" u="none" strike="noStrike">
+                        <a:solidFill>
+                          <a:srgbClr val="000000"/>
+                        </a:solidFill>
+                        <a:effectLst/>
+                        <a:latin typeface="Calibri" panose="020F0502020204030204" pitchFamily="34" charset="0"/>
+                      </a:endParaRPr>
+                    </a:p>
+                  </a:txBody>
+                  <a:tcPr marL="6618" marR="6618" marT="6618" marB="0" anchor="b">
+                    <a:lnL w="12700" cap="flat" cmpd="sng" algn="ctr">
+                      <a:solidFill>
+                        <a:schemeClr val="bg1"/>
+                      </a:solidFill>
+                      <a:prstDash val="solid"/>
+                      <a:round/>
+                      <a:headEnd type="none" w="med" len="med"/>
+                      <a:tailEnd type="none" w="med" len="med"/>
+                    </a:lnL>
+                    <a:lnT w="3175" cap="flat" cmpd="sng" algn="ctr">
+                      <a:solidFill>
+                        <a:schemeClr val="bg1"/>
+                      </a:solidFill>
+                      <a:prstDash val="sysDot"/>
+                      <a:round/>
+                      <a:headEnd type="none" w="med" len="med"/>
+                      <a:tailEnd type="none" w="med" len="med"/>
+                    </a:lnT>
+                  </a:tcPr>
+                </a:tc>
+                <a:tc>
+                  <a:txBody>
+                    <a:bodyPr/>
+                    <a:lstStyle/>
+                    <a:p>
+                      <a:pPr algn="l" fontAlgn="b"/>
+                      <a:r>
+                        <a:rPr lang="de-DE" sz="800" u="none" strike="noStrike">
+                          <a:effectLst/>
+                        </a:rPr>
+                        <a:t>Regisseur Automation</a:t>
+                      </a:r>
+                      <a:endParaRPr lang="de-DE" sz="800" b="0" i="0" u="none" strike="noStrike">
+                        <a:solidFill>
+                          <a:srgbClr val="000000"/>
+                        </a:solidFill>
+                        <a:effectLst/>
+                        <a:latin typeface="Calibri" panose="020F0502020204030204" pitchFamily="34" charset="0"/>
+                      </a:endParaRPr>
+                    </a:p>
+                  </a:txBody>
+                  <a:tcPr marL="6618" marR="6618" marT="6618" marB="0" anchor="b">
+                    <a:lnT w="3175" cap="flat" cmpd="sng" algn="ctr">
+                      <a:solidFill>
+                        <a:schemeClr val="bg1"/>
+                      </a:solidFill>
+                      <a:prstDash val="sysDot"/>
+                      <a:round/>
+                      <a:headEnd type="none" w="med" len="med"/>
+                      <a:tailEnd type="none" w="med" len="med"/>
+                    </a:lnT>
+                  </a:tcPr>
+                </a:tc>
+                <a:tc>
+                  <a:txBody>
+                    <a:bodyPr/>
+                    <a:lstStyle/>
+                    <a:p>
+                      <a:pPr algn="l" fontAlgn="b"/>
+                      <a:r>
+                        <a:rPr lang="de-DE" sz="800" u="none" strike="noStrike">
+                          <a:effectLst/>
+                        </a:rPr>
+                        <a:t>Zufällige Tavernengenerierung</a:t>
+                      </a:r>
+                      <a:endParaRPr lang="de-DE" sz="800" b="0" i="0" u="none" strike="noStrike">
+                        <a:solidFill>
+                          <a:srgbClr val="000000"/>
+                        </a:solidFill>
+                        <a:effectLst/>
+                        <a:latin typeface="Calibri" panose="020F0502020204030204" pitchFamily="34" charset="0"/>
+                      </a:endParaRPr>
+                    </a:p>
+                  </a:txBody>
+                  <a:tcPr marL="6618" marR="6618" marT="6618" marB="0" anchor="b">
+                    <a:lnT w="3175" cap="flat" cmpd="sng" algn="ctr">
+                      <a:solidFill>
+                        <a:schemeClr val="bg1"/>
+                      </a:solidFill>
+                      <a:prstDash val="sysDot"/>
+                      <a:round/>
+                      <a:headEnd type="none" w="med" len="med"/>
+                      <a:tailEnd type="none" w="med" len="med"/>
+                    </a:lnT>
+                  </a:tcPr>
+                </a:tc>
+                <a:tc>
+                  <a:txBody>
+                    <a:bodyPr/>
+                    <a:lstStyle/>
+                    <a:p>
+                      <a:pPr algn="l" fontAlgn="b"/>
+                      <a:r>
+                        <a:rPr lang="de-DE" sz="800" u="none" strike="noStrike">
+                          <a:effectLst/>
+                        </a:rPr>
+                        <a:t>Beleuchtung (Lichtshow)</a:t>
+                      </a:r>
+                      <a:endParaRPr lang="de-DE" sz="800" b="0" i="0" u="none" strike="noStrike">
+                        <a:solidFill>
+                          <a:srgbClr val="000000"/>
+                        </a:solidFill>
+                        <a:effectLst/>
+                        <a:latin typeface="Calibri" panose="020F0502020204030204" pitchFamily="34" charset="0"/>
+                      </a:endParaRPr>
+                    </a:p>
+                  </a:txBody>
+                  <a:tcPr marL="6618" marR="6618" marT="6618" marB="0" anchor="b">
+                    <a:lnT w="3175" cap="flat" cmpd="sng" algn="ctr">
+                      <a:solidFill>
+                        <a:schemeClr val="bg1"/>
+                      </a:solidFill>
+                      <a:prstDash val="sysDot"/>
+                      <a:round/>
+                      <a:headEnd type="none" w="med" len="med"/>
+                      <a:tailEnd type="none" w="med" len="med"/>
+                    </a:lnT>
+                  </a:tcPr>
+                </a:tc>
+                <a:tc>
+                  <a:txBody>
+                    <a:bodyPr/>
+                    <a:lstStyle/>
+                    <a:p>
+                      <a:pPr algn="l" fontAlgn="b"/>
+                      <a:endParaRPr lang="de-DE" sz="800" b="0" i="0" u="none" strike="noStrike">
+                        <a:solidFill>
+                          <a:srgbClr val="000000"/>
+                        </a:solidFill>
+                        <a:effectLst/>
+                        <a:latin typeface="Calibri" panose="020F0502020204030204" pitchFamily="34" charset="0"/>
+                      </a:endParaRPr>
+                    </a:p>
+                  </a:txBody>
+                  <a:tcPr marL="6618" marR="6618" marT="6618" marB="0" anchor="b">
+                    <a:lnT w="3175" cap="flat" cmpd="sng" algn="ctr">
+                      <a:solidFill>
+                        <a:schemeClr val="bg1"/>
+                      </a:solidFill>
+                      <a:prstDash val="sysDot"/>
+                      <a:round/>
+                      <a:headEnd type="none" w="med" len="med"/>
+                      <a:tailEnd type="none" w="med" len="med"/>
+                    </a:lnT>
+                  </a:tcPr>
+                </a:tc>
+                <a:extLst>
+                  <a:ext uri="{0D108BD9-81ED-4DB2-BD59-A6C34878D82A}">
+                    <a16:rowId xmlns:a16="http://schemas.microsoft.com/office/drawing/2014/main" val="444707304"/>
+                  </a:ext>
+                </a:extLst>
+              </a:tr>
+              <a:tr h="446390">
+                <a:tc>
+                  <a:txBody>
+                    <a:bodyPr/>
+                    <a:lstStyle/>
+                    <a:p>
+                      <a:pPr algn="l" fontAlgn="b"/>
+                      <a:r>
+                        <a:rPr lang="de-DE" sz="800" u="none" strike="noStrike">
+                          <a:effectLst/>
+                        </a:rPr>
+                        <a:t>13.08. - 19.08.</a:t>
+                      </a:r>
+                      <a:endParaRPr lang="de-DE" sz="800" b="0" i="0" u="none" strike="noStrike">
+                        <a:solidFill>
+                          <a:srgbClr val="000000"/>
+                        </a:solidFill>
+                        <a:effectLst/>
+                        <a:latin typeface="Calibri" panose="020F0502020204030204" pitchFamily="34" charset="0"/>
+                      </a:endParaRPr>
+                    </a:p>
+                  </a:txBody>
+                  <a:tcPr marL="6618" marR="6618" marT="6618" marB="0" anchor="b">
+                    <a:lnR w="12700" cap="flat" cmpd="sng" algn="ctr">
+                      <a:solidFill>
+                        <a:schemeClr val="bg1"/>
+                      </a:solidFill>
+                      <a:prstDash val="solid"/>
+                      <a:round/>
+                      <a:headEnd type="none" w="med" len="med"/>
+                      <a:tailEnd type="none" w="med" len="med"/>
+                    </a:lnR>
+                  </a:tcPr>
+                </a:tc>
+                <a:tc>
+                  <a:txBody>
+                    <a:bodyPr/>
+                    <a:lstStyle/>
+                    <a:p>
+                      <a:pPr algn="l" fontAlgn="b"/>
+                      <a:r>
+                        <a:rPr lang="de-DE" sz="800" u="none" strike="noStrike">
+                          <a:effectLst/>
+                        </a:rPr>
+                        <a:t>Interaktive Dekoobjekte (z.B. Kerze, Münzen, …)</a:t>
+                      </a:r>
+                      <a:endParaRPr lang="de-DE" sz="800" b="0" i="0" u="none" strike="noStrike">
+                        <a:solidFill>
+                          <a:srgbClr val="000000"/>
+                        </a:solidFill>
+                        <a:effectLst/>
+                        <a:latin typeface="Calibri" panose="020F0502020204030204" pitchFamily="34" charset="0"/>
+                      </a:endParaRPr>
+                    </a:p>
+                  </a:txBody>
+                  <a:tcPr marL="6618" marR="6618" marT="6618" marB="0" anchor="b">
+                    <a:lnL w="12700" cap="flat" cmpd="sng" algn="ctr">
+                      <a:solidFill>
+                        <a:schemeClr val="bg1"/>
+                      </a:solidFill>
+                      <a:prstDash val="solid"/>
+                      <a:round/>
+                      <a:headEnd type="none" w="med" len="med"/>
+                      <a:tailEnd type="none" w="med" len="med"/>
+                    </a:lnL>
+                  </a:tcPr>
+                </a:tc>
+                <a:tc>
+                  <a:txBody>
+                    <a:bodyPr/>
+                    <a:lstStyle/>
+                    <a:p>
+                      <a:pPr algn="l" fontAlgn="b"/>
+                      <a:r>
+                        <a:rPr lang="de-DE" sz="800" u="none" strike="noStrike">
+                          <a:effectLst/>
+                        </a:rPr>
+                        <a:t>Hauptmenü</a:t>
+                      </a:r>
+                      <a:endParaRPr lang="de-DE" sz="800" b="0" i="0" u="none" strike="noStrike">
+                        <a:solidFill>
+                          <a:srgbClr val="000000"/>
+                        </a:solidFill>
+                        <a:effectLst/>
+                        <a:latin typeface="Calibri" panose="020F0502020204030204" pitchFamily="34" charset="0"/>
+                      </a:endParaRPr>
+                    </a:p>
+                  </a:txBody>
+                  <a:tcPr marL="6618" marR="6618" marT="6618" marB="0" anchor="b"/>
+                </a:tc>
+                <a:tc>
+                  <a:txBody>
+                    <a:bodyPr/>
+                    <a:lstStyle/>
+                    <a:p>
+                      <a:pPr algn="l" fontAlgn="b"/>
+                      <a:r>
+                        <a:rPr lang="de-DE" sz="800" u="none" strike="noStrike">
+                          <a:effectLst/>
+                        </a:rPr>
+                        <a:t>Zuschauerverhalten</a:t>
+                      </a:r>
+                      <a:endParaRPr lang="de-DE" sz="800" b="0" i="0" u="none" strike="noStrike">
+                        <a:solidFill>
+                          <a:srgbClr val="000000"/>
+                        </a:solidFill>
+                        <a:effectLst/>
+                        <a:latin typeface="Calibri" panose="020F0502020204030204" pitchFamily="34" charset="0"/>
+                      </a:endParaRPr>
+                    </a:p>
+                  </a:txBody>
+                  <a:tcPr marL="6618" marR="6618" marT="6618" marB="0" anchor="b"/>
+                </a:tc>
+                <a:tc>
+                  <a:txBody>
+                    <a:bodyPr/>
+                    <a:lstStyle/>
+                    <a:p>
+                      <a:pPr algn="l" fontAlgn="b"/>
+                      <a:r>
+                        <a:rPr lang="de-DE" sz="800" u="none" strike="noStrike">
+                          <a:effectLst/>
+                        </a:rPr>
+                        <a:t>Lichtshow interaktiv gestalten (rot,blau, grün) je nach Spielleistung</a:t>
+                      </a:r>
+                      <a:endParaRPr lang="de-DE" sz="800" b="0" i="0" u="none" strike="noStrike">
+                        <a:solidFill>
+                          <a:srgbClr val="000000"/>
+                        </a:solidFill>
+                        <a:effectLst/>
+                        <a:latin typeface="Calibri" panose="020F0502020204030204" pitchFamily="34" charset="0"/>
+                      </a:endParaRPr>
+                    </a:p>
+                  </a:txBody>
+                  <a:tcPr marL="6618" marR="6618" marT="6618" marB="0" anchor="b"/>
+                </a:tc>
+                <a:tc>
+                  <a:txBody>
+                    <a:bodyPr/>
+                    <a:lstStyle/>
+                    <a:p>
+                      <a:pPr algn="l" fontAlgn="b"/>
+                      <a:endParaRPr lang="de-DE" sz="800" b="0" i="0" u="none" strike="noStrike">
+                        <a:solidFill>
+                          <a:srgbClr val="000000"/>
+                        </a:solidFill>
+                        <a:effectLst/>
+                        <a:latin typeface="Calibri" panose="020F0502020204030204" pitchFamily="34" charset="0"/>
+                      </a:endParaRPr>
+                    </a:p>
+                  </a:txBody>
+                  <a:tcPr marL="6618" marR="6618" marT="6618" marB="0" anchor="b"/>
+                </a:tc>
+                <a:extLst>
+                  <a:ext uri="{0D108BD9-81ED-4DB2-BD59-A6C34878D82A}">
+                    <a16:rowId xmlns:a16="http://schemas.microsoft.com/office/drawing/2014/main" val="1453891588"/>
+                  </a:ext>
+                </a:extLst>
+              </a:tr>
+              <a:tr h="235921">
+                <a:tc>
+                  <a:txBody>
+                    <a:bodyPr/>
+                    <a:lstStyle/>
+                    <a:p>
+                      <a:pPr algn="l" fontAlgn="b"/>
+                      <a:r>
+                        <a:rPr lang="de-DE" sz="800" u="none" strike="noStrike" dirty="0">
+                          <a:effectLst/>
+                        </a:rPr>
+                        <a:t>20.08. - 26.08.</a:t>
+                      </a:r>
+                      <a:endParaRPr lang="de-DE" sz="800" b="0" i="0" u="none" strike="noStrike" dirty="0">
+                        <a:solidFill>
+                          <a:srgbClr val="000000"/>
+                        </a:solidFill>
+                        <a:effectLst/>
+                        <a:latin typeface="Calibri" panose="020F0502020204030204" pitchFamily="34" charset="0"/>
+                      </a:endParaRPr>
+                    </a:p>
+                  </a:txBody>
+                  <a:tcPr marL="6618" marR="6618" marT="6618" marB="0" anchor="b">
+                    <a:lnR w="12700" cap="flat" cmpd="sng" algn="ctr">
+                      <a:solidFill>
+                        <a:schemeClr val="bg1"/>
+                      </a:solidFill>
+                      <a:prstDash val="solid"/>
+                      <a:round/>
+                      <a:headEnd type="none" w="med" len="med"/>
+                      <a:tailEnd type="none" w="med" len="med"/>
+                    </a:lnR>
+                    <a:lnB w="3175" cap="flat" cmpd="sng" algn="ctr">
+                      <a:solidFill>
+                        <a:schemeClr val="bg1"/>
+                      </a:solidFill>
+                      <a:prstDash val="sysDot"/>
+                      <a:round/>
+                      <a:headEnd type="none" w="med" len="med"/>
+                      <a:tailEnd type="none" w="med" len="med"/>
+                    </a:lnB>
+                  </a:tcPr>
+                </a:tc>
+                <a:tc>
+                  <a:txBody>
+                    <a:bodyPr/>
+                    <a:lstStyle/>
+                    <a:p>
+                      <a:pPr algn="l" fontAlgn="b"/>
+                      <a:r>
+                        <a:rPr lang="de-DE" sz="800" u="none" strike="noStrike">
+                          <a:effectLst/>
+                        </a:rPr>
+                        <a:t>Minispiele (z.B. Dart, Schankwirt, …)</a:t>
+                      </a:r>
+                      <a:endParaRPr lang="de-DE" sz="800" b="0" i="0" u="none" strike="noStrike">
+                        <a:solidFill>
+                          <a:srgbClr val="000000"/>
+                        </a:solidFill>
+                        <a:effectLst/>
+                        <a:latin typeface="Calibri" panose="020F0502020204030204" pitchFamily="34" charset="0"/>
+                      </a:endParaRPr>
+                    </a:p>
+                  </a:txBody>
+                  <a:tcPr marL="6618" marR="6618" marT="6618" marB="0" anchor="b">
+                    <a:lnL w="12700" cap="flat" cmpd="sng" algn="ctr">
+                      <a:solidFill>
+                        <a:schemeClr val="bg1"/>
+                      </a:solidFill>
+                      <a:prstDash val="solid"/>
+                      <a:round/>
+                      <a:headEnd type="none" w="med" len="med"/>
+                      <a:tailEnd type="none" w="med" len="med"/>
+                    </a:lnL>
+                    <a:lnB w="3175" cap="flat" cmpd="sng" algn="ctr">
+                      <a:solidFill>
+                        <a:schemeClr val="bg1"/>
+                      </a:solidFill>
+                      <a:prstDash val="sysDot"/>
+                      <a:round/>
+                      <a:headEnd type="none" w="med" len="med"/>
+                      <a:tailEnd type="none" w="med" len="med"/>
+                    </a:lnB>
+                  </a:tcPr>
+                </a:tc>
+                <a:tc>
+                  <a:txBody>
+                    <a:bodyPr/>
+                    <a:lstStyle/>
+                    <a:p>
+                      <a:pPr algn="l" fontAlgn="b"/>
+                      <a:r>
+                        <a:rPr lang="de-DE" sz="800" u="none" strike="noStrike">
+                          <a:effectLst/>
+                        </a:rPr>
+                        <a:t>Beatmap (spätestens)</a:t>
+                      </a:r>
+                      <a:endParaRPr lang="de-DE" sz="800" b="0" i="0" u="none" strike="noStrike">
+                        <a:solidFill>
+                          <a:srgbClr val="000000"/>
+                        </a:solidFill>
+                        <a:effectLst/>
+                        <a:latin typeface="Calibri" panose="020F0502020204030204" pitchFamily="34" charset="0"/>
+                      </a:endParaRPr>
+                    </a:p>
+                  </a:txBody>
+                  <a:tcPr marL="6618" marR="6618" marT="6618" marB="0" anchor="b">
+                    <a:lnB w="3175" cap="flat" cmpd="sng" algn="ctr">
+                      <a:solidFill>
+                        <a:schemeClr val="bg1"/>
+                      </a:solidFill>
+                      <a:prstDash val="sysDot"/>
+                      <a:round/>
+                      <a:headEnd type="none" w="med" len="med"/>
+                      <a:tailEnd type="none" w="med" len="med"/>
+                    </a:lnB>
+                  </a:tcPr>
+                </a:tc>
+                <a:tc>
+                  <a:txBody>
+                    <a:bodyPr/>
+                    <a:lstStyle/>
+                    <a:p>
+                      <a:pPr algn="l" fontAlgn="b"/>
+                      <a:r>
+                        <a:rPr lang="de-DE" sz="800" u="none" strike="noStrike">
+                          <a:effectLst/>
+                        </a:rPr>
+                        <a:t>Minispiele (z.B. Dart, Schankwirt, …)</a:t>
+                      </a:r>
+                      <a:endParaRPr lang="de-DE" sz="800" b="0" i="0" u="none" strike="noStrike">
+                        <a:solidFill>
+                          <a:srgbClr val="000000"/>
+                        </a:solidFill>
+                        <a:effectLst/>
+                        <a:latin typeface="Calibri" panose="020F0502020204030204" pitchFamily="34" charset="0"/>
+                      </a:endParaRPr>
+                    </a:p>
+                  </a:txBody>
+                  <a:tcPr marL="6618" marR="6618" marT="6618" marB="0" anchor="b">
+                    <a:lnB w="3175" cap="flat" cmpd="sng" algn="ctr">
+                      <a:solidFill>
+                        <a:schemeClr val="bg1"/>
+                      </a:solidFill>
+                      <a:prstDash val="sysDot"/>
+                      <a:round/>
+                      <a:headEnd type="none" w="med" len="med"/>
+                      <a:tailEnd type="none" w="med" len="med"/>
+                    </a:lnB>
+                  </a:tcPr>
+                </a:tc>
+                <a:tc>
+                  <a:txBody>
+                    <a:bodyPr/>
+                    <a:lstStyle/>
+                    <a:p>
+                      <a:pPr algn="l" fontAlgn="b"/>
+                      <a:r>
+                        <a:rPr lang="de-DE" sz="800" u="none" strike="noStrike">
+                          <a:effectLst/>
+                        </a:rPr>
+                        <a:t>Deko (interaktiv)</a:t>
+                      </a:r>
+                      <a:endParaRPr lang="de-DE" sz="800" b="0" i="0" u="none" strike="noStrike">
+                        <a:solidFill>
+                          <a:srgbClr val="000000"/>
+                        </a:solidFill>
+                        <a:effectLst/>
+                        <a:latin typeface="Calibri" panose="020F0502020204030204" pitchFamily="34" charset="0"/>
+                      </a:endParaRPr>
+                    </a:p>
+                  </a:txBody>
+                  <a:tcPr marL="6618" marR="6618" marT="6618" marB="0" anchor="b">
+                    <a:lnB w="3175" cap="flat" cmpd="sng" algn="ctr">
+                      <a:solidFill>
+                        <a:schemeClr val="bg1"/>
+                      </a:solidFill>
+                      <a:prstDash val="sysDot"/>
+                      <a:round/>
+                      <a:headEnd type="none" w="med" len="med"/>
+                      <a:tailEnd type="none" w="med" len="med"/>
+                    </a:lnB>
+                  </a:tcPr>
+                </a:tc>
+                <a:tc>
+                  <a:txBody>
+                    <a:bodyPr/>
+                    <a:lstStyle/>
+                    <a:p>
+                      <a:pPr algn="l" fontAlgn="b"/>
+                      <a:r>
+                        <a:rPr lang="de-DE" sz="800" u="none" strike="noStrike">
+                          <a:effectLst/>
+                        </a:rPr>
+                        <a:t>Meilenstein 2</a:t>
+                      </a:r>
+                      <a:endParaRPr lang="de-DE" sz="800" b="0" i="0" u="none" strike="noStrike">
+                        <a:solidFill>
+                          <a:srgbClr val="000000"/>
+                        </a:solidFill>
+                        <a:effectLst/>
+                        <a:latin typeface="Calibri" panose="020F0502020204030204" pitchFamily="34" charset="0"/>
+                      </a:endParaRPr>
+                    </a:p>
+                  </a:txBody>
+                  <a:tcPr marL="6618" marR="6618" marT="6618" marB="0" anchor="b">
+                    <a:lnB w="3175" cap="flat" cmpd="sng" algn="ctr">
+                      <a:solidFill>
+                        <a:schemeClr val="bg1"/>
+                      </a:solidFill>
+                      <a:prstDash val="sysDot"/>
+                      <a:round/>
+                      <a:headEnd type="none" w="med" len="med"/>
+                      <a:tailEnd type="none" w="med" len="med"/>
+                    </a:lnB>
+                  </a:tcPr>
+                </a:tc>
+                <a:extLst>
+                  <a:ext uri="{0D108BD9-81ED-4DB2-BD59-A6C34878D82A}">
+                    <a16:rowId xmlns:a16="http://schemas.microsoft.com/office/drawing/2014/main" val="2305706503"/>
+                  </a:ext>
+                </a:extLst>
+              </a:tr>
+              <a:tr h="446390">
+                <a:tc>
+                  <a:txBody>
+                    <a:bodyPr/>
+                    <a:lstStyle/>
+                    <a:p>
+                      <a:pPr algn="l" fontAlgn="b"/>
+                      <a:r>
+                        <a:rPr lang="de-DE" sz="800" u="none" strike="noStrike">
+                          <a:effectLst/>
+                        </a:rPr>
+                        <a:t>27.08. - 02.09.</a:t>
+                      </a:r>
+                      <a:endParaRPr lang="de-DE" sz="800" b="0" i="0" u="none" strike="noStrike">
+                        <a:solidFill>
+                          <a:srgbClr val="000000"/>
+                        </a:solidFill>
+                        <a:effectLst/>
+                        <a:latin typeface="Calibri" panose="020F0502020204030204" pitchFamily="34" charset="0"/>
+                      </a:endParaRPr>
+                    </a:p>
+                  </a:txBody>
+                  <a:tcPr marL="6618" marR="6618" marT="6618" marB="0" anchor="b">
+                    <a:lnR w="12700" cap="flat" cmpd="sng" algn="ctr">
+                      <a:solidFill>
+                        <a:schemeClr val="bg1"/>
+                      </a:solidFill>
+                      <a:prstDash val="solid"/>
+                      <a:round/>
+                      <a:headEnd type="none" w="med" len="med"/>
+                      <a:tailEnd type="none" w="med" len="med"/>
+                    </a:lnR>
+                    <a:lnT w="3175" cap="flat" cmpd="sng" algn="ctr">
+                      <a:solidFill>
+                        <a:schemeClr val="bg1"/>
+                      </a:solidFill>
+                      <a:prstDash val="sysDot"/>
+                      <a:round/>
+                      <a:headEnd type="none" w="med" len="med"/>
+                      <a:tailEnd type="none" w="med" len="med"/>
+                    </a:lnT>
+                  </a:tcPr>
+                </a:tc>
+                <a:tc>
+                  <a:txBody>
+                    <a:bodyPr/>
+                    <a:lstStyle/>
+                    <a:p>
+                      <a:pPr algn="l" fontAlgn="b"/>
+                      <a:r>
+                        <a:rPr lang="de-DE" sz="800" u="none" strike="noStrike">
+                          <a:effectLst/>
+                        </a:rPr>
+                        <a:t>Erweiterung Animation, zusätzliche Objekte</a:t>
+                      </a:r>
+                      <a:endParaRPr lang="de-DE" sz="800" b="0" i="0" u="none" strike="noStrike">
+                        <a:solidFill>
+                          <a:srgbClr val="000000"/>
+                        </a:solidFill>
+                        <a:effectLst/>
+                        <a:latin typeface="Calibri" panose="020F0502020204030204" pitchFamily="34" charset="0"/>
+                      </a:endParaRPr>
+                    </a:p>
+                  </a:txBody>
+                  <a:tcPr marL="6618" marR="6618" marT="6618" marB="0" anchor="b">
+                    <a:lnL w="12700" cap="flat" cmpd="sng" algn="ctr">
+                      <a:solidFill>
+                        <a:schemeClr val="bg1"/>
+                      </a:solidFill>
+                      <a:prstDash val="solid"/>
+                      <a:round/>
+                      <a:headEnd type="none" w="med" len="med"/>
+                      <a:tailEnd type="none" w="med" len="med"/>
+                    </a:lnL>
+                    <a:lnT w="3175" cap="flat" cmpd="sng" algn="ctr">
+                      <a:solidFill>
+                        <a:schemeClr val="bg1"/>
+                      </a:solidFill>
+                      <a:prstDash val="sysDot"/>
+                      <a:round/>
+                      <a:headEnd type="none" w="med" len="med"/>
+                      <a:tailEnd type="none" w="med" len="med"/>
+                    </a:lnT>
+                  </a:tcPr>
+                </a:tc>
+                <a:tc>
+                  <a:txBody>
+                    <a:bodyPr/>
+                    <a:lstStyle/>
+                    <a:p>
+                      <a:pPr algn="l" fontAlgn="b"/>
+                      <a:r>
+                        <a:rPr lang="de-DE" sz="800" u="none" strike="noStrike">
+                          <a:effectLst/>
+                        </a:rPr>
+                        <a:t>Zuschauer Interaktion</a:t>
+                      </a:r>
+                      <a:endParaRPr lang="de-DE" sz="800" b="0" i="0" u="none" strike="noStrike">
+                        <a:solidFill>
+                          <a:srgbClr val="000000"/>
+                        </a:solidFill>
+                        <a:effectLst/>
+                        <a:latin typeface="Calibri" panose="020F0502020204030204" pitchFamily="34" charset="0"/>
+                      </a:endParaRPr>
+                    </a:p>
+                  </a:txBody>
+                  <a:tcPr marL="6618" marR="6618" marT="6618" marB="0" anchor="b">
+                    <a:lnT w="3175" cap="flat" cmpd="sng" algn="ctr">
+                      <a:solidFill>
+                        <a:schemeClr val="bg1"/>
+                      </a:solidFill>
+                      <a:prstDash val="sysDot"/>
+                      <a:round/>
+                      <a:headEnd type="none" w="med" len="med"/>
+                      <a:tailEnd type="none" w="med" len="med"/>
+                    </a:lnT>
+                  </a:tcPr>
+                </a:tc>
+                <a:tc>
+                  <a:txBody>
+                    <a:bodyPr/>
+                    <a:lstStyle/>
+                    <a:p>
+                      <a:pPr algn="l" fontAlgn="b"/>
+                      <a:r>
+                        <a:rPr lang="de-DE" sz="800" u="none" strike="noStrike">
+                          <a:effectLst/>
+                        </a:rPr>
+                        <a:t>Minispiele (z.B. Dart, Schankwirt, …)</a:t>
+                      </a:r>
+                      <a:endParaRPr lang="de-DE" sz="800" b="0" i="0" u="none" strike="noStrike">
+                        <a:solidFill>
+                          <a:srgbClr val="000000"/>
+                        </a:solidFill>
+                        <a:effectLst/>
+                        <a:latin typeface="Calibri" panose="020F0502020204030204" pitchFamily="34" charset="0"/>
+                      </a:endParaRPr>
+                    </a:p>
+                  </a:txBody>
+                  <a:tcPr marL="6618" marR="6618" marT="6618" marB="0" anchor="b">
+                    <a:lnT w="3175" cap="flat" cmpd="sng" algn="ctr">
+                      <a:solidFill>
+                        <a:schemeClr val="bg1"/>
+                      </a:solidFill>
+                      <a:prstDash val="sysDot"/>
+                      <a:round/>
+                      <a:headEnd type="none" w="med" len="med"/>
+                      <a:tailEnd type="none" w="med" len="med"/>
+                    </a:lnT>
+                  </a:tcPr>
+                </a:tc>
+                <a:tc>
+                  <a:txBody>
+                    <a:bodyPr/>
+                    <a:lstStyle/>
+                    <a:p>
+                      <a:pPr algn="l" fontAlgn="b"/>
+                      <a:r>
+                        <a:rPr lang="de-DE" sz="800" u="none" strike="noStrike">
+                          <a:effectLst/>
+                        </a:rPr>
+                        <a:t>interaktives Licht verfeinern (farbübergänge, bewegungen)</a:t>
+                      </a:r>
+                      <a:endParaRPr lang="de-DE" sz="800" b="0" i="0" u="none" strike="noStrike">
+                        <a:solidFill>
+                          <a:srgbClr val="000000"/>
+                        </a:solidFill>
+                        <a:effectLst/>
+                        <a:latin typeface="Calibri" panose="020F0502020204030204" pitchFamily="34" charset="0"/>
+                      </a:endParaRPr>
+                    </a:p>
+                  </a:txBody>
+                  <a:tcPr marL="6618" marR="6618" marT="6618" marB="0" anchor="b">
+                    <a:lnT w="3175" cap="flat" cmpd="sng" algn="ctr">
+                      <a:solidFill>
+                        <a:schemeClr val="bg1"/>
+                      </a:solidFill>
+                      <a:prstDash val="sysDot"/>
+                      <a:round/>
+                      <a:headEnd type="none" w="med" len="med"/>
+                      <a:tailEnd type="none" w="med" len="med"/>
+                    </a:lnT>
+                  </a:tcPr>
+                </a:tc>
+                <a:tc>
+                  <a:txBody>
+                    <a:bodyPr/>
+                    <a:lstStyle/>
+                    <a:p>
+                      <a:pPr algn="l" fontAlgn="b"/>
+                      <a:endParaRPr lang="de-DE" sz="800" b="0" i="0" u="none" strike="noStrike">
+                        <a:solidFill>
+                          <a:srgbClr val="000000"/>
+                        </a:solidFill>
+                        <a:effectLst/>
+                        <a:latin typeface="Calibri" panose="020F0502020204030204" pitchFamily="34" charset="0"/>
+                      </a:endParaRPr>
+                    </a:p>
+                  </a:txBody>
+                  <a:tcPr marL="6618" marR="6618" marT="6618" marB="0" anchor="b">
+                    <a:lnT w="3175" cap="flat" cmpd="sng" algn="ctr">
+                      <a:solidFill>
+                        <a:schemeClr val="bg1"/>
+                      </a:solidFill>
+                      <a:prstDash val="sysDot"/>
+                      <a:round/>
+                      <a:headEnd type="none" w="med" len="med"/>
+                      <a:tailEnd type="none" w="med" len="med"/>
+                    </a:lnT>
+                  </a:tcPr>
+                </a:tc>
+                <a:extLst>
+                  <a:ext uri="{0D108BD9-81ED-4DB2-BD59-A6C34878D82A}">
+                    <a16:rowId xmlns:a16="http://schemas.microsoft.com/office/drawing/2014/main" val="2016782012"/>
+                  </a:ext>
+                </a:extLst>
+              </a:tr>
+              <a:tr h="446390">
+                <a:tc>
+                  <a:txBody>
+                    <a:bodyPr/>
+                    <a:lstStyle/>
+                    <a:p>
+                      <a:pPr algn="l" fontAlgn="b"/>
+                      <a:r>
+                        <a:rPr lang="de-DE" sz="800" u="none" strike="noStrike">
+                          <a:effectLst/>
+                        </a:rPr>
+                        <a:t>03.09. - 09.09.</a:t>
+                      </a:r>
+                      <a:endParaRPr lang="de-DE" sz="800" b="0" i="0" u="none" strike="noStrike">
+                        <a:solidFill>
+                          <a:srgbClr val="000000"/>
+                        </a:solidFill>
+                        <a:effectLst/>
+                        <a:latin typeface="Calibri" panose="020F0502020204030204" pitchFamily="34" charset="0"/>
+                      </a:endParaRPr>
+                    </a:p>
+                  </a:txBody>
+                  <a:tcPr marL="6618" marR="6618" marT="6618" marB="0" anchor="b">
+                    <a:lnR w="12700" cap="flat" cmpd="sng" algn="ctr">
+                      <a:solidFill>
+                        <a:schemeClr val="bg1"/>
+                      </a:solidFill>
+                      <a:prstDash val="solid"/>
+                      <a:round/>
+                      <a:headEnd type="none" w="med" len="med"/>
+                      <a:tailEnd type="none" w="med" len="med"/>
+                    </a:lnR>
+                  </a:tcPr>
                 </a:tc>
                 <a:tc>
                   <a:txBody>
@@ -7158,7 +8611,17 @@
                       </a:endParaRPr>
                     </a:p>
                   </a:txBody>
-                  <a:tcPr marL="7483" marR="7483" marT="7483" marB="0" anchor="b"/>
+                  <a:tcPr marL="6618" marR="6618" marT="6618" marB="0" anchor="b">
+                    <a:lnL w="12700" cap="flat" cmpd="sng" algn="ctr">
+                      <a:solidFill>
+                        <a:schemeClr val="bg1"/>
+                      </a:solidFill>
+                      <a:prstDash val="solid"/>
+                      <a:round/>
+                      <a:headEnd type="none" w="med" len="med"/>
+                      <a:tailEnd type="none" w="med" len="med"/>
+                    </a:lnL>
+                  </a:tcPr>
                 </a:tc>
                 <a:tc>
                   <a:txBody>
@@ -7170,7 +8633,7 @@
                         <a:rPr lang="de-DE" sz="800" u="none" strike="noStrike">
                           <a:effectLst/>
                         </a:rPr>
-                        <a:t>Prüfungsvorbereitung</a:t>
+                        <a:t>evtl. Tomatenwurf etc.</a:t>
                       </a:r>
                       <a:endParaRPr lang="de-DE" sz="800" b="0" i="0" u="none" strike="noStrike">
                         <a:solidFill>
@@ -7181,7 +8644,7 @@
                       </a:endParaRPr>
                     </a:p>
                   </a:txBody>
-                  <a:tcPr marL="7483" marR="7483" marT="7483" marB="0" anchor="b"/>
+                  <a:tcPr marL="6618" marR="6618" marT="6618" marB="0" anchor="b"/>
                 </a:tc>
                 <a:tc>
                   <a:txBody>
@@ -7193,7 +8656,7 @@
                         <a:rPr lang="de-DE" sz="800" u="none" strike="noStrike">
                           <a:effectLst/>
                         </a:rPr>
-                        <a:t>Prüfungsphase</a:t>
+                        <a:t>Interaktive Dekoobjekte (z.B. Kerze, Münzen, …)</a:t>
                       </a:r>
                       <a:endParaRPr lang="de-DE" sz="800" b="0" i="0" u="none" strike="noStrike">
                         <a:solidFill>
@@ -7204,824 +8667,7 @@
                       </a:endParaRPr>
                     </a:p>
                   </a:txBody>
-                  <a:tcPr marL="7483" marR="7483" marT="7483" marB="0" anchor="b"/>
-                </a:tc>
-                <a:tc>
-                  <a:txBody>
-                    <a:bodyPr/>
-                    <a:lstStyle/>
-                    <a:p>
-                      <a:pPr algn="l" fontAlgn="b"/>
-                      <a:r>
-                        <a:rPr lang="de-DE" sz="800" u="none" strike="noStrike">
-                          <a:effectLst/>
-                        </a:rPr>
-                        <a:t>Prüfungsphase</a:t>
-                      </a:r>
-                      <a:endParaRPr lang="de-DE" sz="800" b="0" i="0" u="none" strike="noStrike">
-                        <a:solidFill>
-                          <a:srgbClr val="000000"/>
-                        </a:solidFill>
-                        <a:effectLst/>
-                        <a:latin typeface="Calibri" panose="020F0502020204030204" pitchFamily="34" charset="0"/>
-                      </a:endParaRPr>
-                    </a:p>
-                  </a:txBody>
-                  <a:tcPr marL="7483" marR="7483" marT="7483" marB="0" anchor="b"/>
-                </a:tc>
-                <a:tc>
-                  <a:txBody>
-                    <a:bodyPr/>
-                    <a:lstStyle/>
-                    <a:p>
-                      <a:pPr algn="l" fontAlgn="b"/>
-                      <a:r>
-                        <a:rPr lang="de-DE" sz="800" u="none" strike="noStrike">
-                          <a:effectLst/>
-                        </a:rPr>
-                        <a:t>Kollision</a:t>
-                      </a:r>
-                      <a:endParaRPr lang="de-DE" sz="800" b="0" i="0" u="none" strike="noStrike">
-                        <a:solidFill>
-                          <a:srgbClr val="000000"/>
-                        </a:solidFill>
-                        <a:effectLst/>
-                        <a:latin typeface="Calibri" panose="020F0502020204030204" pitchFamily="34" charset="0"/>
-                      </a:endParaRPr>
-                    </a:p>
-                  </a:txBody>
-                  <a:tcPr marL="7483" marR="7483" marT="7483" marB="0" anchor="b"/>
-                </a:tc>
-                <a:extLst>
-                  <a:ext uri="{0D108BD9-81ED-4DB2-BD59-A6C34878D82A}">
-                    <a16:rowId xmlns:a16="http://schemas.microsoft.com/office/drawing/2014/main" val="1071923339"/>
-                  </a:ext>
-                </a:extLst>
-              </a:tr>
-              <a:tr h="149676">
-                <a:tc>
-                  <a:txBody>
-                    <a:bodyPr/>
-                    <a:lstStyle/>
-                    <a:p>
-                      <a:pPr algn="l" fontAlgn="b"/>
-                      <a:endParaRPr lang="de-DE" sz="800" b="0" i="0" u="none" strike="noStrike">
-                        <a:solidFill>
-                          <a:srgbClr val="000000"/>
-                        </a:solidFill>
-                        <a:effectLst/>
-                        <a:latin typeface="Calibri" panose="020F0502020204030204" pitchFamily="34" charset="0"/>
-                      </a:endParaRPr>
-                    </a:p>
-                  </a:txBody>
-                  <a:tcPr marL="7483" marR="7483" marT="7483" marB="0" anchor="b"/>
-                </a:tc>
-                <a:tc>
-                  <a:txBody>
-                    <a:bodyPr/>
-                    <a:lstStyle/>
-                    <a:p>
-                      <a:pPr algn="l" fontAlgn="b"/>
-                      <a:endParaRPr lang="de-DE" sz="800" b="0" i="0" u="none" strike="noStrike">
-                        <a:solidFill>
-                          <a:srgbClr val="000000"/>
-                        </a:solidFill>
-                        <a:effectLst/>
-                        <a:latin typeface="Calibri" panose="020F0502020204030204" pitchFamily="34" charset="0"/>
-                      </a:endParaRPr>
-                    </a:p>
-                  </a:txBody>
-                  <a:tcPr marL="7483" marR="7483" marT="7483" marB="0" anchor="b"/>
-                </a:tc>
-                <a:tc>
-                  <a:txBody>
-                    <a:bodyPr/>
-                    <a:lstStyle/>
-                    <a:p>
-                      <a:pPr algn="l" fontAlgn="b"/>
-                      <a:endParaRPr lang="de-DE" sz="800" b="0" i="0" u="none" strike="noStrike">
-                        <a:solidFill>
-                          <a:srgbClr val="000000"/>
-                        </a:solidFill>
-                        <a:effectLst/>
-                        <a:latin typeface="Calibri" panose="020F0502020204030204" pitchFamily="34" charset="0"/>
-                      </a:endParaRPr>
-                    </a:p>
-                  </a:txBody>
-                  <a:tcPr marL="7483" marR="7483" marT="7483" marB="0" anchor="b"/>
-                </a:tc>
-                <a:tc>
-                  <a:txBody>
-                    <a:bodyPr/>
-                    <a:lstStyle/>
-                    <a:p>
-                      <a:pPr algn="l" fontAlgn="b"/>
-                      <a:endParaRPr lang="de-DE" sz="800" b="0" i="0" u="none" strike="noStrike">
-                        <a:solidFill>
-                          <a:srgbClr val="000000"/>
-                        </a:solidFill>
-                        <a:effectLst/>
-                        <a:latin typeface="Calibri" panose="020F0502020204030204" pitchFamily="34" charset="0"/>
-                      </a:endParaRPr>
-                    </a:p>
-                  </a:txBody>
-                  <a:tcPr marL="7483" marR="7483" marT="7483" marB="0" anchor="b"/>
-                </a:tc>
-                <a:tc>
-                  <a:txBody>
-                    <a:bodyPr/>
-                    <a:lstStyle/>
-                    <a:p>
-                      <a:pPr algn="l" fontAlgn="b"/>
-                      <a:endParaRPr lang="de-DE" sz="800" b="0" i="0" u="none" strike="noStrike">
-                        <a:solidFill>
-                          <a:srgbClr val="000000"/>
-                        </a:solidFill>
-                        <a:effectLst/>
-                        <a:latin typeface="Calibri" panose="020F0502020204030204" pitchFamily="34" charset="0"/>
-                      </a:endParaRPr>
-                    </a:p>
-                  </a:txBody>
-                  <a:tcPr marL="7483" marR="7483" marT="7483" marB="0" anchor="b"/>
-                </a:tc>
-                <a:tc>
-                  <a:txBody>
-                    <a:bodyPr/>
-                    <a:lstStyle/>
-                    <a:p>
-                      <a:pPr algn="l" fontAlgn="b"/>
-                      <a:endParaRPr lang="de-DE" sz="800" b="0" i="0" u="none" strike="noStrike">
-                        <a:solidFill>
-                          <a:srgbClr val="000000"/>
-                        </a:solidFill>
-                        <a:effectLst/>
-                        <a:latin typeface="Calibri" panose="020F0502020204030204" pitchFamily="34" charset="0"/>
-                      </a:endParaRPr>
-                    </a:p>
-                  </a:txBody>
-                  <a:tcPr marL="7483" marR="7483" marT="7483" marB="0" anchor="b"/>
-                </a:tc>
-                <a:tc>
-                  <a:txBody>
-                    <a:bodyPr/>
-                    <a:lstStyle/>
-                    <a:p>
-                      <a:pPr algn="l" fontAlgn="b"/>
-                      <a:endParaRPr lang="de-DE" sz="800" b="0" i="0" u="none" strike="noStrike">
-                        <a:solidFill>
-                          <a:srgbClr val="000000"/>
-                        </a:solidFill>
-                        <a:effectLst/>
-                        <a:latin typeface="Calibri" panose="020F0502020204030204" pitchFamily="34" charset="0"/>
-                      </a:endParaRPr>
-                    </a:p>
-                  </a:txBody>
-                  <a:tcPr marL="7483" marR="7483" marT="7483" marB="0" anchor="b"/>
-                </a:tc>
-                <a:tc>
-                  <a:txBody>
-                    <a:bodyPr/>
-                    <a:lstStyle/>
-                    <a:p>
-                      <a:pPr algn="l" fontAlgn="b"/>
-                      <a:r>
-                        <a:rPr lang="de-DE" sz="800" u="none" strike="noStrike">
-                          <a:effectLst/>
-                        </a:rPr>
-                        <a:t>Meilenstein 1</a:t>
-                      </a:r>
-                      <a:endParaRPr lang="de-DE" sz="800" b="0" i="0" u="none" strike="noStrike">
-                        <a:solidFill>
-                          <a:srgbClr val="000000"/>
-                        </a:solidFill>
-                        <a:effectLst/>
-                        <a:latin typeface="Calibri" panose="020F0502020204030204" pitchFamily="34" charset="0"/>
-                      </a:endParaRPr>
-                    </a:p>
-                  </a:txBody>
-                  <a:tcPr marL="7483" marR="7483" marT="7483" marB="0" anchor="b"/>
-                </a:tc>
-                <a:extLst>
-                  <a:ext uri="{0D108BD9-81ED-4DB2-BD59-A6C34878D82A}">
-                    <a16:rowId xmlns:a16="http://schemas.microsoft.com/office/drawing/2014/main" val="640034825"/>
-                  </a:ext>
-                </a:extLst>
-              </a:tr>
-              <a:tr h="149676">
-                <a:tc>
-                  <a:txBody>
-                    <a:bodyPr/>
-                    <a:lstStyle/>
-                    <a:p>
-                      <a:pPr algn="l" fontAlgn="b"/>
-                      <a:endParaRPr lang="de-DE" sz="800" b="0" i="0" u="none" strike="noStrike">
-                        <a:solidFill>
-                          <a:srgbClr val="000000"/>
-                        </a:solidFill>
-                        <a:effectLst/>
-                        <a:latin typeface="Calibri" panose="020F0502020204030204" pitchFamily="34" charset="0"/>
-                      </a:endParaRPr>
-                    </a:p>
-                  </a:txBody>
-                  <a:tcPr marL="7483" marR="7483" marT="7483" marB="0" anchor="b"/>
-                </a:tc>
-                <a:tc>
-                  <a:txBody>
-                    <a:bodyPr/>
-                    <a:lstStyle/>
-                    <a:p>
-                      <a:pPr algn="l" fontAlgn="b"/>
-                      <a:endParaRPr lang="de-DE" sz="800" b="0" i="0" u="none" strike="noStrike">
-                        <a:solidFill>
-                          <a:srgbClr val="000000"/>
-                        </a:solidFill>
-                        <a:effectLst/>
-                        <a:latin typeface="Calibri" panose="020F0502020204030204" pitchFamily="34" charset="0"/>
-                      </a:endParaRPr>
-                    </a:p>
-                  </a:txBody>
-                  <a:tcPr marL="7483" marR="7483" marT="7483" marB="0" anchor="b"/>
-                </a:tc>
-                <a:tc>
-                  <a:txBody>
-                    <a:bodyPr/>
-                    <a:lstStyle/>
-                    <a:p>
-                      <a:pPr algn="l" fontAlgn="b"/>
-                      <a:endParaRPr lang="de-DE" sz="800" b="0" i="0" u="none" strike="noStrike">
-                        <a:solidFill>
-                          <a:srgbClr val="000000"/>
-                        </a:solidFill>
-                        <a:effectLst/>
-                        <a:latin typeface="Calibri" panose="020F0502020204030204" pitchFamily="34" charset="0"/>
-                      </a:endParaRPr>
-                    </a:p>
-                  </a:txBody>
-                  <a:tcPr marL="7483" marR="7483" marT="7483" marB="0" anchor="b"/>
-                </a:tc>
-                <a:tc>
-                  <a:txBody>
-                    <a:bodyPr/>
-                    <a:lstStyle/>
-                    <a:p>
-                      <a:pPr algn="l" fontAlgn="b"/>
-                      <a:endParaRPr lang="de-DE" sz="800" b="0" i="0" u="none" strike="noStrike">
-                        <a:solidFill>
-                          <a:srgbClr val="000000"/>
-                        </a:solidFill>
-                        <a:effectLst/>
-                        <a:latin typeface="Calibri" panose="020F0502020204030204" pitchFamily="34" charset="0"/>
-                      </a:endParaRPr>
-                    </a:p>
-                  </a:txBody>
-                  <a:tcPr marL="7483" marR="7483" marT="7483" marB="0" anchor="b"/>
-                </a:tc>
-                <a:tc>
-                  <a:txBody>
-                    <a:bodyPr/>
-                    <a:lstStyle/>
-                    <a:p>
-                      <a:pPr algn="l" fontAlgn="b"/>
-                      <a:endParaRPr lang="de-DE" sz="800" b="0" i="0" u="none" strike="noStrike">
-                        <a:solidFill>
-                          <a:srgbClr val="000000"/>
-                        </a:solidFill>
-                        <a:effectLst/>
-                        <a:latin typeface="Calibri" panose="020F0502020204030204" pitchFamily="34" charset="0"/>
-                      </a:endParaRPr>
-                    </a:p>
-                  </a:txBody>
-                  <a:tcPr marL="7483" marR="7483" marT="7483" marB="0" anchor="b"/>
-                </a:tc>
-                <a:tc>
-                  <a:txBody>
-                    <a:bodyPr/>
-                    <a:lstStyle/>
-                    <a:p>
-                      <a:pPr algn="l" fontAlgn="b"/>
-                      <a:endParaRPr lang="de-DE" sz="800" b="0" i="0" u="none" strike="noStrike">
-                        <a:solidFill>
-                          <a:srgbClr val="000000"/>
-                        </a:solidFill>
-                        <a:effectLst/>
-                        <a:latin typeface="Calibri" panose="020F0502020204030204" pitchFamily="34" charset="0"/>
-                      </a:endParaRPr>
-                    </a:p>
-                  </a:txBody>
-                  <a:tcPr marL="7483" marR="7483" marT="7483" marB="0" anchor="b"/>
-                </a:tc>
-                <a:tc>
-                  <a:txBody>
-                    <a:bodyPr/>
-                    <a:lstStyle/>
-                    <a:p>
-                      <a:pPr algn="l" fontAlgn="b"/>
-                      <a:endParaRPr lang="de-DE" sz="800" b="0" i="0" u="none" strike="noStrike">
-                        <a:solidFill>
-                          <a:srgbClr val="000000"/>
-                        </a:solidFill>
-                        <a:effectLst/>
-                        <a:latin typeface="Calibri" panose="020F0502020204030204" pitchFamily="34" charset="0"/>
-                      </a:endParaRPr>
-                    </a:p>
-                  </a:txBody>
-                  <a:tcPr marL="7483" marR="7483" marT="7483" marB="0" anchor="b"/>
-                </a:tc>
-                <a:tc>
-                  <a:txBody>
-                    <a:bodyPr/>
-                    <a:lstStyle/>
-                    <a:p>
-                      <a:pPr algn="l" fontAlgn="b"/>
-                      <a:endParaRPr lang="de-DE" sz="800" b="0" i="0" u="none" strike="noStrike">
-                        <a:solidFill>
-                          <a:srgbClr val="000000"/>
-                        </a:solidFill>
-                        <a:effectLst/>
-                        <a:latin typeface="Calibri" panose="020F0502020204030204" pitchFamily="34" charset="0"/>
-                      </a:endParaRPr>
-                    </a:p>
-                  </a:txBody>
-                  <a:tcPr marL="7483" marR="7483" marT="7483" marB="0" anchor="b"/>
-                </a:tc>
-                <a:extLst>
-                  <a:ext uri="{0D108BD9-81ED-4DB2-BD59-A6C34878D82A}">
-                    <a16:rowId xmlns:a16="http://schemas.microsoft.com/office/drawing/2014/main" val="905699390"/>
-                  </a:ext>
-                </a:extLst>
-              </a:tr>
-              <a:tr h="149676">
-                <a:tc>
-                  <a:txBody>
-                    <a:bodyPr/>
-                    <a:lstStyle/>
-                    <a:p>
-                      <a:pPr algn="l" fontAlgn="b"/>
-                      <a:endParaRPr lang="de-DE" sz="800" b="0" i="0" u="none" strike="noStrike">
-                        <a:solidFill>
-                          <a:srgbClr val="000000"/>
-                        </a:solidFill>
-                        <a:effectLst/>
-                        <a:latin typeface="Calibri" panose="020F0502020204030204" pitchFamily="34" charset="0"/>
-                      </a:endParaRPr>
-                    </a:p>
-                  </a:txBody>
-                  <a:tcPr marL="7483" marR="7483" marT="7483" marB="0" anchor="b"/>
-                </a:tc>
-                <a:tc>
-                  <a:txBody>
-                    <a:bodyPr/>
-                    <a:lstStyle/>
-                    <a:p>
-                      <a:pPr algn="l" fontAlgn="b"/>
-                      <a:endParaRPr lang="de-DE" sz="800" b="0" i="0" u="none" strike="noStrike">
-                        <a:solidFill>
-                          <a:srgbClr val="000000"/>
-                        </a:solidFill>
-                        <a:effectLst/>
-                        <a:latin typeface="Calibri" panose="020F0502020204030204" pitchFamily="34" charset="0"/>
-                      </a:endParaRPr>
-                    </a:p>
-                  </a:txBody>
-                  <a:tcPr marL="7483" marR="7483" marT="7483" marB="0" anchor="b"/>
-                </a:tc>
-                <a:tc>
-                  <a:txBody>
-                    <a:bodyPr/>
-                    <a:lstStyle/>
-                    <a:p>
-                      <a:pPr algn="l" fontAlgn="b"/>
-                      <a:endParaRPr lang="de-DE" sz="800" b="0" i="0" u="none" strike="noStrike">
-                        <a:solidFill>
-                          <a:srgbClr val="000000"/>
-                        </a:solidFill>
-                        <a:effectLst/>
-                        <a:latin typeface="Calibri" panose="020F0502020204030204" pitchFamily="34" charset="0"/>
-                      </a:endParaRPr>
-                    </a:p>
-                  </a:txBody>
-                  <a:tcPr marL="7483" marR="7483" marT="7483" marB="0" anchor="b"/>
-                </a:tc>
-                <a:tc>
-                  <a:txBody>
-                    <a:bodyPr/>
-                    <a:lstStyle/>
-                    <a:p>
-                      <a:pPr algn="l" fontAlgn="b"/>
-                      <a:endParaRPr lang="de-DE" sz="800" b="0" i="0" u="none" strike="noStrike">
-                        <a:solidFill>
-                          <a:srgbClr val="000000"/>
-                        </a:solidFill>
-                        <a:effectLst/>
-                        <a:latin typeface="Calibri" panose="020F0502020204030204" pitchFamily="34" charset="0"/>
-                      </a:endParaRPr>
-                    </a:p>
-                  </a:txBody>
-                  <a:tcPr marL="7483" marR="7483" marT="7483" marB="0" anchor="b"/>
-                </a:tc>
-                <a:tc>
-                  <a:txBody>
-                    <a:bodyPr/>
-                    <a:lstStyle/>
-                    <a:p>
-                      <a:pPr algn="l" fontAlgn="b"/>
-                      <a:endParaRPr lang="de-DE" sz="800" b="0" i="0" u="none" strike="noStrike">
-                        <a:solidFill>
-                          <a:srgbClr val="000000"/>
-                        </a:solidFill>
-                        <a:effectLst/>
-                        <a:latin typeface="Calibri" panose="020F0502020204030204" pitchFamily="34" charset="0"/>
-                      </a:endParaRPr>
-                    </a:p>
-                  </a:txBody>
-                  <a:tcPr marL="7483" marR="7483" marT="7483" marB="0" anchor="b"/>
-                </a:tc>
-                <a:tc>
-                  <a:txBody>
-                    <a:bodyPr/>
-                    <a:lstStyle/>
-                    <a:p>
-                      <a:pPr algn="l" fontAlgn="b"/>
-                      <a:endParaRPr lang="de-DE" sz="800" b="0" i="0" u="none" strike="noStrike">
-                        <a:solidFill>
-                          <a:srgbClr val="000000"/>
-                        </a:solidFill>
-                        <a:effectLst/>
-                        <a:latin typeface="Calibri" panose="020F0502020204030204" pitchFamily="34" charset="0"/>
-                      </a:endParaRPr>
-                    </a:p>
-                  </a:txBody>
-                  <a:tcPr marL="7483" marR="7483" marT="7483" marB="0" anchor="b"/>
-                </a:tc>
-                <a:tc>
-                  <a:txBody>
-                    <a:bodyPr/>
-                    <a:lstStyle/>
-                    <a:p>
-                      <a:pPr algn="l" fontAlgn="b"/>
-                      <a:endParaRPr lang="de-DE" sz="800" b="0" i="0" u="none" strike="noStrike">
-                        <a:solidFill>
-                          <a:srgbClr val="000000"/>
-                        </a:solidFill>
-                        <a:effectLst/>
-                        <a:latin typeface="Calibri" panose="020F0502020204030204" pitchFamily="34" charset="0"/>
-                      </a:endParaRPr>
-                    </a:p>
-                  </a:txBody>
-                  <a:tcPr marL="7483" marR="7483" marT="7483" marB="0" anchor="b"/>
-                </a:tc>
-                <a:tc>
-                  <a:txBody>
-                    <a:bodyPr/>
-                    <a:lstStyle/>
-                    <a:p>
-                      <a:pPr algn="l" fontAlgn="b"/>
-                      <a:endParaRPr lang="de-DE" sz="800" b="0" i="0" u="none" strike="noStrike">
-                        <a:solidFill>
-                          <a:srgbClr val="000000"/>
-                        </a:solidFill>
-                        <a:effectLst/>
-                        <a:latin typeface="Calibri" panose="020F0502020204030204" pitchFamily="34" charset="0"/>
-                      </a:endParaRPr>
-                    </a:p>
-                  </a:txBody>
-                  <a:tcPr marL="7483" marR="7483" marT="7483" marB="0" anchor="b"/>
-                </a:tc>
-                <a:extLst>
-                  <a:ext uri="{0D108BD9-81ED-4DB2-BD59-A6C34878D82A}">
-                    <a16:rowId xmlns:a16="http://schemas.microsoft.com/office/drawing/2014/main" val="1738879738"/>
-                  </a:ext>
-                </a:extLst>
-              </a:tr>
-              <a:tr h="149676">
-                <a:tc>
-                  <a:txBody>
-                    <a:bodyPr/>
-                    <a:lstStyle/>
-                    <a:p>
-                      <a:pPr algn="l" fontAlgn="b"/>
-                      <a:r>
-                        <a:rPr lang="de-DE" sz="800" u="none" strike="noStrike">
-                          <a:effectLst/>
-                        </a:rPr>
-                        <a:t>Kalenderwoche: </a:t>
-                      </a:r>
-                      <a:endParaRPr lang="de-DE" sz="800" b="0" i="0" u="none" strike="noStrike">
-                        <a:solidFill>
-                          <a:srgbClr val="000000"/>
-                        </a:solidFill>
-                        <a:effectLst/>
-                        <a:latin typeface="Calibri" panose="020F0502020204030204" pitchFamily="34" charset="0"/>
-                      </a:endParaRPr>
-                    </a:p>
-                  </a:txBody>
-                  <a:tcPr marL="7483" marR="7483" marT="7483" marB="0" anchor="b"/>
-                </a:tc>
-                <a:tc>
-                  <a:txBody>
-                    <a:bodyPr/>
-                    <a:lstStyle/>
-                    <a:p>
-                      <a:pPr algn="r" fontAlgn="b"/>
-                      <a:r>
-                        <a:rPr lang="de-DE" sz="800" u="none" strike="noStrike">
-                          <a:effectLst/>
-                        </a:rPr>
-                        <a:t>32</a:t>
-                      </a:r>
-                      <a:endParaRPr lang="de-DE" sz="800" b="0" i="0" u="none" strike="noStrike">
-                        <a:solidFill>
-                          <a:srgbClr val="000000"/>
-                        </a:solidFill>
-                        <a:effectLst/>
-                        <a:latin typeface="Calibri" panose="020F0502020204030204" pitchFamily="34" charset="0"/>
-                      </a:endParaRPr>
-                    </a:p>
-                  </a:txBody>
-                  <a:tcPr marL="7483" marR="7483" marT="7483" marB="0" anchor="b"/>
-                </a:tc>
-                <a:tc>
-                  <a:txBody>
-                    <a:bodyPr/>
-                    <a:lstStyle/>
-                    <a:p>
-                      <a:pPr algn="r" fontAlgn="b"/>
-                      <a:r>
-                        <a:rPr lang="de-DE" sz="800" u="none" strike="noStrike">
-                          <a:effectLst/>
-                        </a:rPr>
-                        <a:t>33</a:t>
-                      </a:r>
-                      <a:endParaRPr lang="de-DE" sz="800" b="0" i="0" u="none" strike="noStrike">
-                        <a:solidFill>
-                          <a:srgbClr val="000000"/>
-                        </a:solidFill>
-                        <a:effectLst/>
-                        <a:latin typeface="Calibri" panose="020F0502020204030204" pitchFamily="34" charset="0"/>
-                      </a:endParaRPr>
-                    </a:p>
-                  </a:txBody>
-                  <a:tcPr marL="7483" marR="7483" marT="7483" marB="0" anchor="b"/>
-                </a:tc>
-                <a:tc>
-                  <a:txBody>
-                    <a:bodyPr/>
-                    <a:lstStyle/>
-                    <a:p>
-                      <a:pPr algn="r" fontAlgn="b"/>
-                      <a:r>
-                        <a:rPr lang="de-DE" sz="800" u="none" strike="noStrike">
-                          <a:effectLst/>
-                        </a:rPr>
-                        <a:t>34</a:t>
-                      </a:r>
-                      <a:endParaRPr lang="de-DE" sz="800" b="0" i="0" u="none" strike="noStrike">
-                        <a:solidFill>
-                          <a:srgbClr val="000000"/>
-                        </a:solidFill>
-                        <a:effectLst/>
-                        <a:latin typeface="Calibri" panose="020F0502020204030204" pitchFamily="34" charset="0"/>
-                      </a:endParaRPr>
-                    </a:p>
-                  </a:txBody>
-                  <a:tcPr marL="7483" marR="7483" marT="7483" marB="0" anchor="b"/>
-                </a:tc>
-                <a:tc>
-                  <a:txBody>
-                    <a:bodyPr/>
-                    <a:lstStyle/>
-                    <a:p>
-                      <a:pPr algn="r" fontAlgn="b"/>
-                      <a:r>
-                        <a:rPr lang="de-DE" sz="800" u="none" strike="noStrike">
-                          <a:effectLst/>
-                        </a:rPr>
-                        <a:t>35</a:t>
-                      </a:r>
-                      <a:endParaRPr lang="de-DE" sz="800" b="0" i="0" u="none" strike="noStrike">
-                        <a:solidFill>
-                          <a:srgbClr val="000000"/>
-                        </a:solidFill>
-                        <a:effectLst/>
-                        <a:latin typeface="Calibri" panose="020F0502020204030204" pitchFamily="34" charset="0"/>
-                      </a:endParaRPr>
-                    </a:p>
-                  </a:txBody>
-                  <a:tcPr marL="7483" marR="7483" marT="7483" marB="0" anchor="b"/>
-                </a:tc>
-                <a:tc>
-                  <a:txBody>
-                    <a:bodyPr/>
-                    <a:lstStyle/>
-                    <a:p>
-                      <a:pPr algn="r" fontAlgn="b"/>
-                      <a:r>
-                        <a:rPr lang="de-DE" sz="800" u="none" strike="noStrike">
-                          <a:effectLst/>
-                        </a:rPr>
-                        <a:t>36</a:t>
-                      </a:r>
-                      <a:endParaRPr lang="de-DE" sz="800" b="0" i="0" u="none" strike="noStrike">
-                        <a:solidFill>
-                          <a:srgbClr val="000000"/>
-                        </a:solidFill>
-                        <a:effectLst/>
-                        <a:latin typeface="Calibri" panose="020F0502020204030204" pitchFamily="34" charset="0"/>
-                      </a:endParaRPr>
-                    </a:p>
-                  </a:txBody>
-                  <a:tcPr marL="7483" marR="7483" marT="7483" marB="0" anchor="b"/>
-                </a:tc>
-                <a:tc>
-                  <a:txBody>
-                    <a:bodyPr/>
-                    <a:lstStyle/>
-                    <a:p>
-                      <a:pPr algn="r" fontAlgn="b"/>
-                      <a:r>
-                        <a:rPr lang="de-DE" sz="800" u="none" strike="noStrike">
-                          <a:effectLst/>
-                        </a:rPr>
-                        <a:t>37</a:t>
-                      </a:r>
-                      <a:endParaRPr lang="de-DE" sz="800" b="0" i="0" u="none" strike="noStrike">
-                        <a:solidFill>
-                          <a:srgbClr val="000000"/>
-                        </a:solidFill>
-                        <a:effectLst/>
-                        <a:latin typeface="Calibri" panose="020F0502020204030204" pitchFamily="34" charset="0"/>
-                      </a:endParaRPr>
-                    </a:p>
-                  </a:txBody>
-                  <a:tcPr marL="7483" marR="7483" marT="7483" marB="0" anchor="b"/>
-                </a:tc>
-                <a:tc>
-                  <a:txBody>
-                    <a:bodyPr/>
-                    <a:lstStyle/>
-                    <a:p>
-                      <a:pPr algn="r" fontAlgn="b"/>
-                      <a:r>
-                        <a:rPr lang="de-DE" sz="800" u="none" strike="noStrike">
-                          <a:effectLst/>
-                        </a:rPr>
-                        <a:t>38</a:t>
-                      </a:r>
-                      <a:endParaRPr lang="de-DE" sz="800" b="0" i="0" u="none" strike="noStrike">
-                        <a:solidFill>
-                          <a:srgbClr val="000000"/>
-                        </a:solidFill>
-                        <a:effectLst/>
-                        <a:latin typeface="Calibri" panose="020F0502020204030204" pitchFamily="34" charset="0"/>
-                      </a:endParaRPr>
-                    </a:p>
-                  </a:txBody>
-                  <a:tcPr marL="7483" marR="7483" marT="7483" marB="0" anchor="b"/>
-                </a:tc>
-                <a:extLst>
-                  <a:ext uri="{0D108BD9-81ED-4DB2-BD59-A6C34878D82A}">
-                    <a16:rowId xmlns:a16="http://schemas.microsoft.com/office/drawing/2014/main" val="2786425405"/>
-                  </a:ext>
-                </a:extLst>
-              </a:tr>
-              <a:tr h="265285">
-                <a:tc>
-                  <a:txBody>
-                    <a:bodyPr/>
-                    <a:lstStyle/>
-                    <a:p>
-                      <a:pPr algn="l" fontAlgn="b"/>
-                      <a:r>
-                        <a:rPr lang="de-DE" sz="800" u="none" strike="noStrike">
-                          <a:effectLst/>
-                        </a:rPr>
-                        <a:t>Sven</a:t>
-                      </a:r>
-                      <a:endParaRPr lang="de-DE" sz="800" b="0" i="0" u="none" strike="noStrike">
-                        <a:solidFill>
-                          <a:srgbClr val="000000"/>
-                        </a:solidFill>
-                        <a:effectLst/>
-                        <a:latin typeface="Calibri" panose="020F0502020204030204" pitchFamily="34" charset="0"/>
-                      </a:endParaRPr>
-                    </a:p>
-                  </a:txBody>
-                  <a:tcPr marL="7483" marR="7483" marT="7483" marB="0" anchor="b"/>
-                </a:tc>
-                <a:tc>
-                  <a:txBody>
-                    <a:bodyPr/>
-                    <a:lstStyle/>
-                    <a:p>
-                      <a:pPr algn="l" fontAlgn="b"/>
-                      <a:r>
-                        <a:rPr lang="de-DE" sz="800" u="none" strike="noStrike">
-                          <a:effectLst/>
-                        </a:rPr>
-                        <a:t>Partikel</a:t>
-                      </a:r>
-                      <a:endParaRPr lang="de-DE" sz="800" b="0" i="0" u="none" strike="noStrike">
-                        <a:solidFill>
-                          <a:srgbClr val="000000"/>
-                        </a:solidFill>
-                        <a:effectLst/>
-                        <a:latin typeface="Calibri" panose="020F0502020204030204" pitchFamily="34" charset="0"/>
-                      </a:endParaRPr>
-                    </a:p>
-                  </a:txBody>
-                  <a:tcPr marL="7483" marR="7483" marT="7483" marB="0" anchor="b"/>
-                </a:tc>
-                <a:tc>
-                  <a:txBody>
-                    <a:bodyPr/>
-                    <a:lstStyle/>
-                    <a:p>
-                      <a:pPr algn="l" fontAlgn="b"/>
-                      <a:r>
-                        <a:rPr lang="de-DE" sz="800" u="none" strike="noStrike">
-                          <a:effectLst/>
-                        </a:rPr>
-                        <a:t>Texturierung und Deko</a:t>
-                      </a:r>
-                      <a:endParaRPr lang="de-DE" sz="800" b="0" i="0" u="none" strike="noStrike">
-                        <a:solidFill>
-                          <a:srgbClr val="000000"/>
-                        </a:solidFill>
-                        <a:effectLst/>
-                        <a:latin typeface="Calibri" panose="020F0502020204030204" pitchFamily="34" charset="0"/>
-                      </a:endParaRPr>
-                    </a:p>
-                  </a:txBody>
-                  <a:tcPr marL="7483" marR="7483" marT="7483" marB="0" anchor="b"/>
-                </a:tc>
-                <a:tc>
-                  <a:txBody>
-                    <a:bodyPr/>
-                    <a:lstStyle/>
-                    <a:p>
-                      <a:pPr algn="l" fontAlgn="b"/>
-                      <a:r>
-                        <a:rPr lang="de-DE" sz="800" u="none" strike="noStrike">
-                          <a:effectLst/>
-                        </a:rPr>
-                        <a:t>Deko</a:t>
-                      </a:r>
-                      <a:endParaRPr lang="de-DE" sz="800" b="0" i="0" u="none" strike="noStrike">
-                        <a:solidFill>
-                          <a:srgbClr val="000000"/>
-                        </a:solidFill>
-                        <a:effectLst/>
-                        <a:latin typeface="Calibri" panose="020F0502020204030204" pitchFamily="34" charset="0"/>
-                      </a:endParaRPr>
-                    </a:p>
-                  </a:txBody>
-                  <a:tcPr marL="7483" marR="7483" marT="7483" marB="0" anchor="b"/>
-                </a:tc>
-                <a:tc>
-                  <a:txBody>
-                    <a:bodyPr/>
-                    <a:lstStyle/>
-                    <a:p>
-                      <a:pPr algn="l" fontAlgn="b"/>
-                      <a:r>
-                        <a:rPr lang="de-DE" sz="800" u="none" strike="noStrike">
-                          <a:effectLst/>
-                        </a:rPr>
-                        <a:t>Erweiterung Animation, zusätzliche Objekte</a:t>
-                      </a:r>
-                      <a:endParaRPr lang="de-DE" sz="800" b="0" i="0" u="none" strike="noStrike">
-                        <a:solidFill>
-                          <a:srgbClr val="000000"/>
-                        </a:solidFill>
-                        <a:effectLst/>
-                        <a:latin typeface="Calibri" panose="020F0502020204030204" pitchFamily="34" charset="0"/>
-                      </a:endParaRPr>
-                    </a:p>
-                  </a:txBody>
-                  <a:tcPr marL="7483" marR="7483" marT="7483" marB="0" anchor="b"/>
-                </a:tc>
-                <a:tc>
-                  <a:txBody>
-                    <a:bodyPr/>
-                    <a:lstStyle/>
-                    <a:p>
-                      <a:pPr algn="l" fontAlgn="b"/>
-                      <a:r>
-                        <a:rPr lang="de-DE" sz="800" u="none" strike="noStrike">
-                          <a:effectLst/>
-                        </a:rPr>
-                        <a:t>Urlaub</a:t>
-                      </a:r>
-                      <a:endParaRPr lang="de-DE" sz="800" b="0" i="0" u="none" strike="noStrike">
-                        <a:solidFill>
-                          <a:srgbClr val="000000"/>
-                        </a:solidFill>
-                        <a:effectLst/>
-                        <a:latin typeface="Calibri" panose="020F0502020204030204" pitchFamily="34" charset="0"/>
-                      </a:endParaRPr>
-                    </a:p>
-                  </a:txBody>
-                  <a:tcPr marL="7483" marR="7483" marT="7483" marB="0" anchor="b"/>
+                  <a:tcPr marL="6618" marR="6618" marT="6618" marB="0" anchor="b"/>
                 </a:tc>
                 <a:tc>
                   <a:txBody>
@@ -8044,7 +8690,296 @@
                       </a:endParaRPr>
                     </a:p>
                   </a:txBody>
-                  <a:tcPr marL="7483" marR="7483" marT="7483" marB="0" anchor="b"/>
+                  <a:tcPr marL="6618" marR="6618" marT="6618" marB="0" anchor="b"/>
+                </a:tc>
+                <a:tc>
+                  <a:txBody>
+                    <a:bodyPr/>
+                    <a:lstStyle/>
+                    <a:p>
+                      <a:pPr algn="l" fontAlgn="b"/>
+                      <a:endParaRPr lang="de-DE" sz="800" b="0" i="0" u="none" strike="noStrike">
+                        <a:solidFill>
+                          <a:srgbClr val="000000"/>
+                        </a:solidFill>
+                        <a:effectLst/>
+                        <a:latin typeface="Calibri" panose="020F0502020204030204" pitchFamily="34" charset="0"/>
+                      </a:endParaRPr>
+                    </a:p>
+                  </a:txBody>
+                  <a:tcPr marL="6618" marR="6618" marT="6618" marB="0" anchor="b"/>
+                </a:tc>
+                <a:extLst>
+                  <a:ext uri="{0D108BD9-81ED-4DB2-BD59-A6C34878D82A}">
+                    <a16:rowId xmlns:a16="http://schemas.microsoft.com/office/drawing/2014/main" val="2819374413"/>
+                  </a:ext>
+                </a:extLst>
+              </a:tr>
+              <a:tr h="235921">
+                <a:tc>
+                  <a:txBody>
+                    <a:bodyPr/>
+                    <a:lstStyle/>
+                    <a:p>
+                      <a:pPr algn="l" fontAlgn="b"/>
+                      <a:r>
+                        <a:rPr lang="de-DE" sz="800" u="none" strike="noStrike" dirty="0">
+                          <a:effectLst/>
+                        </a:rPr>
+                        <a:t>10.09. - 16.09.</a:t>
+                      </a:r>
+                      <a:endParaRPr lang="de-DE" sz="800" b="0" i="0" u="none" strike="noStrike" dirty="0">
+                        <a:solidFill>
+                          <a:srgbClr val="000000"/>
+                        </a:solidFill>
+                        <a:effectLst/>
+                        <a:latin typeface="Calibri" panose="020F0502020204030204" pitchFamily="34" charset="0"/>
+                      </a:endParaRPr>
+                    </a:p>
+                  </a:txBody>
+                  <a:tcPr marL="6618" marR="6618" marT="6618" marB="0" anchor="b">
+                    <a:lnR w="12700" cap="flat" cmpd="sng" algn="ctr">
+                      <a:solidFill>
+                        <a:schemeClr val="bg1"/>
+                      </a:solidFill>
+                      <a:prstDash val="solid"/>
+                      <a:round/>
+                      <a:headEnd type="none" w="med" len="med"/>
+                      <a:tailEnd type="none" w="med" len="med"/>
+                    </a:lnR>
+                    <a:lnB w="3175" cap="flat" cmpd="sng" algn="ctr">
+                      <a:solidFill>
+                        <a:schemeClr val="bg1"/>
+                      </a:solidFill>
+                      <a:prstDash val="sysDot"/>
+                      <a:round/>
+                      <a:headEnd type="none" w="med" len="med"/>
+                      <a:tailEnd type="none" w="med" len="med"/>
+                    </a:lnB>
+                  </a:tcPr>
+                </a:tc>
+                <a:tc>
+                  <a:txBody>
+                    <a:bodyPr/>
+                    <a:lstStyle/>
+                    <a:p>
+                      <a:pPr algn="l" fontAlgn="b"/>
+                      <a:r>
+                        <a:rPr lang="de-DE" sz="800" u="none" strike="noStrike">
+                          <a:effectLst/>
+                        </a:rPr>
+                        <a:t>Bugfixing</a:t>
+                      </a:r>
+                      <a:endParaRPr lang="de-DE" sz="800" b="0" i="0" u="none" strike="noStrike">
+                        <a:solidFill>
+                          <a:srgbClr val="000000"/>
+                        </a:solidFill>
+                        <a:effectLst/>
+                        <a:latin typeface="Calibri" panose="020F0502020204030204" pitchFamily="34" charset="0"/>
+                      </a:endParaRPr>
+                    </a:p>
+                  </a:txBody>
+                  <a:tcPr marL="6618" marR="6618" marT="6618" marB="0" anchor="b">
+                    <a:lnL w="12700" cap="flat" cmpd="sng" algn="ctr">
+                      <a:solidFill>
+                        <a:schemeClr val="bg1"/>
+                      </a:solidFill>
+                      <a:prstDash val="solid"/>
+                      <a:round/>
+                      <a:headEnd type="none" w="med" len="med"/>
+                      <a:tailEnd type="none" w="med" len="med"/>
+                    </a:lnL>
+                    <a:lnB w="3175" cap="flat" cmpd="sng" algn="ctr">
+                      <a:solidFill>
+                        <a:schemeClr val="bg1"/>
+                      </a:solidFill>
+                      <a:prstDash val="sysDot"/>
+                      <a:round/>
+                      <a:headEnd type="none" w="med" len="med"/>
+                      <a:tailEnd type="none" w="med" len="med"/>
+                    </a:lnB>
+                  </a:tcPr>
+                </a:tc>
+                <a:tc>
+                  <a:txBody>
+                    <a:bodyPr/>
+                    <a:lstStyle/>
+                    <a:p>
+                      <a:pPr algn="l" fontAlgn="b"/>
+                      <a:r>
+                        <a:rPr lang="de-DE" sz="800" u="none" strike="noStrike">
+                          <a:effectLst/>
+                        </a:rPr>
+                        <a:t>Bugfixing</a:t>
+                      </a:r>
+                      <a:endParaRPr lang="de-DE" sz="800" b="0" i="0" u="none" strike="noStrike">
+                        <a:solidFill>
+                          <a:srgbClr val="000000"/>
+                        </a:solidFill>
+                        <a:effectLst/>
+                        <a:latin typeface="Calibri" panose="020F0502020204030204" pitchFamily="34" charset="0"/>
+                      </a:endParaRPr>
+                    </a:p>
+                  </a:txBody>
+                  <a:tcPr marL="6618" marR="6618" marT="6618" marB="0" anchor="b">
+                    <a:lnB w="3175" cap="flat" cmpd="sng" algn="ctr">
+                      <a:solidFill>
+                        <a:schemeClr val="bg1"/>
+                      </a:solidFill>
+                      <a:prstDash val="sysDot"/>
+                      <a:round/>
+                      <a:headEnd type="none" w="med" len="med"/>
+                      <a:tailEnd type="none" w="med" len="med"/>
+                    </a:lnB>
+                  </a:tcPr>
+                </a:tc>
+                <a:tc>
+                  <a:txBody>
+                    <a:bodyPr/>
+                    <a:lstStyle/>
+                    <a:p>
+                      <a:pPr algn="l" fontAlgn="b"/>
+                      <a:r>
+                        <a:rPr lang="de-DE" sz="800" u="none" strike="noStrike">
+                          <a:effectLst/>
+                        </a:rPr>
+                        <a:t>Bugfixing</a:t>
+                      </a:r>
+                      <a:endParaRPr lang="de-DE" sz="800" b="0" i="0" u="none" strike="noStrike">
+                        <a:solidFill>
+                          <a:srgbClr val="000000"/>
+                        </a:solidFill>
+                        <a:effectLst/>
+                        <a:latin typeface="Calibri" panose="020F0502020204030204" pitchFamily="34" charset="0"/>
+                      </a:endParaRPr>
+                    </a:p>
+                  </a:txBody>
+                  <a:tcPr marL="6618" marR="6618" marT="6618" marB="0" anchor="b">
+                    <a:lnB w="3175" cap="flat" cmpd="sng" algn="ctr">
+                      <a:solidFill>
+                        <a:schemeClr val="bg1"/>
+                      </a:solidFill>
+                      <a:prstDash val="sysDot"/>
+                      <a:round/>
+                      <a:headEnd type="none" w="med" len="med"/>
+                      <a:tailEnd type="none" w="med" len="med"/>
+                    </a:lnB>
+                  </a:tcPr>
+                </a:tc>
+                <a:tc>
+                  <a:txBody>
+                    <a:bodyPr/>
+                    <a:lstStyle/>
+                    <a:p>
+                      <a:pPr algn="l" fontAlgn="b"/>
+                      <a:r>
+                        <a:rPr lang="de-DE" sz="800" u="none" strike="noStrike">
+                          <a:effectLst/>
+                        </a:rPr>
+                        <a:t>Bugfixing</a:t>
+                      </a:r>
+                      <a:endParaRPr lang="de-DE" sz="800" b="0" i="0" u="none" strike="noStrike">
+                        <a:solidFill>
+                          <a:srgbClr val="000000"/>
+                        </a:solidFill>
+                        <a:effectLst/>
+                        <a:latin typeface="Calibri" panose="020F0502020204030204" pitchFamily="34" charset="0"/>
+                      </a:endParaRPr>
+                    </a:p>
+                  </a:txBody>
+                  <a:tcPr marL="6618" marR="6618" marT="6618" marB="0" anchor="b">
+                    <a:lnB w="3175" cap="flat" cmpd="sng" algn="ctr">
+                      <a:solidFill>
+                        <a:schemeClr val="bg1"/>
+                      </a:solidFill>
+                      <a:prstDash val="sysDot"/>
+                      <a:round/>
+                      <a:headEnd type="none" w="med" len="med"/>
+                      <a:tailEnd type="none" w="med" len="med"/>
+                    </a:lnB>
+                  </a:tcPr>
+                </a:tc>
+                <a:tc>
+                  <a:txBody>
+                    <a:bodyPr/>
+                    <a:lstStyle/>
+                    <a:p>
+                      <a:pPr algn="l" fontAlgn="b"/>
+                      <a:r>
+                        <a:rPr lang="de-DE" sz="800" u="none" strike="noStrike">
+                          <a:effectLst/>
+                        </a:rPr>
+                        <a:t>Meilenstein 3</a:t>
+                      </a:r>
+                      <a:endParaRPr lang="de-DE" sz="800" b="0" i="0" u="none" strike="noStrike">
+                        <a:solidFill>
+                          <a:srgbClr val="000000"/>
+                        </a:solidFill>
+                        <a:effectLst/>
+                        <a:latin typeface="Calibri" panose="020F0502020204030204" pitchFamily="34" charset="0"/>
+                      </a:endParaRPr>
+                    </a:p>
+                  </a:txBody>
+                  <a:tcPr marL="6618" marR="6618" marT="6618" marB="0" anchor="b">
+                    <a:lnB w="3175" cap="flat" cmpd="sng" algn="ctr">
+                      <a:solidFill>
+                        <a:schemeClr val="bg1"/>
+                      </a:solidFill>
+                      <a:prstDash val="sysDot"/>
+                      <a:round/>
+                      <a:headEnd type="none" w="med" len="med"/>
+                      <a:tailEnd type="none" w="med" len="med"/>
+                    </a:lnB>
+                  </a:tcPr>
+                </a:tc>
+                <a:extLst>
+                  <a:ext uri="{0D108BD9-81ED-4DB2-BD59-A6C34878D82A}">
+                    <a16:rowId xmlns:a16="http://schemas.microsoft.com/office/drawing/2014/main" val="3358244252"/>
+                  </a:ext>
+                </a:extLst>
+              </a:tr>
+              <a:tr h="235921">
+                <a:tc>
+                  <a:txBody>
+                    <a:bodyPr/>
+                    <a:lstStyle/>
+                    <a:p>
+                      <a:pPr algn="l" fontAlgn="b"/>
+                      <a:r>
+                        <a:rPr lang="de-DE" sz="800" u="none" strike="noStrike">
+                          <a:effectLst/>
+                        </a:rPr>
+                        <a:t>17.09. - 23.09.</a:t>
+                      </a:r>
+                      <a:endParaRPr lang="de-DE" sz="800" b="0" i="0" u="none" strike="noStrike">
+                        <a:solidFill>
+                          <a:srgbClr val="000000"/>
+                        </a:solidFill>
+                        <a:effectLst/>
+                        <a:latin typeface="Calibri" panose="020F0502020204030204" pitchFamily="34" charset="0"/>
+                      </a:endParaRPr>
+                    </a:p>
+                  </a:txBody>
+                  <a:tcPr marL="6618" marR="6618" marT="6618" marB="0" anchor="b">
+                    <a:lnR w="12700" cap="flat" cmpd="sng" algn="ctr">
+                      <a:solidFill>
+                        <a:schemeClr val="bg1"/>
+                      </a:solidFill>
+                      <a:prstDash val="solid"/>
+                      <a:round/>
+                      <a:headEnd type="none" w="med" len="med"/>
+                      <a:tailEnd type="none" w="med" len="med"/>
+                    </a:lnR>
+                    <a:lnT w="3175" cap="flat" cmpd="sng" algn="ctr">
+                      <a:solidFill>
+                        <a:schemeClr val="bg1"/>
+                      </a:solidFill>
+                      <a:prstDash val="sysDot"/>
+                      <a:round/>
+                      <a:headEnd type="none" w="med" len="med"/>
+                      <a:tailEnd type="none" w="med" len="med"/>
+                    </a:lnT>
+                  </a:tcPr>
                 </a:tc>
                 <a:tc>
                   <a:txBody>
@@ -8067,175 +9002,26 @@
                       </a:endParaRPr>
                     </a:p>
                   </a:txBody>
-                  <a:tcPr marL="7483" marR="7483" marT="7483" marB="0" anchor="b"/>
-                </a:tc>
-                <a:extLst>
-                  <a:ext uri="{0D108BD9-81ED-4DB2-BD59-A6C34878D82A}">
-                    <a16:rowId xmlns:a16="http://schemas.microsoft.com/office/drawing/2014/main" val="60576997"/>
-                  </a:ext>
-                </a:extLst>
-              </a:tr>
-              <a:tr h="265285">
-                <a:tc>
-                  <a:txBody>
-                    <a:bodyPr/>
-                    <a:lstStyle/>
-                    <a:p>
-                      <a:pPr algn="l" fontAlgn="b"/>
-                      <a:r>
-                        <a:rPr lang="de-DE" sz="800" u="none" strike="noStrike">
-                          <a:effectLst/>
-                        </a:rPr>
-                        <a:t>Jörg</a:t>
-                      </a:r>
-                      <a:endParaRPr lang="de-DE" sz="800" b="0" i="0" u="none" strike="noStrike">
-                        <a:solidFill>
-                          <a:srgbClr val="000000"/>
-                        </a:solidFill>
-                        <a:effectLst/>
-                        <a:latin typeface="Calibri" panose="020F0502020204030204" pitchFamily="34" charset="0"/>
-                      </a:endParaRPr>
-                    </a:p>
-                  </a:txBody>
-                  <a:tcPr marL="7483" marR="7483" marT="7483" marB="0" anchor="b"/>
-                </a:tc>
-                <a:tc>
-                  <a:txBody>
-                    <a:bodyPr/>
-                    <a:lstStyle/>
-                    <a:p>
-                      <a:pPr algn="l" fontAlgn="b"/>
-                      <a:r>
-                        <a:rPr lang="de-DE" sz="800" u="none" strike="noStrike">
-                          <a:effectLst/>
-                        </a:rPr>
-                        <a:t>Regisseur automation</a:t>
-                      </a:r>
-                      <a:endParaRPr lang="de-DE" sz="800" b="0" i="0" u="none" strike="noStrike">
-                        <a:solidFill>
-                          <a:srgbClr val="000000"/>
-                        </a:solidFill>
-                        <a:effectLst/>
-                        <a:latin typeface="Calibri" panose="020F0502020204030204" pitchFamily="34" charset="0"/>
-                      </a:endParaRPr>
-                    </a:p>
-                  </a:txBody>
-                  <a:tcPr marL="7483" marR="7483" marT="7483" marB="0" anchor="b"/>
-                </a:tc>
-                <a:tc>
-                  <a:txBody>
-                    <a:bodyPr/>
-                    <a:lstStyle/>
-                    <a:p>
-                      <a:pPr algn="l" fontAlgn="b"/>
-                      <a:r>
-                        <a:rPr lang="de-DE" sz="800" u="none" strike="noStrike">
-                          <a:effectLst/>
-                        </a:rPr>
-                        <a:t>Hauptmenü</a:t>
-                      </a:r>
-                      <a:endParaRPr lang="de-DE" sz="800" b="0" i="0" u="none" strike="noStrike">
-                        <a:solidFill>
-                          <a:srgbClr val="000000"/>
-                        </a:solidFill>
-                        <a:effectLst/>
-                        <a:latin typeface="Calibri" panose="020F0502020204030204" pitchFamily="34" charset="0"/>
-                      </a:endParaRPr>
-                    </a:p>
-                  </a:txBody>
-                  <a:tcPr marL="7483" marR="7483" marT="7483" marB="0" anchor="b"/>
-                </a:tc>
-                <a:tc>
-                  <a:txBody>
-                    <a:bodyPr/>
-                    <a:lstStyle/>
-                    <a:p>
-                      <a:pPr algn="l" fontAlgn="b"/>
-                      <a:r>
-                        <a:rPr lang="de-DE" sz="800" u="none" strike="noStrike">
-                          <a:effectLst/>
-                        </a:rPr>
-                        <a:t>Beatmap (spätestens)</a:t>
-                      </a:r>
-                      <a:endParaRPr lang="de-DE" sz="800" b="0" i="0" u="none" strike="noStrike">
-                        <a:solidFill>
-                          <a:srgbClr val="000000"/>
-                        </a:solidFill>
-                        <a:effectLst/>
-                        <a:latin typeface="Calibri" panose="020F0502020204030204" pitchFamily="34" charset="0"/>
-                      </a:endParaRPr>
-                    </a:p>
-                  </a:txBody>
-                  <a:tcPr marL="7483" marR="7483" marT="7483" marB="0" anchor="b"/>
-                </a:tc>
-                <a:tc>
-                  <a:txBody>
-                    <a:bodyPr/>
-                    <a:lstStyle/>
-                    <a:p>
-                      <a:pPr algn="l" fontAlgn="b"/>
-                      <a:r>
-                        <a:rPr lang="de-DE" sz="800" u="none" strike="noStrike">
-                          <a:effectLst/>
-                        </a:rPr>
-                        <a:t>Zuschauer Interaktion</a:t>
-                      </a:r>
-                      <a:endParaRPr lang="de-DE" sz="800" b="0" i="0" u="none" strike="noStrike">
-                        <a:solidFill>
-                          <a:srgbClr val="000000"/>
-                        </a:solidFill>
-                        <a:effectLst/>
-                        <a:latin typeface="Calibri" panose="020F0502020204030204" pitchFamily="34" charset="0"/>
-                      </a:endParaRPr>
-                    </a:p>
-                  </a:txBody>
-                  <a:tcPr marL="7483" marR="7483" marT="7483" marB="0" anchor="b"/>
-                </a:tc>
-                <a:tc>
-                  <a:txBody>
-                    <a:bodyPr/>
-                    <a:lstStyle/>
-                    <a:p>
-                      <a:pPr algn="l" fontAlgn="b"/>
-                      <a:r>
-                        <a:rPr lang="de-DE" sz="800" u="none" strike="noStrike">
-                          <a:effectLst/>
-                        </a:rPr>
-                        <a:t>evtl. Tomatenwurf etc.</a:t>
-                      </a:r>
-                      <a:endParaRPr lang="de-DE" sz="800" b="0" i="0" u="none" strike="noStrike">
-                        <a:solidFill>
-                          <a:srgbClr val="000000"/>
-                        </a:solidFill>
-                        <a:effectLst/>
-                        <a:latin typeface="Calibri" panose="020F0502020204030204" pitchFamily="34" charset="0"/>
-                      </a:endParaRPr>
-                    </a:p>
-                  </a:txBody>
-                  <a:tcPr marL="7483" marR="7483" marT="7483" marB="0" anchor="b"/>
-                </a:tc>
-                <a:tc>
-                  <a:txBody>
-                    <a:bodyPr/>
-                    <a:lstStyle/>
-                    <a:p>
-                      <a:pPr algn="l" fontAlgn="b"/>
-                      <a:r>
-                        <a:rPr lang="de-DE" sz="800" u="none" strike="noStrike">
-                          <a:effectLst/>
-                        </a:rPr>
-                        <a:t>Bugfixing</a:t>
-                      </a:r>
-                      <a:endParaRPr lang="de-DE" sz="800" b="0" i="0" u="none" strike="noStrike">
-                        <a:solidFill>
-                          <a:srgbClr val="000000"/>
-                        </a:solidFill>
-                        <a:effectLst/>
-                        <a:latin typeface="Calibri" panose="020F0502020204030204" pitchFamily="34" charset="0"/>
-                      </a:endParaRPr>
-                    </a:p>
-                  </a:txBody>
-                  <a:tcPr marL="7483" marR="7483" marT="7483" marB="0" anchor="b"/>
+                  <a:tcPr marL="6618" marR="6618" marT="6618" marB="0" anchor="b">
+                    <a:lnL w="12700" cap="flat" cmpd="sng" algn="ctr">
+                      <a:solidFill>
+                        <a:schemeClr val="bg1"/>
+                      </a:solidFill>
+                      <a:prstDash val="solid"/>
+                      <a:round/>
+                      <a:headEnd type="none" w="med" len="med"/>
+                      <a:tailEnd type="none" w="med" len="med"/>
+                    </a:lnL>
+                    <a:lnT w="3175" cap="flat" cmpd="sng" algn="ctr">
+                      <a:solidFill>
+                        <a:schemeClr val="bg1"/>
+                      </a:solidFill>
+                      <a:prstDash val="sysDot"/>
+                      <a:round/>
+                      <a:headEnd type="none" w="med" len="med"/>
+                      <a:tailEnd type="none" w="med" len="med"/>
+                    </a:lnT>
+                  </a:tcPr>
                 </a:tc>
                 <a:tc>
                   <a:txBody>
@@ -8258,175 +9044,17 @@
                       </a:endParaRPr>
                     </a:p>
                   </a:txBody>
-                  <a:tcPr marL="7483" marR="7483" marT="7483" marB="0" anchor="b"/>
-                </a:tc>
-                <a:extLst>
-                  <a:ext uri="{0D108BD9-81ED-4DB2-BD59-A6C34878D82A}">
-                    <a16:rowId xmlns:a16="http://schemas.microsoft.com/office/drawing/2014/main" val="4055011082"/>
-                  </a:ext>
-                </a:extLst>
-              </a:tr>
-              <a:tr h="265285">
-                <a:tc>
-                  <a:txBody>
-                    <a:bodyPr/>
-                    <a:lstStyle/>
-                    <a:p>
-                      <a:pPr algn="l" fontAlgn="b"/>
-                      <a:r>
-                        <a:rPr lang="de-DE" sz="800" u="none" strike="noStrike">
-                          <a:effectLst/>
-                        </a:rPr>
-                        <a:t>Andreas</a:t>
-                      </a:r>
-                      <a:endParaRPr lang="de-DE" sz="800" b="0" i="0" u="none" strike="noStrike">
-                        <a:solidFill>
-                          <a:srgbClr val="000000"/>
-                        </a:solidFill>
-                        <a:effectLst/>
-                        <a:latin typeface="Calibri" panose="020F0502020204030204" pitchFamily="34" charset="0"/>
-                      </a:endParaRPr>
-                    </a:p>
-                  </a:txBody>
-                  <a:tcPr marL="7483" marR="7483" marT="7483" marB="0" anchor="b"/>
-                </a:tc>
-                <a:tc>
-                  <a:txBody>
-                    <a:bodyPr/>
-                    <a:lstStyle/>
-                    <a:p>
-                      <a:pPr algn="l" fontAlgn="b"/>
-                      <a:r>
-                        <a:rPr lang="de-DE" sz="800" u="none" strike="noStrike">
-                          <a:effectLst/>
-                        </a:rPr>
-                        <a:t>Möbelmodelierung</a:t>
-                      </a:r>
-                      <a:endParaRPr lang="de-DE" sz="800" b="0" i="0" u="none" strike="noStrike">
-                        <a:solidFill>
-                          <a:srgbClr val="000000"/>
-                        </a:solidFill>
-                        <a:effectLst/>
-                        <a:latin typeface="Calibri" panose="020F0502020204030204" pitchFamily="34" charset="0"/>
-                      </a:endParaRPr>
-                    </a:p>
-                  </a:txBody>
-                  <a:tcPr marL="7483" marR="7483" marT="7483" marB="0" anchor="b"/>
-                </a:tc>
-                <a:tc>
-                  <a:txBody>
-                    <a:bodyPr/>
-                    <a:lstStyle/>
-                    <a:p>
-                      <a:pPr algn="l" fontAlgn="b"/>
-                      <a:r>
-                        <a:rPr lang="de-DE" sz="800" u="none" strike="noStrike">
-                          <a:effectLst/>
-                        </a:rPr>
-                        <a:t>Texturierung und Deko</a:t>
-                      </a:r>
-                      <a:endParaRPr lang="de-DE" sz="800" b="0" i="0" u="none" strike="noStrike">
-                        <a:solidFill>
-                          <a:srgbClr val="000000"/>
-                        </a:solidFill>
-                        <a:effectLst/>
-                        <a:latin typeface="Calibri" panose="020F0502020204030204" pitchFamily="34" charset="0"/>
-                      </a:endParaRPr>
-                    </a:p>
-                  </a:txBody>
-                  <a:tcPr marL="7483" marR="7483" marT="7483" marB="0" anchor="b"/>
-                </a:tc>
-                <a:tc>
-                  <a:txBody>
-                    <a:bodyPr/>
-                    <a:lstStyle/>
-                    <a:p>
-                      <a:pPr algn="l" fontAlgn="b"/>
-                      <a:r>
-                        <a:rPr lang="de-DE" sz="800" u="none" strike="noStrike">
-                          <a:effectLst/>
-                        </a:rPr>
-                        <a:t>Deko</a:t>
-                      </a:r>
-                      <a:endParaRPr lang="de-DE" sz="800" b="0" i="0" u="none" strike="noStrike">
-                        <a:solidFill>
-                          <a:srgbClr val="000000"/>
-                        </a:solidFill>
-                        <a:effectLst/>
-                        <a:latin typeface="Calibri" panose="020F0502020204030204" pitchFamily="34" charset="0"/>
-                      </a:endParaRPr>
-                    </a:p>
-                  </a:txBody>
-                  <a:tcPr marL="7483" marR="7483" marT="7483" marB="0" anchor="b"/>
-                </a:tc>
-                <a:tc>
-                  <a:txBody>
-                    <a:bodyPr/>
-                    <a:lstStyle/>
-                    <a:p>
-                      <a:pPr algn="l" fontAlgn="b"/>
-                      <a:r>
-                        <a:rPr lang="de-DE" sz="800" u="none" strike="noStrike">
-                          <a:effectLst/>
-                        </a:rPr>
-                        <a:t>Zufällige Travernengenerierung</a:t>
-                      </a:r>
-                      <a:endParaRPr lang="de-DE" sz="800" b="0" i="0" u="none" strike="noStrike">
-                        <a:solidFill>
-                          <a:srgbClr val="000000"/>
-                        </a:solidFill>
-                        <a:effectLst/>
-                        <a:latin typeface="Calibri" panose="020F0502020204030204" pitchFamily="34" charset="0"/>
-                      </a:endParaRPr>
-                    </a:p>
-                  </a:txBody>
-                  <a:tcPr marL="7483" marR="7483" marT="7483" marB="0" anchor="b"/>
-                </a:tc>
-                <a:tc>
-                  <a:txBody>
-                    <a:bodyPr/>
-                    <a:lstStyle/>
-                    <a:p>
-                      <a:pPr algn="l" fontAlgn="b"/>
-                      <a:r>
-                        <a:rPr lang="de-DE" sz="800" u="none" strike="noStrike">
-                          <a:effectLst/>
-                        </a:rPr>
-                        <a:t>Zufällige Travernengenerierung</a:t>
-                      </a:r>
-                      <a:endParaRPr lang="de-DE" sz="800" b="0" i="0" u="none" strike="noStrike">
-                        <a:solidFill>
-                          <a:srgbClr val="000000"/>
-                        </a:solidFill>
-                        <a:effectLst/>
-                        <a:latin typeface="Calibri" panose="020F0502020204030204" pitchFamily="34" charset="0"/>
-                      </a:endParaRPr>
-                    </a:p>
-                  </a:txBody>
-                  <a:tcPr marL="7483" marR="7483" marT="7483" marB="0" anchor="b"/>
-                </a:tc>
-                <a:tc>
-                  <a:txBody>
-                    <a:bodyPr/>
-                    <a:lstStyle/>
-                    <a:p>
-                      <a:pPr algn="l" fontAlgn="b"/>
-                      <a:r>
-                        <a:rPr lang="de-DE" sz="800" u="none" strike="noStrike">
-                          <a:effectLst/>
-                        </a:rPr>
-                        <a:t>Bugfixing</a:t>
-                      </a:r>
-                      <a:endParaRPr lang="de-DE" sz="800" b="0" i="0" u="none" strike="noStrike">
-                        <a:solidFill>
-                          <a:srgbClr val="000000"/>
-                        </a:solidFill>
-                        <a:effectLst/>
-                        <a:latin typeface="Calibri" panose="020F0502020204030204" pitchFamily="34" charset="0"/>
-                      </a:endParaRPr>
-                    </a:p>
-                  </a:txBody>
-                  <a:tcPr marL="7483" marR="7483" marT="7483" marB="0" anchor="b"/>
+                  <a:tcPr marL="6618" marR="6618" marT="6618" marB="0" anchor="b">
+                    <a:lnT w="3175" cap="flat" cmpd="sng" algn="ctr">
+                      <a:solidFill>
+                        <a:schemeClr val="bg1"/>
+                      </a:solidFill>
+                      <a:prstDash val="sysDot"/>
+                      <a:round/>
+                      <a:headEnd type="none" w="med" len="med"/>
+                      <a:tailEnd type="none" w="med" len="med"/>
+                    </a:lnT>
+                  </a:tcPr>
                 </a:tc>
                 <a:tc>
                   <a:txBody>
@@ -8449,175 +9077,17 @@
                       </a:endParaRPr>
                     </a:p>
                   </a:txBody>
-                  <a:tcPr marL="7483" marR="7483" marT="7483" marB="0" anchor="b"/>
-                </a:tc>
-                <a:extLst>
-                  <a:ext uri="{0D108BD9-81ED-4DB2-BD59-A6C34878D82A}">
-                    <a16:rowId xmlns:a16="http://schemas.microsoft.com/office/drawing/2014/main" val="3870432161"/>
-                  </a:ext>
-                </a:extLst>
-              </a:tr>
-              <a:tr h="265285">
-                <a:tc>
-                  <a:txBody>
-                    <a:bodyPr/>
-                    <a:lstStyle/>
-                    <a:p>
-                      <a:pPr algn="l" fontAlgn="b"/>
-                      <a:r>
-                        <a:rPr lang="de-DE" sz="800" u="none" strike="noStrike">
-                          <a:effectLst/>
-                        </a:rPr>
-                        <a:t>Marcel</a:t>
-                      </a:r>
-                      <a:endParaRPr lang="de-DE" sz="800" b="0" i="0" u="none" strike="noStrike">
-                        <a:solidFill>
-                          <a:srgbClr val="000000"/>
-                        </a:solidFill>
-                        <a:effectLst/>
-                        <a:latin typeface="Calibri" panose="020F0502020204030204" pitchFamily="34" charset="0"/>
-                      </a:endParaRPr>
-                    </a:p>
-                  </a:txBody>
-                  <a:tcPr marL="7483" marR="7483" marT="7483" marB="0" anchor="b"/>
-                </a:tc>
-                <a:tc>
-                  <a:txBody>
-                    <a:bodyPr/>
-                    <a:lstStyle/>
-                    <a:p>
-                      <a:pPr algn="l" fontAlgn="b"/>
-                      <a:r>
-                        <a:rPr lang="de-DE" sz="800" u="none" strike="noStrike">
-                          <a:effectLst/>
-                        </a:rPr>
-                        <a:t>Beleuchtung</a:t>
-                      </a:r>
-                      <a:endParaRPr lang="de-DE" sz="800" b="0" i="0" u="none" strike="noStrike">
-                        <a:solidFill>
-                          <a:srgbClr val="000000"/>
-                        </a:solidFill>
-                        <a:effectLst/>
-                        <a:latin typeface="Calibri" panose="020F0502020204030204" pitchFamily="34" charset="0"/>
-                      </a:endParaRPr>
-                    </a:p>
-                  </a:txBody>
-                  <a:tcPr marL="7483" marR="7483" marT="7483" marB="0" anchor="b"/>
-                </a:tc>
-                <a:tc>
-                  <a:txBody>
-                    <a:bodyPr/>
-                    <a:lstStyle/>
-                    <a:p>
-                      <a:pPr algn="l" fontAlgn="b"/>
-                      <a:r>
-                        <a:rPr lang="de-DE" sz="800" u="none" strike="noStrike">
-                          <a:effectLst/>
-                        </a:rPr>
-                        <a:t>automatisierte Beleuchtung</a:t>
-                      </a:r>
-                      <a:endParaRPr lang="de-DE" sz="800" b="0" i="0" u="none" strike="noStrike">
-                        <a:solidFill>
-                          <a:srgbClr val="000000"/>
-                        </a:solidFill>
-                        <a:effectLst/>
-                        <a:latin typeface="Calibri" panose="020F0502020204030204" pitchFamily="34" charset="0"/>
-                      </a:endParaRPr>
-                    </a:p>
-                  </a:txBody>
-                  <a:tcPr marL="7483" marR="7483" marT="7483" marB="0" anchor="b"/>
-                </a:tc>
-                <a:tc>
-                  <a:txBody>
-                    <a:bodyPr/>
-                    <a:lstStyle/>
-                    <a:p>
-                      <a:pPr algn="l" fontAlgn="b"/>
-                      <a:r>
-                        <a:rPr lang="de-DE" sz="800" u="none" strike="noStrike">
-                          <a:effectLst/>
-                        </a:rPr>
-                        <a:t>Deko</a:t>
-                      </a:r>
-                      <a:endParaRPr lang="de-DE" sz="800" b="0" i="0" u="none" strike="noStrike">
-                        <a:solidFill>
-                          <a:srgbClr val="000000"/>
-                        </a:solidFill>
-                        <a:effectLst/>
-                        <a:latin typeface="Calibri" panose="020F0502020204030204" pitchFamily="34" charset="0"/>
-                      </a:endParaRPr>
-                    </a:p>
-                  </a:txBody>
-                  <a:tcPr marL="7483" marR="7483" marT="7483" marB="0" anchor="b"/>
-                </a:tc>
-                <a:tc>
-                  <a:txBody>
-                    <a:bodyPr/>
-                    <a:lstStyle/>
-                    <a:p>
-                      <a:pPr algn="l" fontAlgn="b"/>
-                      <a:r>
-                        <a:rPr lang="de-DE" sz="800" u="none" strike="noStrike">
-                          <a:effectLst/>
-                        </a:rPr>
-                        <a:t>interakives Licht</a:t>
-                      </a:r>
-                      <a:endParaRPr lang="de-DE" sz="800" b="0" i="0" u="none" strike="noStrike">
-                        <a:solidFill>
-                          <a:srgbClr val="000000"/>
-                        </a:solidFill>
-                        <a:effectLst/>
-                        <a:latin typeface="Calibri" panose="020F0502020204030204" pitchFamily="34" charset="0"/>
-                      </a:endParaRPr>
-                    </a:p>
-                  </a:txBody>
-                  <a:tcPr marL="7483" marR="7483" marT="7483" marB="0" anchor="b"/>
-                </a:tc>
-                <a:tc>
-                  <a:txBody>
-                    <a:bodyPr/>
-                    <a:lstStyle/>
-                    <a:p>
-                      <a:pPr algn="l" fontAlgn="b"/>
-                      <a:r>
-                        <a:rPr lang="de-DE" sz="800" u="none" strike="noStrike">
-                          <a:effectLst/>
-                        </a:rPr>
-                        <a:t>Bugfixing</a:t>
-                      </a:r>
-                      <a:endParaRPr lang="de-DE" sz="800" b="0" i="0" u="none" strike="noStrike">
-                        <a:solidFill>
-                          <a:srgbClr val="000000"/>
-                        </a:solidFill>
-                        <a:effectLst/>
-                        <a:latin typeface="Calibri" panose="020F0502020204030204" pitchFamily="34" charset="0"/>
-                      </a:endParaRPr>
-                    </a:p>
-                  </a:txBody>
-                  <a:tcPr marL="7483" marR="7483" marT="7483" marB="0" anchor="b"/>
-                </a:tc>
-                <a:tc>
-                  <a:txBody>
-                    <a:bodyPr/>
-                    <a:lstStyle/>
-                    <a:p>
-                      <a:pPr algn="l" fontAlgn="b"/>
-                      <a:r>
-                        <a:rPr lang="de-DE" sz="800" u="none" strike="noStrike">
-                          <a:effectLst/>
-                        </a:rPr>
-                        <a:t>Bugfixing</a:t>
-                      </a:r>
-                      <a:endParaRPr lang="de-DE" sz="800" b="0" i="0" u="none" strike="noStrike">
-                        <a:solidFill>
-                          <a:srgbClr val="000000"/>
-                        </a:solidFill>
-                        <a:effectLst/>
-                        <a:latin typeface="Calibri" panose="020F0502020204030204" pitchFamily="34" charset="0"/>
-                      </a:endParaRPr>
-                    </a:p>
-                  </a:txBody>
-                  <a:tcPr marL="7483" marR="7483" marT="7483" marB="0" anchor="b"/>
+                  <a:tcPr marL="6618" marR="6618" marT="6618" marB="0" anchor="b">
+                    <a:lnT w="3175" cap="flat" cmpd="sng" algn="ctr">
+                      <a:solidFill>
+                        <a:schemeClr val="bg1"/>
+                      </a:solidFill>
+                      <a:prstDash val="sysDot"/>
+                      <a:round/>
+                      <a:headEnd type="none" w="med" len="med"/>
+                      <a:tailEnd type="none" w="med" len="med"/>
+                    </a:lnT>
+                  </a:tcPr>
                 </a:tc>
                 <a:tc>
                   <a:txBody>
@@ -8640,145 +9110,17 @@
                       </a:endParaRPr>
                     </a:p>
                   </a:txBody>
-                  <a:tcPr marL="7483" marR="7483" marT="7483" marB="0" anchor="b"/>
-                </a:tc>
-                <a:extLst>
-                  <a:ext uri="{0D108BD9-81ED-4DB2-BD59-A6C34878D82A}">
-                    <a16:rowId xmlns:a16="http://schemas.microsoft.com/office/drawing/2014/main" val="1412747364"/>
-                  </a:ext>
-                </a:extLst>
-              </a:tr>
-              <a:tr h="149676">
-                <a:tc>
-                  <a:txBody>
-                    <a:bodyPr/>
-                    <a:lstStyle/>
-                    <a:p>
-                      <a:pPr algn="l" fontAlgn="b"/>
-                      <a:endParaRPr lang="de-DE" sz="800" b="0" i="0" u="none" strike="noStrike">
-                        <a:solidFill>
-                          <a:srgbClr val="000000"/>
-                        </a:solidFill>
-                        <a:effectLst/>
-                        <a:latin typeface="Calibri" panose="020F0502020204030204" pitchFamily="34" charset="0"/>
-                      </a:endParaRPr>
-                    </a:p>
-                  </a:txBody>
-                  <a:tcPr marL="7483" marR="7483" marT="7483" marB="0" anchor="b"/>
-                </a:tc>
-                <a:tc>
-                  <a:txBody>
-                    <a:bodyPr/>
-                    <a:lstStyle/>
-                    <a:p>
-                      <a:pPr algn="l" fontAlgn="b"/>
-                      <a:endParaRPr lang="de-DE" sz="800" b="0" i="0" u="none" strike="noStrike">
-                        <a:solidFill>
-                          <a:srgbClr val="000000"/>
-                        </a:solidFill>
-                        <a:effectLst/>
-                        <a:latin typeface="Calibri" panose="020F0502020204030204" pitchFamily="34" charset="0"/>
-                      </a:endParaRPr>
-                    </a:p>
-                  </a:txBody>
-                  <a:tcPr marL="7483" marR="7483" marT="7483" marB="0" anchor="b"/>
-                </a:tc>
-                <a:tc>
-                  <a:txBody>
-                    <a:bodyPr/>
-                    <a:lstStyle/>
-                    <a:p>
-                      <a:pPr algn="l" fontAlgn="b"/>
-                      <a:endParaRPr lang="de-DE" sz="800" b="0" i="0" u="none" strike="noStrike">
-                        <a:solidFill>
-                          <a:srgbClr val="000000"/>
-                        </a:solidFill>
-                        <a:effectLst/>
-                        <a:latin typeface="Calibri" panose="020F0502020204030204" pitchFamily="34" charset="0"/>
-                      </a:endParaRPr>
-                    </a:p>
-                  </a:txBody>
-                  <a:tcPr marL="7483" marR="7483" marT="7483" marB="0" anchor="b"/>
-                </a:tc>
-                <a:tc>
-                  <a:txBody>
-                    <a:bodyPr/>
-                    <a:lstStyle/>
-                    <a:p>
-                      <a:pPr algn="l" fontAlgn="b"/>
-                      <a:r>
-                        <a:rPr lang="de-DE" sz="800" u="none" strike="noStrike">
-                          <a:effectLst/>
-                        </a:rPr>
-                        <a:t>Meilenstein 2</a:t>
-                      </a:r>
-                      <a:endParaRPr lang="de-DE" sz="800" b="0" i="0" u="none" strike="noStrike">
-                        <a:solidFill>
-                          <a:srgbClr val="000000"/>
-                        </a:solidFill>
-                        <a:effectLst/>
-                        <a:latin typeface="Calibri" panose="020F0502020204030204" pitchFamily="34" charset="0"/>
-                      </a:endParaRPr>
-                    </a:p>
-                  </a:txBody>
-                  <a:tcPr marL="7483" marR="7483" marT="7483" marB="0" anchor="b"/>
-                </a:tc>
-                <a:tc>
-                  <a:txBody>
-                    <a:bodyPr/>
-                    <a:lstStyle/>
-                    <a:p>
-                      <a:pPr algn="l" fontAlgn="b"/>
-                      <a:endParaRPr lang="de-DE" sz="800" b="0" i="0" u="none" strike="noStrike">
-                        <a:solidFill>
-                          <a:srgbClr val="000000"/>
-                        </a:solidFill>
-                        <a:effectLst/>
-                        <a:latin typeface="Calibri" panose="020F0502020204030204" pitchFamily="34" charset="0"/>
-                      </a:endParaRPr>
-                    </a:p>
-                  </a:txBody>
-                  <a:tcPr marL="7483" marR="7483" marT="7483" marB="0" anchor="b"/>
-                </a:tc>
-                <a:tc>
-                  <a:txBody>
-                    <a:bodyPr/>
-                    <a:lstStyle/>
-                    <a:p>
-                      <a:pPr algn="l" fontAlgn="b"/>
-                      <a:endParaRPr lang="de-DE" sz="800" b="0" i="0" u="none" strike="noStrike">
-                        <a:solidFill>
-                          <a:srgbClr val="000000"/>
-                        </a:solidFill>
-                        <a:effectLst/>
-                        <a:latin typeface="Calibri" panose="020F0502020204030204" pitchFamily="34" charset="0"/>
-                      </a:endParaRPr>
-                    </a:p>
-                  </a:txBody>
-                  <a:tcPr marL="7483" marR="7483" marT="7483" marB="0" anchor="b"/>
-                </a:tc>
-                <a:tc>
-                  <a:txBody>
-                    <a:bodyPr/>
-                    <a:lstStyle/>
-                    <a:p>
-                      <a:pPr algn="l" fontAlgn="b"/>
-                      <a:r>
-                        <a:rPr lang="de-DE" sz="800" u="none" strike="noStrike">
-                          <a:effectLst/>
-                        </a:rPr>
-                        <a:t>Meilenstein 3</a:t>
-                      </a:r>
-                      <a:endParaRPr lang="de-DE" sz="800" b="0" i="0" u="none" strike="noStrike">
-                        <a:solidFill>
-                          <a:srgbClr val="000000"/>
-                        </a:solidFill>
-                        <a:effectLst/>
-                        <a:latin typeface="Calibri" panose="020F0502020204030204" pitchFamily="34" charset="0"/>
-                      </a:endParaRPr>
-                    </a:p>
-                  </a:txBody>
-                  <a:tcPr marL="7483" marR="7483" marT="7483" marB="0" anchor="b"/>
+                  <a:tcPr marL="6618" marR="6618" marT="6618" marB="0" anchor="b">
+                    <a:lnT w="3175" cap="flat" cmpd="sng" algn="ctr">
+                      <a:solidFill>
+                        <a:schemeClr val="bg1"/>
+                      </a:solidFill>
+                      <a:prstDash val="sysDot"/>
+                      <a:round/>
+                      <a:headEnd type="none" w="med" len="med"/>
+                      <a:tailEnd type="none" w="med" len="med"/>
+                    </a:lnT>
+                  </a:tcPr>
                 </a:tc>
                 <a:tc>
                   <a:txBody>
@@ -8795,11 +9137,21 @@
                       </a:endParaRPr>
                     </a:p>
                   </a:txBody>
-                  <a:tcPr marL="7483" marR="7483" marT="7483" marB="0" anchor="b"/>
+                  <a:tcPr marL="6618" marR="6618" marT="6618" marB="0" anchor="b">
+                    <a:lnT w="3175" cap="flat" cmpd="sng" algn="ctr">
+                      <a:solidFill>
+                        <a:schemeClr val="bg1"/>
+                      </a:solidFill>
+                      <a:prstDash val="sysDot"/>
+                      <a:round/>
+                      <a:headEnd type="none" w="med" len="med"/>
+                      <a:tailEnd type="none" w="med" len="med"/>
+                    </a:lnT>
+                  </a:tcPr>
                 </a:tc>
                 <a:extLst>
                   <a:ext uri="{0D108BD9-81ED-4DB2-BD59-A6C34878D82A}">
-                    <a16:rowId xmlns:a16="http://schemas.microsoft.com/office/drawing/2014/main" val="271162707"/>
+                    <a16:rowId xmlns:a16="http://schemas.microsoft.com/office/drawing/2014/main" val="1672495054"/>
                   </a:ext>
                 </a:extLst>
               </a:tr>
@@ -9957,132 +10309,6 @@
 </file>
 
 <file path=customXml/item1.xml><?xml version="1.0" encoding="utf-8"?>
-<p:properties xmlns:p="http://schemas.microsoft.com/office/2006/metadata/properties" xmlns:xsi="http://www.w3.org/2001/XMLSchema-instance" xmlns:pc="http://schemas.microsoft.com/office/infopath/2007/PartnerControls">
-  <documentManagement>
-    <DirectSourceMarket xmlns="4873beb7-5857-4685-be1f-d57550cc96cc" xsi:nil="true"/>
-    <ApprovalStatus xmlns="4873beb7-5857-4685-be1f-d57550cc96cc">InProgress</ApprovalStatus>
-    <MarketSpecific xmlns="4873beb7-5857-4685-be1f-d57550cc96cc">false</MarketSpecific>
-    <LocComments xmlns="4873beb7-5857-4685-be1f-d57550cc96cc" xsi:nil="true"/>
-    <ThumbnailAssetId xmlns="4873beb7-5857-4685-be1f-d57550cc96cc" xsi:nil="true"/>
-    <PrimaryImageGen xmlns="4873beb7-5857-4685-be1f-d57550cc96cc">false</PrimaryImageGen>
-    <LegacyData xmlns="4873beb7-5857-4685-be1f-d57550cc96cc" xsi:nil="true"/>
-    <LocRecommendedHandoff xmlns="4873beb7-5857-4685-be1f-d57550cc96cc" xsi:nil="true"/>
-    <BusinessGroup xmlns="4873beb7-5857-4685-be1f-d57550cc96cc" xsi:nil="true"/>
-    <BlockPublish xmlns="4873beb7-5857-4685-be1f-d57550cc96cc">false</BlockPublish>
-    <TPFriendlyName xmlns="4873beb7-5857-4685-be1f-d57550cc96cc" xsi:nil="true"/>
-    <NumericId xmlns="4873beb7-5857-4685-be1f-d57550cc96cc" xsi:nil="true"/>
-    <APEditor xmlns="4873beb7-5857-4685-be1f-d57550cc96cc">
-      <UserInfo>
-        <DisplayName/>
-        <AccountId xsi:nil="true"/>
-        <AccountType/>
-      </UserInfo>
-    </APEditor>
-    <SourceTitle xmlns="4873beb7-5857-4685-be1f-d57550cc96cc" xsi:nil="true"/>
-    <OpenTemplate xmlns="4873beb7-5857-4685-be1f-d57550cc96cc">true</OpenTemplate>
-    <UALocComments xmlns="4873beb7-5857-4685-be1f-d57550cc96cc" xsi:nil="true"/>
-    <ParentAssetId xmlns="4873beb7-5857-4685-be1f-d57550cc96cc" xsi:nil="true"/>
-    <IntlLangReviewDate xmlns="4873beb7-5857-4685-be1f-d57550cc96cc" xsi:nil="true"/>
-    <FeatureTagsTaxHTField0 xmlns="4873beb7-5857-4685-be1f-d57550cc96cc">
-      <Terms xmlns="http://schemas.microsoft.com/office/infopath/2007/PartnerControls"/>
-    </FeatureTagsTaxHTField0>
-    <PublishStatusLookup xmlns="4873beb7-5857-4685-be1f-d57550cc96cc">
-      <Value>1360511</Value>
-    </PublishStatusLookup>
-    <Providers xmlns="4873beb7-5857-4685-be1f-d57550cc96cc" xsi:nil="true"/>
-    <MachineTranslated xmlns="4873beb7-5857-4685-be1f-d57550cc96cc">false</MachineTranslated>
-    <OriginalSourceMarket xmlns="4873beb7-5857-4685-be1f-d57550cc96cc" xsi:nil="true"/>
-    <APDescription xmlns="4873beb7-5857-4685-be1f-d57550cc96cc" xsi:nil="true"/>
-    <ClipArtFilename xmlns="4873beb7-5857-4685-be1f-d57550cc96cc" xsi:nil="true"/>
-    <ContentItem xmlns="4873beb7-5857-4685-be1f-d57550cc96cc" xsi:nil="true"/>
-    <TPInstallLocation xmlns="4873beb7-5857-4685-be1f-d57550cc96cc" xsi:nil="true"/>
-    <PublishTargets xmlns="4873beb7-5857-4685-be1f-d57550cc96cc">OfficeOnlineVNext</PublishTargets>
-    <TimesCloned xmlns="4873beb7-5857-4685-be1f-d57550cc96cc" xsi:nil="true"/>
-    <AssetStart xmlns="4873beb7-5857-4685-be1f-d57550cc96cc">2011-12-12T13:37:00+00:00</AssetStart>
-    <Provider xmlns="4873beb7-5857-4685-be1f-d57550cc96cc" xsi:nil="true"/>
-    <AcquiredFrom xmlns="4873beb7-5857-4685-be1f-d57550cc96cc">Internal MS</AcquiredFrom>
-    <FriendlyTitle xmlns="4873beb7-5857-4685-be1f-d57550cc96cc" xsi:nil="true"/>
-    <LastHandOff xmlns="4873beb7-5857-4685-be1f-d57550cc96cc" xsi:nil="true"/>
-    <TPClientViewer xmlns="4873beb7-5857-4685-be1f-d57550cc96cc" xsi:nil="true"/>
-    <UACurrentWords xmlns="4873beb7-5857-4685-be1f-d57550cc96cc" xsi:nil="true"/>
-    <ArtSampleDocs xmlns="4873beb7-5857-4685-be1f-d57550cc96cc" xsi:nil="true"/>
-    <UALocRecommendation xmlns="4873beb7-5857-4685-be1f-d57550cc96cc">Localize</UALocRecommendation>
-    <Manager xmlns="4873beb7-5857-4685-be1f-d57550cc96cc" xsi:nil="true"/>
-    <ShowIn xmlns="4873beb7-5857-4685-be1f-d57550cc96cc">Show everywhere</ShowIn>
-    <UANotes xmlns="4873beb7-5857-4685-be1f-d57550cc96cc" xsi:nil="true"/>
-    <TemplateStatus xmlns="4873beb7-5857-4685-be1f-d57550cc96cc">Complete</TemplateStatus>
-    <InternalTagsTaxHTField0 xmlns="4873beb7-5857-4685-be1f-d57550cc96cc">
-      <Terms xmlns="http://schemas.microsoft.com/office/infopath/2007/PartnerControls"/>
-    </InternalTagsTaxHTField0>
-    <CSXHash xmlns="4873beb7-5857-4685-be1f-d57550cc96cc" xsi:nil="true"/>
-    <Downloads xmlns="4873beb7-5857-4685-be1f-d57550cc96cc">0</Downloads>
-    <VoteCount xmlns="4873beb7-5857-4685-be1f-d57550cc96cc" xsi:nil="true"/>
-    <OOCacheId xmlns="4873beb7-5857-4685-be1f-d57550cc96cc" xsi:nil="true"/>
-    <IsDeleted xmlns="4873beb7-5857-4685-be1f-d57550cc96cc">false</IsDeleted>
-    <AssetExpire xmlns="4873beb7-5857-4685-be1f-d57550cc96cc">2035-01-01T08:00:00+00:00</AssetExpire>
-    <DSATActionTaken xmlns="4873beb7-5857-4685-be1f-d57550cc96cc" xsi:nil="true"/>
-    <CSXSubmissionMarket xmlns="4873beb7-5857-4685-be1f-d57550cc96cc" xsi:nil="true"/>
-    <TPExecutable xmlns="4873beb7-5857-4685-be1f-d57550cc96cc" xsi:nil="true"/>
-    <SubmitterId xmlns="4873beb7-5857-4685-be1f-d57550cc96cc" xsi:nil="true"/>
-    <EditorialTags xmlns="4873beb7-5857-4685-be1f-d57550cc96cc" xsi:nil="true"/>
-    <ApprovalLog xmlns="4873beb7-5857-4685-be1f-d57550cc96cc" xsi:nil="true"/>
-    <AssetType xmlns="4873beb7-5857-4685-be1f-d57550cc96cc">TP</AssetType>
-    <BugNumber xmlns="4873beb7-5857-4685-be1f-d57550cc96cc" xsi:nil="true"/>
-    <CSXSubmissionDate xmlns="4873beb7-5857-4685-be1f-d57550cc96cc" xsi:nil="true"/>
-    <CSXUpdate xmlns="4873beb7-5857-4685-be1f-d57550cc96cc">false</CSXUpdate>
-    <Milestone xmlns="4873beb7-5857-4685-be1f-d57550cc96cc" xsi:nil="true"/>
-    <RecommendationsModifier xmlns="4873beb7-5857-4685-be1f-d57550cc96cc" xsi:nil="true"/>
-    <OriginAsset xmlns="4873beb7-5857-4685-be1f-d57550cc96cc" xsi:nil="true"/>
-    <TPComponent xmlns="4873beb7-5857-4685-be1f-d57550cc96cc" xsi:nil="true"/>
-    <AssetId xmlns="4873beb7-5857-4685-be1f-d57550cc96cc">TP102801114</AssetId>
-    <IntlLocPriority xmlns="4873beb7-5857-4685-be1f-d57550cc96cc" xsi:nil="true"/>
-    <PolicheckWords xmlns="4873beb7-5857-4685-be1f-d57550cc96cc" xsi:nil="true"/>
-    <TPLaunchHelpLink xmlns="4873beb7-5857-4685-be1f-d57550cc96cc" xsi:nil="true"/>
-    <TPApplication xmlns="4873beb7-5857-4685-be1f-d57550cc96cc" xsi:nil="true"/>
-    <CrawlForDependencies xmlns="4873beb7-5857-4685-be1f-d57550cc96cc">false</CrawlForDependencies>
-    <HandoffToMSDN xmlns="4873beb7-5857-4685-be1f-d57550cc96cc" xsi:nil="true"/>
-    <PlannedPubDate xmlns="4873beb7-5857-4685-be1f-d57550cc96cc" xsi:nil="true"/>
-    <IntlLangReviewer xmlns="4873beb7-5857-4685-be1f-d57550cc96cc" xsi:nil="true"/>
-    <TrustLevel xmlns="4873beb7-5857-4685-be1f-d57550cc96cc">1 Microsoft Managed Content</TrustLevel>
-    <LocLastLocAttemptVersionLookup xmlns="4873beb7-5857-4685-be1f-d57550cc96cc">706531</LocLastLocAttemptVersionLookup>
-    <IsSearchable xmlns="4873beb7-5857-4685-be1f-d57550cc96cc">true</IsSearchable>
-    <TemplateTemplateType xmlns="4873beb7-5857-4685-be1f-d57550cc96cc">PowerPoint Presentation Template</TemplateTemplateType>
-    <CampaignTagsTaxHTField0 xmlns="4873beb7-5857-4685-be1f-d57550cc96cc">
-      <Terms xmlns="http://schemas.microsoft.com/office/infopath/2007/PartnerControls"/>
-    </CampaignTagsTaxHTField0>
-    <TPNamespace xmlns="4873beb7-5857-4685-be1f-d57550cc96cc" xsi:nil="true"/>
-    <TaxCatchAll xmlns="4873beb7-5857-4685-be1f-d57550cc96cc"/>
-    <Markets xmlns="4873beb7-5857-4685-be1f-d57550cc96cc"/>
-    <UAProjectedTotalWords xmlns="4873beb7-5857-4685-be1f-d57550cc96cc" xsi:nil="true"/>
-    <IntlLangReview xmlns="4873beb7-5857-4685-be1f-d57550cc96cc">false</IntlLangReview>
-    <OutputCachingOn xmlns="4873beb7-5857-4685-be1f-d57550cc96cc">false</OutputCachingOn>
-    <AverageRating xmlns="4873beb7-5857-4685-be1f-d57550cc96cc" xsi:nil="true"/>
-    <APAuthor xmlns="4873beb7-5857-4685-be1f-d57550cc96cc">
-      <UserInfo>
-        <DisplayName>REDMOND\v-soujap</DisplayName>
-        <AccountId>1954</AccountId>
-        <AccountType/>
-      </UserInfo>
-    </APAuthor>
-    <LocManualTestRequired xmlns="4873beb7-5857-4685-be1f-d57550cc96cc">false</LocManualTestRequired>
-    <TPCommandLine xmlns="4873beb7-5857-4685-be1f-d57550cc96cc" xsi:nil="true"/>
-    <TPAppVersion xmlns="4873beb7-5857-4685-be1f-d57550cc96cc" xsi:nil="true"/>
-    <EditorialStatus xmlns="4873beb7-5857-4685-be1f-d57550cc96cc">Complete</EditorialStatus>
-    <LastModifiedDateTime xmlns="4873beb7-5857-4685-be1f-d57550cc96cc" xsi:nil="true"/>
-    <ScenarioTagsTaxHTField0 xmlns="4873beb7-5857-4685-be1f-d57550cc96cc">
-      <Terms xmlns="http://schemas.microsoft.com/office/infopath/2007/PartnerControls"/>
-    </ScenarioTagsTaxHTField0>
-    <OriginalRelease xmlns="4873beb7-5857-4685-be1f-d57550cc96cc">14</OriginalRelease>
-    <TPLaunchHelpLinkType xmlns="4873beb7-5857-4685-be1f-d57550cc96cc">Template</TPLaunchHelpLinkType>
-    <LocalizationTagsTaxHTField0 xmlns="4873beb7-5857-4685-be1f-d57550cc96cc">
-      <Terms xmlns="http://schemas.microsoft.com/office/infopath/2007/PartnerControls"/>
-    </LocalizationTagsTaxHTField0>
-    <LocMarketGroupTiers2 xmlns="4873beb7-5857-4685-be1f-d57550cc96cc" xsi:nil="true"/>
-  </documentManagement>
-</p:properties>
-</file>
-
-<file path=customXml/item2.xml><?xml version="1.0" encoding="utf-8"?>
 <ct:contentTypeSchema xmlns:ct="http://schemas.microsoft.com/office/2006/metadata/contentType" xmlns:ma="http://schemas.microsoft.com/office/2006/metadata/properties/metaAttributes" ct:_="" ma:_="" ma:contentTypeName="TemplateFile" ma:contentTypeID="0x0101006EDDDB5EE6D98C44930B742096920B300400F5B6D36B3EF94B4E9A635CDF2A18F5B8" ma:contentTypeVersion="72" ma:contentTypeDescription="Create a new document." ma:contentTypeScope="" ma:versionID="a23e56308344d904b51738559c3d67c9">
   <xsd:schema xmlns:xsd="http://www.w3.org/2001/XMLSchema" xmlns:xs="http://www.w3.org/2001/XMLSchema" xmlns:p="http://schemas.microsoft.com/office/2006/metadata/properties" xmlns:ns2="4873beb7-5857-4685-be1f-d57550cc96cc" targetNamespace="http://schemas.microsoft.com/office/2006/metadata/properties" ma:root="true" ma:fieldsID="cd0908cc4600e77bf5da051303e00c8d" ns2:_="">
     <xsd:import namespace="4873beb7-5857-4685-be1f-d57550cc96cc"/>
@@ -11122,6 +11348,132 @@
 </ct:contentTypeSchema>
 </file>
 
+<file path=customXml/item2.xml><?xml version="1.0" encoding="utf-8"?>
+<p:properties xmlns:p="http://schemas.microsoft.com/office/2006/metadata/properties" xmlns:xsi="http://www.w3.org/2001/XMLSchema-instance" xmlns:pc="http://schemas.microsoft.com/office/infopath/2007/PartnerControls">
+  <documentManagement>
+    <DirectSourceMarket xmlns="4873beb7-5857-4685-be1f-d57550cc96cc" xsi:nil="true"/>
+    <ApprovalStatus xmlns="4873beb7-5857-4685-be1f-d57550cc96cc">InProgress</ApprovalStatus>
+    <MarketSpecific xmlns="4873beb7-5857-4685-be1f-d57550cc96cc">false</MarketSpecific>
+    <LocComments xmlns="4873beb7-5857-4685-be1f-d57550cc96cc" xsi:nil="true"/>
+    <ThumbnailAssetId xmlns="4873beb7-5857-4685-be1f-d57550cc96cc" xsi:nil="true"/>
+    <PrimaryImageGen xmlns="4873beb7-5857-4685-be1f-d57550cc96cc">false</PrimaryImageGen>
+    <LegacyData xmlns="4873beb7-5857-4685-be1f-d57550cc96cc" xsi:nil="true"/>
+    <LocRecommendedHandoff xmlns="4873beb7-5857-4685-be1f-d57550cc96cc" xsi:nil="true"/>
+    <BusinessGroup xmlns="4873beb7-5857-4685-be1f-d57550cc96cc" xsi:nil="true"/>
+    <BlockPublish xmlns="4873beb7-5857-4685-be1f-d57550cc96cc">false</BlockPublish>
+    <TPFriendlyName xmlns="4873beb7-5857-4685-be1f-d57550cc96cc" xsi:nil="true"/>
+    <NumericId xmlns="4873beb7-5857-4685-be1f-d57550cc96cc" xsi:nil="true"/>
+    <APEditor xmlns="4873beb7-5857-4685-be1f-d57550cc96cc">
+      <UserInfo>
+        <DisplayName/>
+        <AccountId xsi:nil="true"/>
+        <AccountType/>
+      </UserInfo>
+    </APEditor>
+    <SourceTitle xmlns="4873beb7-5857-4685-be1f-d57550cc96cc" xsi:nil="true"/>
+    <OpenTemplate xmlns="4873beb7-5857-4685-be1f-d57550cc96cc">true</OpenTemplate>
+    <UALocComments xmlns="4873beb7-5857-4685-be1f-d57550cc96cc" xsi:nil="true"/>
+    <ParentAssetId xmlns="4873beb7-5857-4685-be1f-d57550cc96cc" xsi:nil="true"/>
+    <IntlLangReviewDate xmlns="4873beb7-5857-4685-be1f-d57550cc96cc" xsi:nil="true"/>
+    <FeatureTagsTaxHTField0 xmlns="4873beb7-5857-4685-be1f-d57550cc96cc">
+      <Terms xmlns="http://schemas.microsoft.com/office/infopath/2007/PartnerControls"/>
+    </FeatureTagsTaxHTField0>
+    <PublishStatusLookup xmlns="4873beb7-5857-4685-be1f-d57550cc96cc">
+      <Value>1360511</Value>
+    </PublishStatusLookup>
+    <Providers xmlns="4873beb7-5857-4685-be1f-d57550cc96cc" xsi:nil="true"/>
+    <MachineTranslated xmlns="4873beb7-5857-4685-be1f-d57550cc96cc">false</MachineTranslated>
+    <OriginalSourceMarket xmlns="4873beb7-5857-4685-be1f-d57550cc96cc" xsi:nil="true"/>
+    <APDescription xmlns="4873beb7-5857-4685-be1f-d57550cc96cc" xsi:nil="true"/>
+    <ClipArtFilename xmlns="4873beb7-5857-4685-be1f-d57550cc96cc" xsi:nil="true"/>
+    <ContentItem xmlns="4873beb7-5857-4685-be1f-d57550cc96cc" xsi:nil="true"/>
+    <TPInstallLocation xmlns="4873beb7-5857-4685-be1f-d57550cc96cc" xsi:nil="true"/>
+    <PublishTargets xmlns="4873beb7-5857-4685-be1f-d57550cc96cc">OfficeOnlineVNext</PublishTargets>
+    <TimesCloned xmlns="4873beb7-5857-4685-be1f-d57550cc96cc" xsi:nil="true"/>
+    <AssetStart xmlns="4873beb7-5857-4685-be1f-d57550cc96cc">2011-12-12T13:37:00+00:00</AssetStart>
+    <Provider xmlns="4873beb7-5857-4685-be1f-d57550cc96cc" xsi:nil="true"/>
+    <AcquiredFrom xmlns="4873beb7-5857-4685-be1f-d57550cc96cc">Internal MS</AcquiredFrom>
+    <FriendlyTitle xmlns="4873beb7-5857-4685-be1f-d57550cc96cc" xsi:nil="true"/>
+    <LastHandOff xmlns="4873beb7-5857-4685-be1f-d57550cc96cc" xsi:nil="true"/>
+    <TPClientViewer xmlns="4873beb7-5857-4685-be1f-d57550cc96cc" xsi:nil="true"/>
+    <UACurrentWords xmlns="4873beb7-5857-4685-be1f-d57550cc96cc" xsi:nil="true"/>
+    <ArtSampleDocs xmlns="4873beb7-5857-4685-be1f-d57550cc96cc" xsi:nil="true"/>
+    <UALocRecommendation xmlns="4873beb7-5857-4685-be1f-d57550cc96cc">Localize</UALocRecommendation>
+    <Manager xmlns="4873beb7-5857-4685-be1f-d57550cc96cc" xsi:nil="true"/>
+    <ShowIn xmlns="4873beb7-5857-4685-be1f-d57550cc96cc">Show everywhere</ShowIn>
+    <UANotes xmlns="4873beb7-5857-4685-be1f-d57550cc96cc" xsi:nil="true"/>
+    <TemplateStatus xmlns="4873beb7-5857-4685-be1f-d57550cc96cc">Complete</TemplateStatus>
+    <InternalTagsTaxHTField0 xmlns="4873beb7-5857-4685-be1f-d57550cc96cc">
+      <Terms xmlns="http://schemas.microsoft.com/office/infopath/2007/PartnerControls"/>
+    </InternalTagsTaxHTField0>
+    <CSXHash xmlns="4873beb7-5857-4685-be1f-d57550cc96cc" xsi:nil="true"/>
+    <Downloads xmlns="4873beb7-5857-4685-be1f-d57550cc96cc">0</Downloads>
+    <VoteCount xmlns="4873beb7-5857-4685-be1f-d57550cc96cc" xsi:nil="true"/>
+    <OOCacheId xmlns="4873beb7-5857-4685-be1f-d57550cc96cc" xsi:nil="true"/>
+    <IsDeleted xmlns="4873beb7-5857-4685-be1f-d57550cc96cc">false</IsDeleted>
+    <AssetExpire xmlns="4873beb7-5857-4685-be1f-d57550cc96cc">2035-01-01T08:00:00+00:00</AssetExpire>
+    <DSATActionTaken xmlns="4873beb7-5857-4685-be1f-d57550cc96cc" xsi:nil="true"/>
+    <CSXSubmissionMarket xmlns="4873beb7-5857-4685-be1f-d57550cc96cc" xsi:nil="true"/>
+    <TPExecutable xmlns="4873beb7-5857-4685-be1f-d57550cc96cc" xsi:nil="true"/>
+    <SubmitterId xmlns="4873beb7-5857-4685-be1f-d57550cc96cc" xsi:nil="true"/>
+    <EditorialTags xmlns="4873beb7-5857-4685-be1f-d57550cc96cc" xsi:nil="true"/>
+    <ApprovalLog xmlns="4873beb7-5857-4685-be1f-d57550cc96cc" xsi:nil="true"/>
+    <AssetType xmlns="4873beb7-5857-4685-be1f-d57550cc96cc">TP</AssetType>
+    <BugNumber xmlns="4873beb7-5857-4685-be1f-d57550cc96cc" xsi:nil="true"/>
+    <CSXSubmissionDate xmlns="4873beb7-5857-4685-be1f-d57550cc96cc" xsi:nil="true"/>
+    <CSXUpdate xmlns="4873beb7-5857-4685-be1f-d57550cc96cc">false</CSXUpdate>
+    <Milestone xmlns="4873beb7-5857-4685-be1f-d57550cc96cc" xsi:nil="true"/>
+    <RecommendationsModifier xmlns="4873beb7-5857-4685-be1f-d57550cc96cc" xsi:nil="true"/>
+    <OriginAsset xmlns="4873beb7-5857-4685-be1f-d57550cc96cc" xsi:nil="true"/>
+    <TPComponent xmlns="4873beb7-5857-4685-be1f-d57550cc96cc" xsi:nil="true"/>
+    <AssetId xmlns="4873beb7-5857-4685-be1f-d57550cc96cc">TP102801114</AssetId>
+    <IntlLocPriority xmlns="4873beb7-5857-4685-be1f-d57550cc96cc" xsi:nil="true"/>
+    <PolicheckWords xmlns="4873beb7-5857-4685-be1f-d57550cc96cc" xsi:nil="true"/>
+    <TPLaunchHelpLink xmlns="4873beb7-5857-4685-be1f-d57550cc96cc" xsi:nil="true"/>
+    <TPApplication xmlns="4873beb7-5857-4685-be1f-d57550cc96cc" xsi:nil="true"/>
+    <CrawlForDependencies xmlns="4873beb7-5857-4685-be1f-d57550cc96cc">false</CrawlForDependencies>
+    <HandoffToMSDN xmlns="4873beb7-5857-4685-be1f-d57550cc96cc" xsi:nil="true"/>
+    <PlannedPubDate xmlns="4873beb7-5857-4685-be1f-d57550cc96cc" xsi:nil="true"/>
+    <IntlLangReviewer xmlns="4873beb7-5857-4685-be1f-d57550cc96cc" xsi:nil="true"/>
+    <TrustLevel xmlns="4873beb7-5857-4685-be1f-d57550cc96cc">1 Microsoft Managed Content</TrustLevel>
+    <LocLastLocAttemptVersionLookup xmlns="4873beb7-5857-4685-be1f-d57550cc96cc">706531</LocLastLocAttemptVersionLookup>
+    <IsSearchable xmlns="4873beb7-5857-4685-be1f-d57550cc96cc">true</IsSearchable>
+    <TemplateTemplateType xmlns="4873beb7-5857-4685-be1f-d57550cc96cc">PowerPoint Presentation Template</TemplateTemplateType>
+    <CampaignTagsTaxHTField0 xmlns="4873beb7-5857-4685-be1f-d57550cc96cc">
+      <Terms xmlns="http://schemas.microsoft.com/office/infopath/2007/PartnerControls"/>
+    </CampaignTagsTaxHTField0>
+    <TPNamespace xmlns="4873beb7-5857-4685-be1f-d57550cc96cc" xsi:nil="true"/>
+    <TaxCatchAll xmlns="4873beb7-5857-4685-be1f-d57550cc96cc"/>
+    <Markets xmlns="4873beb7-5857-4685-be1f-d57550cc96cc"/>
+    <UAProjectedTotalWords xmlns="4873beb7-5857-4685-be1f-d57550cc96cc" xsi:nil="true"/>
+    <IntlLangReview xmlns="4873beb7-5857-4685-be1f-d57550cc96cc">false</IntlLangReview>
+    <OutputCachingOn xmlns="4873beb7-5857-4685-be1f-d57550cc96cc">false</OutputCachingOn>
+    <AverageRating xmlns="4873beb7-5857-4685-be1f-d57550cc96cc" xsi:nil="true"/>
+    <APAuthor xmlns="4873beb7-5857-4685-be1f-d57550cc96cc">
+      <UserInfo>
+        <DisplayName>REDMOND\v-soujap</DisplayName>
+        <AccountId>1954</AccountId>
+        <AccountType/>
+      </UserInfo>
+    </APAuthor>
+    <LocManualTestRequired xmlns="4873beb7-5857-4685-be1f-d57550cc96cc">false</LocManualTestRequired>
+    <TPCommandLine xmlns="4873beb7-5857-4685-be1f-d57550cc96cc" xsi:nil="true"/>
+    <TPAppVersion xmlns="4873beb7-5857-4685-be1f-d57550cc96cc" xsi:nil="true"/>
+    <EditorialStatus xmlns="4873beb7-5857-4685-be1f-d57550cc96cc">Complete</EditorialStatus>
+    <LastModifiedDateTime xmlns="4873beb7-5857-4685-be1f-d57550cc96cc" xsi:nil="true"/>
+    <ScenarioTagsTaxHTField0 xmlns="4873beb7-5857-4685-be1f-d57550cc96cc">
+      <Terms xmlns="http://schemas.microsoft.com/office/infopath/2007/PartnerControls"/>
+    </ScenarioTagsTaxHTField0>
+    <OriginalRelease xmlns="4873beb7-5857-4685-be1f-d57550cc96cc">14</OriginalRelease>
+    <TPLaunchHelpLinkType xmlns="4873beb7-5857-4685-be1f-d57550cc96cc">Template</TPLaunchHelpLinkType>
+    <LocalizationTagsTaxHTField0 xmlns="4873beb7-5857-4685-be1f-d57550cc96cc">
+      <Terms xmlns="http://schemas.microsoft.com/office/infopath/2007/PartnerControls"/>
+    </LocalizationTagsTaxHTField0>
+    <LocMarketGroupTiers2 xmlns="4873beb7-5857-4685-be1f-d57550cc96cc" xsi:nil="true"/>
+  </documentManagement>
+</p:properties>
+</file>
+
 <file path=customXml/item3.xml><?xml version="1.0" encoding="utf-8"?>
 <?mso-contentType ?>
 <FormTemplates xmlns="http://schemas.microsoft.com/sharepoint/v3/contenttype/forms">
@@ -11132,22 +11484,6 @@
 </file>
 
 <file path=customXml/itemProps1.xml><?xml version="1.0" encoding="utf-8"?>
-<ds:datastoreItem xmlns:ds="http://schemas.openxmlformats.org/officeDocument/2006/customXml" ds:itemID="{C335E791-7449-4708-8DE9-182EC4D8A134}">
-  <ds:schemaRefs>
-    <ds:schemaRef ds:uri="http://purl.org/dc/elements/1.1/"/>
-    <ds:schemaRef ds:uri="http://schemas.microsoft.com/office/2006/documentManagement/types"/>
-    <ds:schemaRef ds:uri="4873beb7-5857-4685-be1f-d57550cc96cc"/>
-    <ds:schemaRef ds:uri="http://schemas.openxmlformats.org/package/2006/metadata/core-properties"/>
-    <ds:schemaRef ds:uri="http://purl.org/dc/dcmitype/"/>
-    <ds:schemaRef ds:uri="http://schemas.microsoft.com/office/infopath/2007/PartnerControls"/>
-    <ds:schemaRef ds:uri="http://schemas.microsoft.com/office/2006/metadata/properties"/>
-    <ds:schemaRef ds:uri="http://www.w3.org/XML/1998/namespace"/>
-    <ds:schemaRef ds:uri="http://purl.org/dc/terms/"/>
-  </ds:schemaRefs>
-</ds:datastoreItem>
-</file>
-
-<file path=customXml/itemProps2.xml><?xml version="1.0" encoding="utf-8"?>
 <ds:datastoreItem xmlns:ds="http://schemas.openxmlformats.org/officeDocument/2006/customXml" ds:itemID="{6EB9514F-6A45-47F4-BC6D-A865E2971712}">
   <ds:schemaRefs>
     <ds:schemaRef ds:uri="http://schemas.microsoft.com/office/2006/metadata/contentType"/>
@@ -11165,6 +11501,22 @@
 </ds:datastoreItem>
 </file>
 
+<file path=customXml/itemProps2.xml><?xml version="1.0" encoding="utf-8"?>
+<ds:datastoreItem xmlns:ds="http://schemas.openxmlformats.org/officeDocument/2006/customXml" ds:itemID="{C335E791-7449-4708-8DE9-182EC4D8A134}">
+  <ds:schemaRefs>
+    <ds:schemaRef ds:uri="http://purl.org/dc/elements/1.1/"/>
+    <ds:schemaRef ds:uri="http://schemas.microsoft.com/office/2006/documentManagement/types"/>
+    <ds:schemaRef ds:uri="4873beb7-5857-4685-be1f-d57550cc96cc"/>
+    <ds:schemaRef ds:uri="http://schemas.openxmlformats.org/package/2006/metadata/core-properties"/>
+    <ds:schemaRef ds:uri="http://purl.org/dc/dcmitype/"/>
+    <ds:schemaRef ds:uri="http://schemas.microsoft.com/office/infopath/2007/PartnerControls"/>
+    <ds:schemaRef ds:uri="http://schemas.microsoft.com/office/2006/metadata/properties"/>
+    <ds:schemaRef ds:uri="http://www.w3.org/XML/1998/namespace"/>
+    <ds:schemaRef ds:uri="http://purl.org/dc/terms/"/>
+  </ds:schemaRefs>
+</ds:datastoreItem>
+</file>
+
 <file path=customXml/itemProps3.xml><?xml version="1.0" encoding="utf-8"?>
 <ds:datastoreItem xmlns:ds="http://schemas.openxmlformats.org/officeDocument/2006/customXml" ds:itemID="{3C20563B-C646-42AF-9D0D-76DF086793C3}">
   <ds:schemaRefs>
